--- a/Apresentação.pptx
+++ b/Apresentação.pptx
@@ -2,8 +2,30 @@
 <file path=ppt/presentation.xml><?xml version="1.0" encoding="utf-8"?>
 <p:presentation xmlns:a="http://schemas.openxmlformats.org/drawingml/2006/main" xmlns:r="http://schemas.openxmlformats.org/officeDocument/2006/relationships" xmlns:p="http://schemas.openxmlformats.org/presentationml/2006/main" saveSubsetFonts="1">
   <p:sldMasterIdLst>
-    <p:sldMasterId id="2147483648" r:id="rId1"/>
+    <p:sldMasterId id="2147483696" r:id="rId1"/>
   </p:sldMasterIdLst>
+  <p:sldIdLst>
+    <p:sldId id="256" r:id="rId2"/>
+    <p:sldId id="258" r:id="rId3"/>
+    <p:sldId id="257" r:id="rId4"/>
+    <p:sldId id="259" r:id="rId5"/>
+    <p:sldId id="260" r:id="rId6"/>
+    <p:sldId id="261" r:id="rId7"/>
+    <p:sldId id="262" r:id="rId8"/>
+    <p:sldId id="264" r:id="rId9"/>
+    <p:sldId id="265" r:id="rId10"/>
+    <p:sldId id="266" r:id="rId11"/>
+    <p:sldId id="267" r:id="rId12"/>
+    <p:sldId id="269" r:id="rId13"/>
+    <p:sldId id="268" r:id="rId14"/>
+    <p:sldId id="270" r:id="rId15"/>
+    <p:sldId id="271" r:id="rId16"/>
+    <p:sldId id="272" r:id="rId17"/>
+    <p:sldId id="276" r:id="rId18"/>
+    <p:sldId id="273" r:id="rId19"/>
+    <p:sldId id="274" r:id="rId20"/>
+    <p:sldId id="275" r:id="rId21"/>
+  </p:sldIdLst>
   <p:sldSz cx="9144000" cy="6858000" type="screen4x3"/>
   <p:notesSz cx="6858000" cy="9144000"/>
   <p:defaultTextStyle>
@@ -105,7 +127,7 @@
 </file>
 
 <file path=ppt/slideLayouts/slideLayout1.xml><?xml version="1.0" encoding="utf-8"?>
-<p:sldLayout xmlns:a="http://schemas.openxmlformats.org/drawingml/2006/main" xmlns:r="http://schemas.openxmlformats.org/officeDocument/2006/relationships" xmlns:p="http://schemas.openxmlformats.org/presentationml/2006/main" type="title" preserve="1">
+<p:sldLayout xmlns:a="http://schemas.openxmlformats.org/drawingml/2006/main" xmlns:r="http://schemas.openxmlformats.org/officeDocument/2006/relationships" xmlns:p="http://schemas.openxmlformats.org/presentationml/2006/main" showMasterSp="0" type="title" preserve="1">
   <p:cSld name="Slide de título">
     <p:spTree>
       <p:nvGrpSpPr>
@@ -121,48 +143,491 @@
           <a:chExt cx="0" cy="0"/>
         </a:xfrm>
       </p:grpSpPr>
-      <p:sp>
-        <p:nvSpPr>
-          <p:cNvPr id="2" name="Título 1"/>
-          <p:cNvSpPr>
-            <a:spLocks noGrp="1"/>
-          </p:cNvSpPr>
-          <p:nvPr>
-            <p:ph type="ctrTitle"/>
-          </p:nvPr>
+      <p:grpSp>
+        <p:nvGrpSpPr>
+          <p:cNvPr id="7" name="Group 15"/>
+          <p:cNvGrpSpPr/>
+          <p:nvPr/>
+        </p:nvGrpSpPr>
+        <p:grpSpPr>
+          <a:xfrm>
+            <a:off x="0" y="0"/>
+            <a:ext cx="9144000" cy="6858000"/>
+            <a:chOff x="0" y="0"/>
+            <a:chExt cx="9144000" cy="6858000"/>
+          </a:xfrm>
+        </p:grpSpPr>
+        <p:sp>
+          <p:nvSpPr>
+            <p:cNvPr id="8" name="Rectangle 7"/>
+            <p:cNvSpPr/>
+            <p:nvPr/>
+          </p:nvSpPr>
+          <p:spPr>
+            <a:xfrm>
+              <a:off x="0" y="0"/>
+              <a:ext cx="7162800" cy="6858000"/>
+            </a:xfrm>
+            <a:prstGeom prst="rect">
+              <a:avLst/>
+            </a:prstGeom>
+            <a:gradFill flip="none" rotWithShape="1">
+              <a:gsLst>
+                <a:gs pos="0">
+                  <a:srgbClr val="010101">
+                    <a:alpha val="51765"/>
+                  </a:srgbClr>
+                </a:gs>
+                <a:gs pos="60000">
+                  <a:srgbClr val="FEFEFE">
+                    <a:alpha val="0"/>
+                  </a:srgbClr>
+                </a:gs>
+              </a:gsLst>
+              <a:path path="circle">
+                <a:fillToRect t="100000" r="100000"/>
+              </a:path>
+              <a:tileRect l="-100000" b="-100000"/>
+            </a:gradFill>
+            <a:ln>
+              <a:noFill/>
+            </a:ln>
+          </p:spPr>
+          <p:style>
+            <a:lnRef idx="2">
+              <a:schemeClr val="accent1">
+                <a:shade val="50000"/>
+              </a:schemeClr>
+            </a:lnRef>
+            <a:fillRef idx="1">
+              <a:schemeClr val="accent1"/>
+            </a:fillRef>
+            <a:effectRef idx="0">
+              <a:schemeClr val="accent1"/>
+            </a:effectRef>
+            <a:fontRef idx="minor">
+              <a:schemeClr val="lt1"/>
+            </a:fontRef>
+          </p:style>
+          <p:txBody>
+            <a:bodyPr rtlCol="0" anchor="ctr"/>
+            <a:lstStyle/>
+            <a:p>
+              <a:pPr algn="ctr"/>
+              <a:endParaRPr lang="en-US"/>
+            </a:p>
+          </p:txBody>
+        </p:sp>
+        <p:sp>
+          <p:nvSpPr>
+            <p:cNvPr id="9" name="Rectangle 8"/>
+            <p:cNvSpPr/>
+            <p:nvPr/>
+          </p:nvSpPr>
+          <p:spPr>
+            <a:xfrm>
+              <a:off x="1143000" y="0"/>
+              <a:ext cx="8001000" cy="6858000"/>
+            </a:xfrm>
+            <a:prstGeom prst="rect">
+              <a:avLst/>
+            </a:prstGeom>
+            <a:gradFill flip="none" rotWithShape="1">
+              <a:gsLst>
+                <a:gs pos="0">
+                  <a:srgbClr val="010101">
+                    <a:alpha val="56000"/>
+                  </a:srgbClr>
+                </a:gs>
+                <a:gs pos="61000">
+                  <a:srgbClr val="FEFEFE">
+                    <a:alpha val="0"/>
+                  </a:srgbClr>
+                </a:gs>
+              </a:gsLst>
+              <a:path path="circle">
+                <a:fillToRect l="100000" t="100000"/>
+              </a:path>
+              <a:tileRect r="-100000" b="-100000"/>
+            </a:gradFill>
+            <a:ln>
+              <a:noFill/>
+            </a:ln>
+          </p:spPr>
+          <p:style>
+            <a:lnRef idx="2">
+              <a:schemeClr val="accent1">
+                <a:shade val="50000"/>
+              </a:schemeClr>
+            </a:lnRef>
+            <a:fillRef idx="1">
+              <a:schemeClr val="accent1"/>
+            </a:fillRef>
+            <a:effectRef idx="0">
+              <a:schemeClr val="accent1"/>
+            </a:effectRef>
+            <a:fontRef idx="minor">
+              <a:schemeClr val="lt1"/>
+            </a:fontRef>
+          </p:style>
+          <p:txBody>
+            <a:bodyPr rtlCol="0" anchor="ctr"/>
+            <a:lstStyle/>
+            <a:p>
+              <a:pPr algn="ctr"/>
+              <a:endParaRPr lang="en-US"/>
+            </a:p>
+          </p:txBody>
+        </p:sp>
+      </p:grpSp>
+      <p:sp>
+        <p:nvSpPr>
+          <p:cNvPr id="10" name="Freeform 9"/>
+          <p:cNvSpPr/>
+          <p:nvPr/>
+        </p:nvSpPr>
+        <p:spPr>
+          <a:xfrm rot="10800000">
+            <a:off x="891821" y="5617774"/>
+            <a:ext cx="7382935" cy="537210"/>
+          </a:xfrm>
+          <a:custGeom>
+            <a:avLst/>
+            <a:gdLst>
+              <a:gd name="connsiteX0" fmla="*/ 0 w 7955280"/>
+              <a:gd name="connsiteY0" fmla="*/ 495300 h 495300"/>
+              <a:gd name="connsiteX1" fmla="*/ 169546 w 7955280"/>
+              <a:gd name="connsiteY1" fmla="*/ 0 h 495300"/>
+              <a:gd name="connsiteX2" fmla="*/ 7785734 w 7955280"/>
+              <a:gd name="connsiteY2" fmla="*/ 0 h 495300"/>
+              <a:gd name="connsiteX3" fmla="*/ 7955280 w 7955280"/>
+              <a:gd name="connsiteY3" fmla="*/ 495300 h 495300"/>
+              <a:gd name="connsiteX4" fmla="*/ 0 w 7955280"/>
+              <a:gd name="connsiteY4" fmla="*/ 495300 h 495300"/>
+              <a:gd name="connsiteX0" fmla="*/ 0 w 7955280"/>
+              <a:gd name="connsiteY0" fmla="*/ 495300 h 495300"/>
+              <a:gd name="connsiteX1" fmla="*/ 169546 w 7955280"/>
+              <a:gd name="connsiteY1" fmla="*/ 0 h 495300"/>
+              <a:gd name="connsiteX2" fmla="*/ 3966210 w 7955280"/>
+              <a:gd name="connsiteY2" fmla="*/ 95250 h 495300"/>
+              <a:gd name="connsiteX3" fmla="*/ 7785734 w 7955280"/>
+              <a:gd name="connsiteY3" fmla="*/ 0 h 495300"/>
+              <a:gd name="connsiteX4" fmla="*/ 7955280 w 7955280"/>
+              <a:gd name="connsiteY4" fmla="*/ 495300 h 495300"/>
+              <a:gd name="connsiteX5" fmla="*/ 0 w 7955280"/>
+              <a:gd name="connsiteY5" fmla="*/ 495300 h 495300"/>
+            </a:gdLst>
+            <a:ahLst/>
+            <a:cxnLst>
+              <a:cxn ang="0">
+                <a:pos x="connsiteX0" y="connsiteY0"/>
+              </a:cxn>
+              <a:cxn ang="0">
+                <a:pos x="connsiteX1" y="connsiteY1"/>
+              </a:cxn>
+              <a:cxn ang="0">
+                <a:pos x="connsiteX2" y="connsiteY2"/>
+              </a:cxn>
+              <a:cxn ang="0">
+                <a:pos x="connsiteX3" y="connsiteY3"/>
+              </a:cxn>
+              <a:cxn ang="0">
+                <a:pos x="connsiteX4" y="connsiteY4"/>
+              </a:cxn>
+              <a:cxn ang="0">
+                <a:pos x="connsiteX5" y="connsiteY5"/>
+              </a:cxn>
+            </a:cxnLst>
+            <a:rect l="l" t="t" r="r" b="b"/>
+            <a:pathLst>
+              <a:path w="7955280" h="495300">
+                <a:moveTo>
+                  <a:pt x="0" y="495300"/>
+                </a:moveTo>
+                <a:lnTo>
+                  <a:pt x="169546" y="0"/>
+                </a:lnTo>
+                <a:lnTo>
+                  <a:pt x="3966210" y="95250"/>
+                </a:lnTo>
+                <a:lnTo>
+                  <a:pt x="7785734" y="0"/>
+                </a:lnTo>
+                <a:lnTo>
+                  <a:pt x="7955280" y="495300"/>
+                </a:lnTo>
+                <a:lnTo>
+                  <a:pt x="0" y="495300"/>
+                </a:lnTo>
+                <a:close/>
+              </a:path>
+            </a:pathLst>
+          </a:custGeom>
+          <a:gradFill flip="none" rotWithShape="1">
+            <a:gsLst>
+              <a:gs pos="30000">
+                <a:srgbClr val="010101">
+                  <a:alpha val="34000"/>
+                </a:srgbClr>
+              </a:gs>
+              <a:gs pos="100000">
+                <a:srgbClr val="010101">
+                  <a:alpha val="26000"/>
+                </a:srgbClr>
+              </a:gs>
+            </a:gsLst>
+            <a:path path="circle">
+              <a:fillToRect l="50000" t="50000" r="50000" b="50000"/>
+            </a:path>
+            <a:tileRect/>
+          </a:gradFill>
+          <a:ln>
+            <a:noFill/>
+          </a:ln>
+          <a:effectLst>
+            <a:softEdge rad="127000"/>
+          </a:effectLst>
+        </p:spPr>
+        <p:style>
+          <a:lnRef idx="2">
+            <a:schemeClr val="accent1">
+              <a:shade val="50000"/>
+            </a:schemeClr>
+          </a:lnRef>
+          <a:fillRef idx="1">
+            <a:schemeClr val="accent1"/>
+          </a:fillRef>
+          <a:effectRef idx="0">
+            <a:schemeClr val="accent1"/>
+          </a:effectRef>
+          <a:fontRef idx="minor">
+            <a:schemeClr val="lt1"/>
+          </a:fontRef>
+        </p:style>
+        <p:txBody>
+          <a:bodyPr rtlCol="0" anchor="ctr"/>
+          <a:lstStyle/>
+          <a:p>
+            <a:pPr algn="ctr"/>
+            <a:endParaRPr lang="en-US"/>
+          </a:p>
+        </p:txBody>
+      </p:sp>
+      <p:sp>
+        <p:nvSpPr>
+          <p:cNvPr id="11" name="Rectangle 10"/>
+          <p:cNvSpPr/>
+          <p:nvPr/>
         </p:nvSpPr>
         <p:spPr>
           <a:xfrm>
-            <a:off x="685800" y="2130425"/>
-            <a:ext cx="7772400" cy="1470025"/>
-          </a:xfrm>
-        </p:spPr>
-        <p:txBody>
-          <a:bodyPr/>
-          <a:lstStyle/>
-          <a:p>
-            <a:r>
-              <a:rPr lang="pt-BR" smtClean="0"/>
-              <a:t>Clique para editar o estilo do título mestre</a:t>
-            </a:r>
-            <a:endParaRPr lang="pt-BR"/>
-          </a:p>
-        </p:txBody>
-      </p:sp>
-      <p:sp>
-        <p:nvSpPr>
-          <p:cNvPr id="3" name="Subtítulo 2"/>
-          <p:cNvSpPr>
-            <a:spLocks noGrp="1"/>
-          </p:cNvSpPr>
-          <p:nvPr>
-            <p:ph type="subTitle" idx="1"/>
-          </p:nvPr>
+            <a:off x="989952" y="1016990"/>
+            <a:ext cx="7179733" cy="4831643"/>
+          </a:xfrm>
+          <a:prstGeom prst="rect">
+            <a:avLst/>
+          </a:prstGeom>
+          <a:solidFill>
+            <a:schemeClr val="bg1">
+              <a:lumMod val="75000"/>
+              <a:lumOff val="25000"/>
+            </a:schemeClr>
+          </a:solidFill>
+          <a:ln w="6350">
+            <a:noFill/>
+          </a:ln>
+          <a:effectLst>
+            <a:outerShdw blurRad="101600" dist="50800" dir="5400000" algn="t" rotWithShape="0">
+              <a:prstClr val="black">
+                <a:alpha val="20000"/>
+              </a:prstClr>
+            </a:outerShdw>
+          </a:effectLst>
+        </p:spPr>
+        <p:style>
+          <a:lnRef idx="2">
+            <a:schemeClr val="accent1">
+              <a:shade val="50000"/>
+            </a:schemeClr>
+          </a:lnRef>
+          <a:fillRef idx="1">
+            <a:schemeClr val="accent1"/>
+          </a:fillRef>
+          <a:effectRef idx="0">
+            <a:schemeClr val="accent1"/>
+          </a:effectRef>
+          <a:fontRef idx="minor">
+            <a:schemeClr val="lt1"/>
+          </a:fontRef>
+        </p:style>
+        <p:txBody>
+          <a:bodyPr rtlCol="0" anchor="ctr"/>
+          <a:lstStyle/>
+          <a:p>
+            <a:pPr algn="ctr"/>
+            <a:endParaRPr lang="en-US"/>
+          </a:p>
+        </p:txBody>
+      </p:sp>
+      <p:sp>
+        <p:nvSpPr>
+          <p:cNvPr id="12" name="Rectangle 11"/>
+          <p:cNvSpPr/>
+          <p:nvPr/>
         </p:nvSpPr>
         <p:spPr>
           <a:xfrm>
-            <a:off x="1371600" y="3886200"/>
-            <a:ext cx="6400800" cy="1752600"/>
+            <a:off x="990600" y="1009650"/>
+            <a:ext cx="7179733" cy="4831643"/>
+          </a:xfrm>
+          <a:prstGeom prst="rect">
+            <a:avLst/>
+          </a:prstGeom>
+          <a:blipFill dpi="0" rotWithShape="1">
+            <a:blip r:embed="rId2" cstate="print">
+              <a:alphaModFix amt="20000"/>
+              <a:grayscl/>
+              <a:lum contrast="12000"/>
+            </a:blip>
+            <a:srcRect/>
+            <a:tile tx="0" ty="0" sx="100000" sy="100000" flip="none" algn="tl"/>
+          </a:blipFill>
+          <a:ln w="6350">
+            <a:noFill/>
+          </a:ln>
+          <a:effectLst>
+            <a:outerShdw blurRad="101600" dist="50800" dir="5400000" algn="t" rotWithShape="0">
+              <a:prstClr val="black">
+                <a:alpha val="20000"/>
+              </a:prstClr>
+            </a:outerShdw>
+          </a:effectLst>
+        </p:spPr>
+        <p:style>
+          <a:lnRef idx="2">
+            <a:schemeClr val="accent1">
+              <a:shade val="50000"/>
+            </a:schemeClr>
+          </a:lnRef>
+          <a:fillRef idx="1">
+            <a:schemeClr val="accent1"/>
+          </a:fillRef>
+          <a:effectRef idx="0">
+            <a:schemeClr val="accent1"/>
+          </a:effectRef>
+          <a:fontRef idx="minor">
+            <a:schemeClr val="lt1"/>
+          </a:fontRef>
+        </p:style>
+        <p:txBody>
+          <a:bodyPr rtlCol="0" anchor="ctr"/>
+          <a:lstStyle/>
+          <a:p>
+            <a:pPr algn="ctr"/>
+            <a:endParaRPr lang="en-US"/>
+          </a:p>
+        </p:txBody>
+      </p:sp>
+      <p:pic>
+        <p:nvPicPr>
+          <p:cNvPr id="13" name="Picture 2" descr="C:\Users\Administrator\Desktop\Pushpin Dev\Assets\pushpinLeft.png"/>
+          <p:cNvPicPr>
+            <a:picLocks noChangeAspect="1" noChangeArrowheads="1"/>
+          </p:cNvPicPr>
+          <p:nvPr/>
+        </p:nvPicPr>
+        <p:blipFill>
+          <a:blip r:embed="rId3" cstate="print"/>
+          <a:srcRect/>
+          <a:stretch>
+            <a:fillRect/>
+          </a:stretch>
+        </p:blipFill>
+        <p:spPr bwMode="auto">
+          <a:xfrm rot="1435684">
+            <a:off x="769521" y="702069"/>
+            <a:ext cx="567831" cy="567830"/>
+          </a:xfrm>
+          <a:prstGeom prst="rect">
+            <a:avLst/>
+          </a:prstGeom>
+          <a:noFill/>
+        </p:spPr>
+      </p:pic>
+      <p:pic>
+        <p:nvPicPr>
+          <p:cNvPr id="14" name="Picture 2" descr="C:\Users\Administrator\Desktop\Pushpin Dev\Assets\pushpinLeft.png"/>
+          <p:cNvPicPr>
+            <a:picLocks noChangeAspect="1" noChangeArrowheads="1"/>
+          </p:cNvPicPr>
+          <p:nvPr/>
+        </p:nvPicPr>
+        <p:blipFill>
+          <a:blip r:embed="rId3" cstate="print"/>
+          <a:srcRect/>
+          <a:stretch>
+            <a:fillRect/>
+          </a:stretch>
+        </p:blipFill>
+        <p:spPr bwMode="auto">
+          <a:xfrm rot="4096196">
+            <a:off x="7855433" y="749720"/>
+            <a:ext cx="566928" cy="566928"/>
+          </a:xfrm>
+          <a:prstGeom prst="rect">
+            <a:avLst/>
+          </a:prstGeom>
+          <a:noFill/>
+        </p:spPr>
+      </p:pic>
+      <p:sp>
+        <p:nvSpPr>
+          <p:cNvPr id="2" name="Title 1"/>
+          <p:cNvSpPr>
+            <a:spLocks noGrp="1"/>
+          </p:cNvSpPr>
+          <p:nvPr>
+            <p:ph type="ctrTitle"/>
+          </p:nvPr>
+        </p:nvSpPr>
+        <p:spPr>
+          <a:xfrm>
+            <a:off x="1727201" y="1794935"/>
+            <a:ext cx="5723468" cy="1828090"/>
+          </a:xfrm>
+        </p:spPr>
+        <p:txBody>
+          <a:bodyPr anchor="b">
+            <a:normAutofit/>
+          </a:bodyPr>
+          <a:lstStyle>
+            <a:lvl1pPr>
+              <a:defRPr sz="4800"/>
+            </a:lvl1pPr>
+          </a:lstStyle>
+          <a:p>
+            <a:r>
+              <a:rPr lang="pt-BR" smtClean="0"/>
+              <a:t>Clique para editar o título mestre</a:t>
+            </a:r>
+            <a:endParaRPr lang="en-US"/>
+          </a:p>
+        </p:txBody>
+      </p:sp>
+      <p:sp>
+        <p:nvSpPr>
+          <p:cNvPr id="3" name="Subtitle 2"/>
+          <p:cNvSpPr>
+            <a:spLocks noGrp="1"/>
+          </p:cNvSpPr>
+          <p:nvPr>
+            <p:ph type="subTitle" idx="1"/>
+          </p:nvPr>
+        </p:nvSpPr>
+        <p:spPr>
+          <a:xfrm>
+            <a:off x="1727200" y="3736622"/>
+            <a:ext cx="5712179" cy="1524000"/>
           </a:xfrm>
         </p:spPr>
         <p:txBody>
@@ -172,9 +637,7 @@
               <a:buNone/>
               <a:defRPr>
                 <a:solidFill>
-                  <a:schemeClr val="tx1">
-                    <a:tint val="75000"/>
-                  </a:schemeClr>
+                  <a:schemeClr val="tx2"/>
                 </a:solidFill>
               </a:defRPr>
             </a:lvl1pPr>
@@ -264,13 +727,13 @@
               <a:rPr lang="pt-BR" smtClean="0"/>
               <a:t>Clique para editar o estilo do subtítulo mestre</a:t>
             </a:r>
-            <a:endParaRPr lang="pt-BR"/>
-          </a:p>
-        </p:txBody>
-      </p:sp>
-      <p:sp>
-        <p:nvSpPr>
-          <p:cNvPr id="4" name="Espaço Reservado para Data 3"/>
+            <a:endParaRPr lang="en-US" dirty="0"/>
+          </a:p>
+        </p:txBody>
+      </p:sp>
+      <p:sp>
+        <p:nvSpPr>
+          <p:cNvPr id="4" name="Date Placeholder 3"/>
           <p:cNvSpPr>
             <a:spLocks noGrp="1"/>
           </p:cNvSpPr>
@@ -278,14 +741,19 @@
             <p:ph type="dt" sz="half" idx="10"/>
           </p:nvPr>
         </p:nvSpPr>
-        <p:spPr/>
+        <p:spPr>
+          <a:xfrm>
+            <a:off x="6770676" y="5357592"/>
+            <a:ext cx="1213821" cy="365125"/>
+          </a:xfrm>
+        </p:spPr>
         <p:txBody>
           <a:bodyPr/>
           <a:lstStyle/>
           <a:p>
             <a:fld id="{2E700DB3-DBF0-4086-B675-117E7A9610B8}" type="datetimeFigureOut">
               <a:rPr lang="pt-BR" smtClean="0"/>
-              <a:t>20/9/2006</a:t>
+              <a:t>27/05/2019</a:t>
             </a:fld>
             <a:endParaRPr lang="pt-BR"/>
           </a:p>
@@ -293,7 +761,7 @@
       </p:sp>
       <p:sp>
         <p:nvSpPr>
-          <p:cNvPr id="5" name="Espaço Reservado para Rodapé 4"/>
+          <p:cNvPr id="5" name="Footer Placeholder 4"/>
           <p:cNvSpPr>
             <a:spLocks noGrp="1"/>
           </p:cNvSpPr>
@@ -301,7 +769,12 @@
             <p:ph type="ftr" sz="quarter" idx="11"/>
           </p:nvPr>
         </p:nvSpPr>
-        <p:spPr/>
+        <p:spPr>
+          <a:xfrm>
+            <a:off x="1174044" y="5357592"/>
+            <a:ext cx="5034845" cy="365125"/>
+          </a:xfrm>
+        </p:spPr>
         <p:txBody>
           <a:bodyPr/>
           <a:lstStyle/>
@@ -312,7 +785,7 @@
       </p:sp>
       <p:sp>
         <p:nvSpPr>
-          <p:cNvPr id="6" name="Espaço Reservado para Número de Slide 5"/>
+          <p:cNvPr id="6" name="Slide Number Placeholder 5"/>
           <p:cNvSpPr>
             <a:spLocks noGrp="1"/>
           </p:cNvSpPr>
@@ -320,10 +793,19 @@
             <p:ph type="sldNum" sz="quarter" idx="12"/>
           </p:nvPr>
         </p:nvSpPr>
-        <p:spPr/>
+        <p:spPr>
+          <a:xfrm>
+            <a:off x="6213930" y="5357592"/>
+            <a:ext cx="554023" cy="365125"/>
+          </a:xfrm>
+        </p:spPr>
         <p:txBody>
           <a:bodyPr/>
-          <a:lstStyle/>
+          <a:lstStyle>
+            <a:lvl1pPr algn="ctr">
+              <a:defRPr/>
+            </a:lvl1pPr>
+          </a:lstStyle>
           <a:p>
             <a:fld id="{2119D8CF-8DEC-4D9F-84EE-ADF04DFF3391}" type="slidenum">
               <a:rPr lang="pt-BR" smtClean="0"/>
@@ -360,7 +842,7 @@
       </p:grpSpPr>
       <p:sp>
         <p:nvSpPr>
-          <p:cNvPr id="2" name="Título 1"/>
+          <p:cNvPr id="2" name="Title 1"/>
           <p:cNvSpPr>
             <a:spLocks noGrp="1"/>
           </p:cNvSpPr>
@@ -375,15 +857,15 @@
           <a:p>
             <a:r>
               <a:rPr lang="pt-BR" smtClean="0"/>
-              <a:t>Clique para editar o estilo do título mestre</a:t>
-            </a:r>
-            <a:endParaRPr lang="pt-BR"/>
-          </a:p>
-        </p:txBody>
-      </p:sp>
-      <p:sp>
-        <p:nvSpPr>
-          <p:cNvPr id="3" name="Espaço Reservado para Texto Vertical 2"/>
+              <a:t>Clique para editar o título mestre</a:t>
+            </a:r>
+            <a:endParaRPr lang="en-US"/>
+          </a:p>
+        </p:txBody>
+      </p:sp>
+      <p:sp>
+        <p:nvSpPr>
+          <p:cNvPr id="3" name="Vertical Text Placeholder 2"/>
           <p:cNvSpPr>
             <a:spLocks noGrp="1"/>
           </p:cNvSpPr>
@@ -393,13 +875,13 @@
         </p:nvSpPr>
         <p:spPr/>
         <p:txBody>
-          <a:bodyPr vert="eaVert"/>
+          <a:bodyPr vert="eaVert" anchor="ctr"/>
           <a:lstStyle/>
           <a:p>
             <a:pPr lvl="0"/>
             <a:r>
               <a:rPr lang="pt-BR" smtClean="0"/>
-              <a:t>Clique para editar os estilos do texto mestre</a:t>
+              <a:t>Clique para editar o texto mestre</a:t>
             </a:r>
           </a:p>
           <a:p>
@@ -429,13 +911,13 @@
               <a:rPr lang="pt-BR" smtClean="0"/>
               <a:t>Quinto nível</a:t>
             </a:r>
-            <a:endParaRPr lang="pt-BR"/>
-          </a:p>
-        </p:txBody>
-      </p:sp>
-      <p:sp>
-        <p:nvSpPr>
-          <p:cNvPr id="4" name="Espaço Reservado para Data 3"/>
+            <a:endParaRPr lang="en-US"/>
+          </a:p>
+        </p:txBody>
+      </p:sp>
+      <p:sp>
+        <p:nvSpPr>
+          <p:cNvPr id="4" name="Date Placeholder 3"/>
           <p:cNvSpPr>
             <a:spLocks noGrp="1"/>
           </p:cNvSpPr>
@@ -450,7 +932,7 @@
           <a:p>
             <a:fld id="{2E700DB3-DBF0-4086-B675-117E7A9610B8}" type="datetimeFigureOut">
               <a:rPr lang="pt-BR" smtClean="0"/>
-              <a:t>20/9/2006</a:t>
+              <a:t>27/05/2019</a:t>
             </a:fld>
             <a:endParaRPr lang="pt-BR"/>
           </a:p>
@@ -458,7 +940,7 @@
       </p:sp>
       <p:sp>
         <p:nvSpPr>
-          <p:cNvPr id="5" name="Espaço Reservado para Rodapé 4"/>
+          <p:cNvPr id="5" name="Footer Placeholder 4"/>
           <p:cNvSpPr>
             <a:spLocks noGrp="1"/>
           </p:cNvSpPr>
@@ -477,7 +959,7 @@
       </p:sp>
       <p:sp>
         <p:nvSpPr>
-          <p:cNvPr id="6" name="Espaço Reservado para Número de Slide 5"/>
+          <p:cNvPr id="6" name="Slide Number Placeholder 5"/>
           <p:cNvSpPr>
             <a:spLocks noGrp="1"/>
           </p:cNvSpPr>
@@ -525,7 +1007,7 @@
       </p:grpSpPr>
       <p:sp>
         <p:nvSpPr>
-          <p:cNvPr id="2" name="Título Vertical 1"/>
+          <p:cNvPr id="2" name="Vertical Title 1"/>
           <p:cNvSpPr>
             <a:spLocks noGrp="1"/>
           </p:cNvSpPr>
@@ -535,25 +1017,29 @@
         </p:nvSpPr>
         <p:spPr>
           <a:xfrm>
-            <a:off x="6629400" y="274638"/>
-            <a:ext cx="2057400" cy="5851525"/>
+            <a:off x="6629401" y="925690"/>
+            <a:ext cx="1430867" cy="4763911"/>
           </a:xfrm>
         </p:spPr>
         <p:txBody>
           <a:bodyPr vert="eaVert"/>
-          <a:lstStyle/>
+          <a:lstStyle>
+            <a:lvl1pPr algn="l">
+              <a:defRPr/>
+            </a:lvl1pPr>
+          </a:lstStyle>
           <a:p>
             <a:r>
               <a:rPr lang="pt-BR" smtClean="0"/>
-              <a:t>Clique para editar o estilo do título mestre</a:t>
-            </a:r>
-            <a:endParaRPr lang="pt-BR"/>
-          </a:p>
-        </p:txBody>
-      </p:sp>
-      <p:sp>
-        <p:nvSpPr>
-          <p:cNvPr id="3" name="Espaço Reservado para Texto Vertical 2"/>
+              <a:t>Clique para editar o título mestre</a:t>
+            </a:r>
+            <a:endParaRPr lang="en-US" dirty="0"/>
+          </a:p>
+        </p:txBody>
+      </p:sp>
+      <p:sp>
+        <p:nvSpPr>
+          <p:cNvPr id="3" name="Vertical Text Placeholder 2"/>
           <p:cNvSpPr>
             <a:spLocks noGrp="1"/>
           </p:cNvSpPr>
@@ -563,8 +1049,8 @@
         </p:nvSpPr>
         <p:spPr>
           <a:xfrm>
-            <a:off x="457200" y="274638"/>
-            <a:ext cx="6019800" cy="5851525"/>
+            <a:off x="1298221" y="1106312"/>
+            <a:ext cx="5178779" cy="4402667"/>
           </a:xfrm>
         </p:spPr>
         <p:txBody>
@@ -574,7 +1060,7 @@
             <a:pPr lvl="0"/>
             <a:r>
               <a:rPr lang="pt-BR" smtClean="0"/>
-              <a:t>Clique para editar os estilos do texto mestre</a:t>
+              <a:t>Clique para editar o texto mestre</a:t>
             </a:r>
           </a:p>
           <a:p>
@@ -604,13 +1090,13 @@
               <a:rPr lang="pt-BR" smtClean="0"/>
               <a:t>Quinto nível</a:t>
             </a:r>
-            <a:endParaRPr lang="pt-BR"/>
-          </a:p>
-        </p:txBody>
-      </p:sp>
-      <p:sp>
-        <p:nvSpPr>
-          <p:cNvPr id="4" name="Espaço Reservado para Data 3"/>
+            <a:endParaRPr lang="en-US"/>
+          </a:p>
+        </p:txBody>
+      </p:sp>
+      <p:sp>
+        <p:nvSpPr>
+          <p:cNvPr id="4" name="Date Placeholder 3"/>
           <p:cNvSpPr>
             <a:spLocks noGrp="1"/>
           </p:cNvSpPr>
@@ -625,7 +1111,7 @@
           <a:p>
             <a:fld id="{2E700DB3-DBF0-4086-B675-117E7A9610B8}" type="datetimeFigureOut">
               <a:rPr lang="pt-BR" smtClean="0"/>
-              <a:t>20/9/2006</a:t>
+              <a:t>27/05/2019</a:t>
             </a:fld>
             <a:endParaRPr lang="pt-BR"/>
           </a:p>
@@ -633,7 +1119,7 @@
       </p:sp>
       <p:sp>
         <p:nvSpPr>
-          <p:cNvPr id="5" name="Espaço Reservado para Rodapé 4"/>
+          <p:cNvPr id="5" name="Footer Placeholder 4"/>
           <p:cNvSpPr>
             <a:spLocks noGrp="1"/>
           </p:cNvSpPr>
@@ -652,7 +1138,7 @@
       </p:sp>
       <p:sp>
         <p:nvSpPr>
-          <p:cNvPr id="6" name="Espaço Reservado para Número de Slide 5"/>
+          <p:cNvPr id="6" name="Slide Number Placeholder 5"/>
           <p:cNvSpPr>
             <a:spLocks noGrp="1"/>
           </p:cNvSpPr>
@@ -700,7 +1186,7 @@
       </p:grpSpPr>
       <p:sp>
         <p:nvSpPr>
-          <p:cNvPr id="2" name="Título 1"/>
+          <p:cNvPr id="2" name="Title 1"/>
           <p:cNvSpPr>
             <a:spLocks noGrp="1"/>
           </p:cNvSpPr>
@@ -715,15 +1201,15 @@
           <a:p>
             <a:r>
               <a:rPr lang="pt-BR" smtClean="0"/>
-              <a:t>Clique para editar o estilo do título mestre</a:t>
-            </a:r>
-            <a:endParaRPr lang="pt-BR"/>
-          </a:p>
-        </p:txBody>
-      </p:sp>
-      <p:sp>
-        <p:nvSpPr>
-          <p:cNvPr id="3" name="Espaço Reservado para Conteúdo 2"/>
+              <a:t>Clique para editar o título mestre</a:t>
+            </a:r>
+            <a:endParaRPr lang="en-US"/>
+          </a:p>
+        </p:txBody>
+      </p:sp>
+      <p:sp>
+        <p:nvSpPr>
+          <p:cNvPr id="3" name="Content Placeholder 2"/>
           <p:cNvSpPr>
             <a:spLocks noGrp="1"/>
           </p:cNvSpPr>
@@ -739,7 +1225,7 @@
             <a:pPr lvl="0"/>
             <a:r>
               <a:rPr lang="pt-BR" smtClean="0"/>
-              <a:t>Clique para editar os estilos do texto mestre</a:t>
+              <a:t>Clique para editar o texto mestre</a:t>
             </a:r>
           </a:p>
           <a:p>
@@ -769,13 +1255,13 @@
               <a:rPr lang="pt-BR" smtClean="0"/>
               <a:t>Quinto nível</a:t>
             </a:r>
-            <a:endParaRPr lang="pt-BR"/>
-          </a:p>
-        </p:txBody>
-      </p:sp>
-      <p:sp>
-        <p:nvSpPr>
-          <p:cNvPr id="4" name="Espaço Reservado para Data 3"/>
+            <a:endParaRPr lang="en-US"/>
+          </a:p>
+        </p:txBody>
+      </p:sp>
+      <p:sp>
+        <p:nvSpPr>
+          <p:cNvPr id="4" name="Date Placeholder 3"/>
           <p:cNvSpPr>
             <a:spLocks noGrp="1"/>
           </p:cNvSpPr>
@@ -790,7 +1276,7 @@
           <a:p>
             <a:fld id="{2E700DB3-DBF0-4086-B675-117E7A9610B8}" type="datetimeFigureOut">
               <a:rPr lang="pt-BR" smtClean="0"/>
-              <a:t>20/9/2006</a:t>
+              <a:t>27/05/2019</a:t>
             </a:fld>
             <a:endParaRPr lang="pt-BR"/>
           </a:p>
@@ -798,7 +1284,7 @@
       </p:sp>
       <p:sp>
         <p:nvSpPr>
-          <p:cNvPr id="5" name="Espaço Reservado para Rodapé 4"/>
+          <p:cNvPr id="5" name="Footer Placeholder 4"/>
           <p:cNvSpPr>
             <a:spLocks noGrp="1"/>
           </p:cNvSpPr>
@@ -817,7 +1303,7 @@
       </p:sp>
       <p:sp>
         <p:nvSpPr>
-          <p:cNvPr id="6" name="Espaço Reservado para Número de Slide 5"/>
+          <p:cNvPr id="6" name="Slide Number Placeholder 5"/>
           <p:cNvSpPr>
             <a:spLocks noGrp="1"/>
           </p:cNvSpPr>
@@ -865,7 +1351,7 @@
       </p:grpSpPr>
       <p:sp>
         <p:nvSpPr>
-          <p:cNvPr id="2" name="Título 1"/>
+          <p:cNvPr id="2" name="Title 1"/>
           <p:cNvSpPr>
             <a:spLocks noGrp="1"/>
           </p:cNvSpPr>
@@ -875,52 +1361,50 @@
         </p:nvSpPr>
         <p:spPr>
           <a:xfrm>
-            <a:off x="722313" y="4406900"/>
-            <a:ext cx="7772400" cy="1362075"/>
+            <a:off x="1444979" y="2239430"/>
+            <a:ext cx="6254044" cy="1362075"/>
+          </a:xfrm>
+        </p:spPr>
+        <p:txBody>
+          <a:bodyPr anchor="b"/>
+          <a:lstStyle>
+            <a:lvl1pPr algn="ctr">
+              <a:defRPr sz="4000" b="0" cap="none" baseline="0"/>
+            </a:lvl1pPr>
+          </a:lstStyle>
+          <a:p>
+            <a:r>
+              <a:rPr lang="pt-BR" smtClean="0"/>
+              <a:t>Clique para editar o título mestre</a:t>
+            </a:r>
+            <a:endParaRPr lang="en-US" dirty="0"/>
+          </a:p>
+        </p:txBody>
+      </p:sp>
+      <p:sp>
+        <p:nvSpPr>
+          <p:cNvPr id="3" name="Text Placeholder 2"/>
+          <p:cNvSpPr>
+            <a:spLocks noGrp="1"/>
+          </p:cNvSpPr>
+          <p:nvPr>
+            <p:ph type="body" idx="1"/>
+          </p:nvPr>
+        </p:nvSpPr>
+        <p:spPr>
+          <a:xfrm>
+            <a:off x="1456267" y="3725334"/>
+            <a:ext cx="6231467" cy="1309511"/>
           </a:xfrm>
         </p:spPr>
         <p:txBody>
           <a:bodyPr anchor="t"/>
           <a:lstStyle>
-            <a:lvl1pPr algn="l">
-              <a:defRPr sz="4000" b="1" cap="all"/>
-            </a:lvl1pPr>
-          </a:lstStyle>
-          <a:p>
-            <a:r>
-              <a:rPr lang="pt-BR" smtClean="0"/>
-              <a:t>Clique para editar o estilo do título mestre</a:t>
-            </a:r>
-            <a:endParaRPr lang="pt-BR"/>
-          </a:p>
-        </p:txBody>
-      </p:sp>
-      <p:sp>
-        <p:nvSpPr>
-          <p:cNvPr id="3" name="Espaço Reservado para Texto 2"/>
-          <p:cNvSpPr>
-            <a:spLocks noGrp="1"/>
-          </p:cNvSpPr>
-          <p:nvPr>
-            <p:ph type="body" idx="1"/>
-          </p:nvPr>
-        </p:nvSpPr>
-        <p:spPr>
-          <a:xfrm>
-            <a:off x="722313" y="2906713"/>
-            <a:ext cx="7772400" cy="1500187"/>
-          </a:xfrm>
-        </p:spPr>
-        <p:txBody>
-          <a:bodyPr anchor="b"/>
-          <a:lstStyle>
-            <a:lvl1pPr marL="0" indent="0">
+            <a:lvl1pPr marL="0" indent="0" algn="ctr">
               <a:buNone/>
               <a:defRPr sz="2000">
                 <a:solidFill>
-                  <a:schemeClr val="tx1">
-                    <a:tint val="75000"/>
-                  </a:schemeClr>
+                  <a:schemeClr val="tx2"/>
                 </a:solidFill>
               </a:defRPr>
             </a:lvl1pPr>
@@ -1009,14 +1493,14 @@
             <a:pPr lvl="0"/>
             <a:r>
               <a:rPr lang="pt-BR" smtClean="0"/>
-              <a:t>Clique para editar os estilos do texto mestre</a:t>
-            </a:r>
-          </a:p>
-        </p:txBody>
-      </p:sp>
-      <p:sp>
-        <p:nvSpPr>
-          <p:cNvPr id="4" name="Espaço Reservado para Data 3"/>
+              <a:t>Clique para editar o texto mestre</a:t>
+            </a:r>
+          </a:p>
+        </p:txBody>
+      </p:sp>
+      <p:sp>
+        <p:nvSpPr>
+          <p:cNvPr id="4" name="Date Placeholder 3"/>
           <p:cNvSpPr>
             <a:spLocks noGrp="1"/>
           </p:cNvSpPr>
@@ -1031,7 +1515,7 @@
           <a:p>
             <a:fld id="{2E700DB3-DBF0-4086-B675-117E7A9610B8}" type="datetimeFigureOut">
               <a:rPr lang="pt-BR" smtClean="0"/>
-              <a:t>20/9/2006</a:t>
+              <a:t>27/05/2019</a:t>
             </a:fld>
             <a:endParaRPr lang="pt-BR"/>
           </a:p>
@@ -1039,7 +1523,7 @@
       </p:sp>
       <p:sp>
         <p:nvSpPr>
-          <p:cNvPr id="5" name="Espaço Reservado para Rodapé 4"/>
+          <p:cNvPr id="5" name="Footer Placeholder 4"/>
           <p:cNvSpPr>
             <a:spLocks noGrp="1"/>
           </p:cNvSpPr>
@@ -1058,7 +1542,7 @@
       </p:sp>
       <p:sp>
         <p:nvSpPr>
-          <p:cNvPr id="6" name="Espaço Reservado para Número de Slide 5"/>
+          <p:cNvPr id="6" name="Slide Number Placeholder 5"/>
           <p:cNvSpPr>
             <a:spLocks noGrp="1"/>
           </p:cNvSpPr>
@@ -1106,7 +1590,7 @@
       </p:grpSpPr>
       <p:sp>
         <p:nvSpPr>
-          <p:cNvPr id="2" name="Título 1"/>
+          <p:cNvPr id="2" name="Title 1"/>
           <p:cNvSpPr>
             <a:spLocks noGrp="1"/>
           </p:cNvSpPr>
@@ -1121,185 +1605,15 @@
           <a:p>
             <a:r>
               <a:rPr lang="pt-BR" smtClean="0"/>
-              <a:t>Clique para editar o estilo do título mestre</a:t>
-            </a:r>
-            <a:endParaRPr lang="pt-BR"/>
-          </a:p>
-        </p:txBody>
-      </p:sp>
-      <p:sp>
-        <p:nvSpPr>
-          <p:cNvPr id="3" name="Espaço Reservado para Conteúdo 2"/>
-          <p:cNvSpPr>
-            <a:spLocks noGrp="1"/>
-          </p:cNvSpPr>
-          <p:nvPr>
-            <p:ph sz="half" idx="1"/>
-          </p:nvPr>
-        </p:nvSpPr>
-        <p:spPr>
-          <a:xfrm>
-            <a:off x="457200" y="1600200"/>
-            <a:ext cx="4038600" cy="4525963"/>
-          </a:xfrm>
-        </p:spPr>
-        <p:txBody>
-          <a:bodyPr/>
-          <a:lstStyle>
-            <a:lvl1pPr>
-              <a:defRPr sz="2800"/>
-            </a:lvl1pPr>
-            <a:lvl2pPr>
-              <a:defRPr sz="2400"/>
-            </a:lvl2pPr>
-            <a:lvl3pPr>
-              <a:defRPr sz="2000"/>
-            </a:lvl3pPr>
-            <a:lvl4pPr>
-              <a:defRPr sz="1800"/>
-            </a:lvl4pPr>
-            <a:lvl5pPr>
-              <a:defRPr sz="1800"/>
-            </a:lvl5pPr>
-            <a:lvl6pPr>
-              <a:defRPr sz="1800"/>
-            </a:lvl6pPr>
-            <a:lvl7pPr>
-              <a:defRPr sz="1800"/>
-            </a:lvl7pPr>
-            <a:lvl8pPr>
-              <a:defRPr sz="1800"/>
-            </a:lvl8pPr>
-            <a:lvl9pPr>
-              <a:defRPr sz="1800"/>
-            </a:lvl9pPr>
-          </a:lstStyle>
-          <a:p>
-            <a:pPr lvl="0"/>
-            <a:r>
-              <a:rPr lang="pt-BR" smtClean="0"/>
-              <a:t>Clique para editar os estilos do texto mestre</a:t>
-            </a:r>
-          </a:p>
-          <a:p>
-            <a:pPr lvl="1"/>
-            <a:r>
-              <a:rPr lang="pt-BR" smtClean="0"/>
-              <a:t>Segundo nível</a:t>
-            </a:r>
-          </a:p>
-          <a:p>
-            <a:pPr lvl="2"/>
-            <a:r>
-              <a:rPr lang="pt-BR" smtClean="0"/>
-              <a:t>Terceiro nível</a:t>
-            </a:r>
-          </a:p>
-          <a:p>
-            <a:pPr lvl="3"/>
-            <a:r>
-              <a:rPr lang="pt-BR" smtClean="0"/>
-              <a:t>Quarto nível</a:t>
-            </a:r>
-          </a:p>
-          <a:p>
-            <a:pPr lvl="4"/>
-            <a:r>
-              <a:rPr lang="pt-BR" smtClean="0"/>
-              <a:t>Quinto nível</a:t>
-            </a:r>
-            <a:endParaRPr lang="pt-BR"/>
-          </a:p>
-        </p:txBody>
-      </p:sp>
-      <p:sp>
-        <p:nvSpPr>
-          <p:cNvPr id="4" name="Espaço Reservado para Conteúdo 3"/>
-          <p:cNvSpPr>
-            <a:spLocks noGrp="1"/>
-          </p:cNvSpPr>
-          <p:nvPr>
-            <p:ph sz="half" idx="2"/>
-          </p:nvPr>
-        </p:nvSpPr>
-        <p:spPr>
-          <a:xfrm>
-            <a:off x="4648200" y="1600200"/>
-            <a:ext cx="4038600" cy="4525963"/>
-          </a:xfrm>
-        </p:spPr>
-        <p:txBody>
-          <a:bodyPr/>
-          <a:lstStyle>
-            <a:lvl1pPr>
-              <a:defRPr sz="2800"/>
-            </a:lvl1pPr>
-            <a:lvl2pPr>
-              <a:defRPr sz="2400"/>
-            </a:lvl2pPr>
-            <a:lvl3pPr>
-              <a:defRPr sz="2000"/>
-            </a:lvl3pPr>
-            <a:lvl4pPr>
-              <a:defRPr sz="1800"/>
-            </a:lvl4pPr>
-            <a:lvl5pPr>
-              <a:defRPr sz="1800"/>
-            </a:lvl5pPr>
-            <a:lvl6pPr>
-              <a:defRPr sz="1800"/>
-            </a:lvl6pPr>
-            <a:lvl7pPr>
-              <a:defRPr sz="1800"/>
-            </a:lvl7pPr>
-            <a:lvl8pPr>
-              <a:defRPr sz="1800"/>
-            </a:lvl8pPr>
-            <a:lvl9pPr>
-              <a:defRPr sz="1800"/>
-            </a:lvl9pPr>
-          </a:lstStyle>
-          <a:p>
-            <a:pPr lvl="0"/>
-            <a:r>
-              <a:rPr lang="pt-BR" smtClean="0"/>
-              <a:t>Clique para editar os estilos do texto mestre</a:t>
-            </a:r>
-          </a:p>
-          <a:p>
-            <a:pPr lvl="1"/>
-            <a:r>
-              <a:rPr lang="pt-BR" smtClean="0"/>
-              <a:t>Segundo nível</a:t>
-            </a:r>
-          </a:p>
-          <a:p>
-            <a:pPr lvl="2"/>
-            <a:r>
-              <a:rPr lang="pt-BR" smtClean="0"/>
-              <a:t>Terceiro nível</a:t>
-            </a:r>
-          </a:p>
-          <a:p>
-            <a:pPr lvl="3"/>
-            <a:r>
-              <a:rPr lang="pt-BR" smtClean="0"/>
-              <a:t>Quarto nível</a:t>
-            </a:r>
-          </a:p>
-          <a:p>
-            <a:pPr lvl="4"/>
-            <a:r>
-              <a:rPr lang="pt-BR" smtClean="0"/>
-              <a:t>Quinto nível</a:t>
-            </a:r>
-            <a:endParaRPr lang="pt-BR"/>
-          </a:p>
-        </p:txBody>
-      </p:sp>
-      <p:sp>
-        <p:nvSpPr>
-          <p:cNvPr id="5" name="Espaço Reservado para Data 4"/>
+              <a:t>Clique para editar o título mestre</a:t>
+            </a:r>
+            <a:endParaRPr lang="en-US"/>
+          </a:p>
+        </p:txBody>
+      </p:sp>
+      <p:sp>
+        <p:nvSpPr>
+          <p:cNvPr id="5" name="Date Placeholder 4"/>
           <p:cNvSpPr>
             <a:spLocks noGrp="1"/>
           </p:cNvSpPr>
@@ -1314,7 +1628,7 @@
           <a:p>
             <a:fld id="{2E700DB3-DBF0-4086-B675-117E7A9610B8}" type="datetimeFigureOut">
               <a:rPr lang="pt-BR" smtClean="0"/>
-              <a:t>20/9/2006</a:t>
+              <a:t>27/05/2019</a:t>
             </a:fld>
             <a:endParaRPr lang="pt-BR"/>
           </a:p>
@@ -1322,7 +1636,7 @@
       </p:sp>
       <p:sp>
         <p:nvSpPr>
-          <p:cNvPr id="6" name="Espaço Reservado para Rodapé 5"/>
+          <p:cNvPr id="6" name="Footer Placeholder 5"/>
           <p:cNvSpPr>
             <a:spLocks noGrp="1"/>
           </p:cNvSpPr>
@@ -1341,7 +1655,7 @@
       </p:sp>
       <p:sp>
         <p:nvSpPr>
-          <p:cNvPr id="7" name="Espaço Reservado para Número de Slide 6"/>
+          <p:cNvPr id="7" name="Slide Number Placeholder 6"/>
           <p:cNvSpPr>
             <a:spLocks noGrp="1"/>
           </p:cNvSpPr>
@@ -1359,6 +1673,120 @@
               <a:t>‹nº›</a:t>
             </a:fld>
             <a:endParaRPr lang="pt-BR"/>
+          </a:p>
+        </p:txBody>
+      </p:sp>
+      <p:sp>
+        <p:nvSpPr>
+          <p:cNvPr id="9" name="Content Placeholder 8"/>
+          <p:cNvSpPr>
+            <a:spLocks noGrp="1"/>
+          </p:cNvSpPr>
+          <p:nvPr>
+            <p:ph sz="quarter" idx="13"/>
+          </p:nvPr>
+        </p:nvSpPr>
+        <p:spPr>
+          <a:xfrm>
+            <a:off x="1298448" y="2121407"/>
+            <a:ext cx="3200400" cy="3602736"/>
+          </a:xfrm>
+        </p:spPr>
+        <p:txBody>
+          <a:bodyPr/>
+          <a:lstStyle/>
+          <a:p>
+            <a:pPr lvl="0"/>
+            <a:r>
+              <a:rPr lang="pt-BR" smtClean="0"/>
+              <a:t>Clique para editar o texto mestre</a:t>
+            </a:r>
+          </a:p>
+          <a:p>
+            <a:pPr lvl="1"/>
+            <a:r>
+              <a:rPr lang="pt-BR" smtClean="0"/>
+              <a:t>Segundo nível</a:t>
+            </a:r>
+          </a:p>
+          <a:p>
+            <a:pPr lvl="2"/>
+            <a:r>
+              <a:rPr lang="pt-BR" smtClean="0"/>
+              <a:t>Terceiro nível</a:t>
+            </a:r>
+          </a:p>
+          <a:p>
+            <a:pPr lvl="3"/>
+            <a:r>
+              <a:rPr lang="pt-BR" smtClean="0"/>
+              <a:t>Quarto nível</a:t>
+            </a:r>
+          </a:p>
+          <a:p>
+            <a:pPr lvl="4"/>
+            <a:r>
+              <a:rPr lang="pt-BR" smtClean="0"/>
+              <a:t>Quinto nível</a:t>
+            </a:r>
+            <a:endParaRPr lang="en-US"/>
+          </a:p>
+        </p:txBody>
+      </p:sp>
+      <p:sp>
+        <p:nvSpPr>
+          <p:cNvPr id="11" name="Content Placeholder 10"/>
+          <p:cNvSpPr>
+            <a:spLocks noGrp="1"/>
+          </p:cNvSpPr>
+          <p:nvPr>
+            <p:ph sz="quarter" idx="14"/>
+          </p:nvPr>
+        </p:nvSpPr>
+        <p:spPr>
+          <a:xfrm>
+            <a:off x="4663440" y="2119313"/>
+            <a:ext cx="3200400" cy="3605212"/>
+          </a:xfrm>
+        </p:spPr>
+        <p:txBody>
+          <a:bodyPr/>
+          <a:lstStyle/>
+          <a:p>
+            <a:pPr lvl="0"/>
+            <a:r>
+              <a:rPr lang="pt-BR" smtClean="0"/>
+              <a:t>Clique para editar o texto mestre</a:t>
+            </a:r>
+          </a:p>
+          <a:p>
+            <a:pPr lvl="1"/>
+            <a:r>
+              <a:rPr lang="pt-BR" smtClean="0"/>
+              <a:t>Segundo nível</a:t>
+            </a:r>
+          </a:p>
+          <a:p>
+            <a:pPr lvl="2"/>
+            <a:r>
+              <a:rPr lang="pt-BR" smtClean="0"/>
+              <a:t>Terceiro nível</a:t>
+            </a:r>
+          </a:p>
+          <a:p>
+            <a:pPr lvl="3"/>
+            <a:r>
+              <a:rPr lang="pt-BR" smtClean="0"/>
+              <a:t>Quarto nível</a:t>
+            </a:r>
+          </a:p>
+          <a:p>
+            <a:pPr lvl="4"/>
+            <a:r>
+              <a:rPr lang="pt-BR" smtClean="0"/>
+              <a:t>Quinto nível</a:t>
+            </a:r>
+            <a:endParaRPr lang="en-US"/>
           </a:p>
         </p:txBody>
       </p:sp>
@@ -1389,7 +1817,7 @@
       </p:grpSpPr>
       <p:sp>
         <p:nvSpPr>
-          <p:cNvPr id="2" name="Título 1"/>
+          <p:cNvPr id="2" name="Title 1"/>
           <p:cNvSpPr>
             <a:spLocks noGrp="1"/>
           </p:cNvSpPr>
@@ -1408,15 +1836,15 @@
           <a:p>
             <a:r>
               <a:rPr lang="pt-BR" smtClean="0"/>
-              <a:t>Clique para editar o estilo do título mestre</a:t>
-            </a:r>
-            <a:endParaRPr lang="pt-BR"/>
-          </a:p>
-        </p:txBody>
-      </p:sp>
-      <p:sp>
-        <p:nvSpPr>
-          <p:cNvPr id="3" name="Espaço Reservado para Texto 2"/>
+              <a:t>Clique para editar o título mestre</a:t>
+            </a:r>
+            <a:endParaRPr lang="en-US"/>
+          </a:p>
+        </p:txBody>
+      </p:sp>
+      <p:sp>
+        <p:nvSpPr>
+          <p:cNvPr id="3" name="Text Placeholder 2"/>
           <p:cNvSpPr>
             <a:spLocks noGrp="1"/>
           </p:cNvSpPr>
@@ -1426,16 +1854,22 @@
         </p:nvSpPr>
         <p:spPr>
           <a:xfrm>
-            <a:off x="457200" y="1535113"/>
-            <a:ext cx="4040188" cy="639762"/>
-          </a:xfrm>
-        </p:spPr>
-        <p:txBody>
-          <a:bodyPr anchor="b"/>
+            <a:off x="1557869" y="2122312"/>
+            <a:ext cx="2939521" cy="820208"/>
+          </a:xfrm>
+        </p:spPr>
+        <p:txBody>
+          <a:bodyPr anchor="b">
+            <a:normAutofit/>
+          </a:bodyPr>
           <a:lstStyle>
-            <a:lvl1pPr marL="0" indent="0">
+            <a:lvl1pPr marL="0" indent="0" algn="ctr">
               <a:buNone/>
-              <a:defRPr sz="2400" b="1"/>
+              <a:defRPr sz="2000" b="1">
+                <a:solidFill>
+                  <a:schemeClr val="tx2"/>
+                </a:solidFill>
+              </a:defRPr>
             </a:lvl1pPr>
             <a:lvl2pPr marL="457200" indent="0">
               <a:buNone/>
@@ -1474,118 +1908,39 @@
             <a:pPr lvl="0"/>
             <a:r>
               <a:rPr lang="pt-BR" smtClean="0"/>
-              <a:t>Clique para editar os estilos do texto mestre</a:t>
-            </a:r>
-          </a:p>
-        </p:txBody>
-      </p:sp>
-      <p:sp>
-        <p:nvSpPr>
-          <p:cNvPr id="4" name="Espaço Reservado para Conteúdo 3"/>
-          <p:cNvSpPr>
-            <a:spLocks noGrp="1"/>
-          </p:cNvSpPr>
-          <p:nvPr>
-            <p:ph sz="half" idx="2"/>
+              <a:t>Clique para editar o texto mestre</a:t>
+            </a:r>
+          </a:p>
+        </p:txBody>
+      </p:sp>
+      <p:sp>
+        <p:nvSpPr>
+          <p:cNvPr id="5" name="Text Placeholder 4"/>
+          <p:cNvSpPr>
+            <a:spLocks noGrp="1"/>
+          </p:cNvSpPr>
+          <p:nvPr>
+            <p:ph type="body" sz="quarter" idx="3"/>
           </p:nvPr>
         </p:nvSpPr>
         <p:spPr>
           <a:xfrm>
-            <a:off x="457200" y="2174875"/>
-            <a:ext cx="4040188" cy="3951288"/>
-          </a:xfrm>
-        </p:spPr>
-        <p:txBody>
-          <a:bodyPr/>
+            <a:off x="4910669" y="2122311"/>
+            <a:ext cx="2944368" cy="822960"/>
+          </a:xfrm>
+        </p:spPr>
+        <p:txBody>
+          <a:bodyPr anchor="b">
+            <a:normAutofit/>
+          </a:bodyPr>
           <a:lstStyle>
-            <a:lvl1pPr>
-              <a:defRPr sz="2400"/>
-            </a:lvl1pPr>
-            <a:lvl2pPr>
-              <a:defRPr sz="2000"/>
-            </a:lvl2pPr>
-            <a:lvl3pPr>
-              <a:defRPr sz="1800"/>
-            </a:lvl3pPr>
-            <a:lvl4pPr>
-              <a:defRPr sz="1600"/>
-            </a:lvl4pPr>
-            <a:lvl5pPr>
-              <a:defRPr sz="1600"/>
-            </a:lvl5pPr>
-            <a:lvl6pPr>
-              <a:defRPr sz="1600"/>
-            </a:lvl6pPr>
-            <a:lvl7pPr>
-              <a:defRPr sz="1600"/>
-            </a:lvl7pPr>
-            <a:lvl8pPr>
-              <a:defRPr sz="1600"/>
-            </a:lvl8pPr>
-            <a:lvl9pPr>
-              <a:defRPr sz="1600"/>
-            </a:lvl9pPr>
-          </a:lstStyle>
-          <a:p>
-            <a:pPr lvl="0"/>
-            <a:r>
-              <a:rPr lang="pt-BR" smtClean="0"/>
-              <a:t>Clique para editar os estilos do texto mestre</a:t>
-            </a:r>
-          </a:p>
-          <a:p>
-            <a:pPr lvl="1"/>
-            <a:r>
-              <a:rPr lang="pt-BR" smtClean="0"/>
-              <a:t>Segundo nível</a:t>
-            </a:r>
-          </a:p>
-          <a:p>
-            <a:pPr lvl="2"/>
-            <a:r>
-              <a:rPr lang="pt-BR" smtClean="0"/>
-              <a:t>Terceiro nível</a:t>
-            </a:r>
-          </a:p>
-          <a:p>
-            <a:pPr lvl="3"/>
-            <a:r>
-              <a:rPr lang="pt-BR" smtClean="0"/>
-              <a:t>Quarto nível</a:t>
-            </a:r>
-          </a:p>
-          <a:p>
-            <a:pPr lvl="4"/>
-            <a:r>
-              <a:rPr lang="pt-BR" smtClean="0"/>
-              <a:t>Quinto nível</a:t>
-            </a:r>
-            <a:endParaRPr lang="pt-BR"/>
-          </a:p>
-        </p:txBody>
-      </p:sp>
-      <p:sp>
-        <p:nvSpPr>
-          <p:cNvPr id="5" name="Espaço Reservado para Texto 4"/>
-          <p:cNvSpPr>
-            <a:spLocks noGrp="1"/>
-          </p:cNvSpPr>
-          <p:nvPr>
-            <p:ph type="body" sz="quarter" idx="3"/>
-          </p:nvPr>
-        </p:nvSpPr>
-        <p:spPr>
-          <a:xfrm>
-            <a:off x="4645025" y="1535113"/>
-            <a:ext cx="4041775" cy="639762"/>
-          </a:xfrm>
-        </p:spPr>
-        <p:txBody>
-          <a:bodyPr anchor="b"/>
-          <a:lstStyle>
-            <a:lvl1pPr marL="0" indent="0">
+            <a:lvl1pPr marL="0" indent="0" algn="ctr">
               <a:buNone/>
-              <a:defRPr sz="2400" b="1"/>
+              <a:defRPr sz="2000" b="1">
+                <a:solidFill>
+                  <a:schemeClr val="tx2"/>
+                </a:solidFill>
+              </a:defRPr>
             </a:lvl1pPr>
             <a:lvl2pPr marL="457200" indent="0">
               <a:buNone/>
@@ -1624,99 +1979,14 @@
             <a:pPr lvl="0"/>
             <a:r>
               <a:rPr lang="pt-BR" smtClean="0"/>
-              <a:t>Clique para editar os estilos do texto mestre</a:t>
-            </a:r>
-          </a:p>
-        </p:txBody>
-      </p:sp>
-      <p:sp>
-        <p:nvSpPr>
-          <p:cNvPr id="6" name="Espaço Reservado para Conteúdo 5"/>
-          <p:cNvSpPr>
-            <a:spLocks noGrp="1"/>
-          </p:cNvSpPr>
-          <p:nvPr>
-            <p:ph sz="quarter" idx="4"/>
-          </p:nvPr>
-        </p:nvSpPr>
-        <p:spPr>
-          <a:xfrm>
-            <a:off x="4645025" y="2174875"/>
-            <a:ext cx="4041775" cy="3951288"/>
-          </a:xfrm>
-        </p:spPr>
-        <p:txBody>
-          <a:bodyPr/>
-          <a:lstStyle>
-            <a:lvl1pPr>
-              <a:defRPr sz="2400"/>
-            </a:lvl1pPr>
-            <a:lvl2pPr>
-              <a:defRPr sz="2000"/>
-            </a:lvl2pPr>
-            <a:lvl3pPr>
-              <a:defRPr sz="1800"/>
-            </a:lvl3pPr>
-            <a:lvl4pPr>
-              <a:defRPr sz="1600"/>
-            </a:lvl4pPr>
-            <a:lvl5pPr>
-              <a:defRPr sz="1600"/>
-            </a:lvl5pPr>
-            <a:lvl6pPr>
-              <a:defRPr sz="1600"/>
-            </a:lvl6pPr>
-            <a:lvl7pPr>
-              <a:defRPr sz="1600"/>
-            </a:lvl7pPr>
-            <a:lvl8pPr>
-              <a:defRPr sz="1600"/>
-            </a:lvl8pPr>
-            <a:lvl9pPr>
-              <a:defRPr sz="1600"/>
-            </a:lvl9pPr>
-          </a:lstStyle>
-          <a:p>
-            <a:pPr lvl="0"/>
-            <a:r>
-              <a:rPr lang="pt-BR" smtClean="0"/>
-              <a:t>Clique para editar os estilos do texto mestre</a:t>
-            </a:r>
-          </a:p>
-          <a:p>
-            <a:pPr lvl="1"/>
-            <a:r>
-              <a:rPr lang="pt-BR" smtClean="0"/>
-              <a:t>Segundo nível</a:t>
-            </a:r>
-          </a:p>
-          <a:p>
-            <a:pPr lvl="2"/>
-            <a:r>
-              <a:rPr lang="pt-BR" smtClean="0"/>
-              <a:t>Terceiro nível</a:t>
-            </a:r>
-          </a:p>
-          <a:p>
-            <a:pPr lvl="3"/>
-            <a:r>
-              <a:rPr lang="pt-BR" smtClean="0"/>
-              <a:t>Quarto nível</a:t>
-            </a:r>
-          </a:p>
-          <a:p>
-            <a:pPr lvl="4"/>
-            <a:r>
-              <a:rPr lang="pt-BR" smtClean="0"/>
-              <a:t>Quinto nível</a:t>
-            </a:r>
-            <a:endParaRPr lang="pt-BR"/>
-          </a:p>
-        </p:txBody>
-      </p:sp>
-      <p:sp>
-        <p:nvSpPr>
-          <p:cNvPr id="7" name="Espaço Reservado para Data 6"/>
+              <a:t>Clique para editar o texto mestre</a:t>
+            </a:r>
+          </a:p>
+        </p:txBody>
+      </p:sp>
+      <p:sp>
+        <p:nvSpPr>
+          <p:cNvPr id="7" name="Date Placeholder 6"/>
           <p:cNvSpPr>
             <a:spLocks noGrp="1"/>
           </p:cNvSpPr>
@@ -1731,7 +2001,7 @@
           <a:p>
             <a:fld id="{2E700DB3-DBF0-4086-B675-117E7A9610B8}" type="datetimeFigureOut">
               <a:rPr lang="pt-BR" smtClean="0"/>
-              <a:t>20/9/2006</a:t>
+              <a:t>27/05/2019</a:t>
             </a:fld>
             <a:endParaRPr lang="pt-BR"/>
           </a:p>
@@ -1739,7 +2009,7 @@
       </p:sp>
       <p:sp>
         <p:nvSpPr>
-          <p:cNvPr id="8" name="Espaço Reservado para Rodapé 7"/>
+          <p:cNvPr id="8" name="Footer Placeholder 7"/>
           <p:cNvSpPr>
             <a:spLocks noGrp="1"/>
           </p:cNvSpPr>
@@ -1758,7 +2028,7 @@
       </p:sp>
       <p:sp>
         <p:nvSpPr>
-          <p:cNvPr id="9" name="Espaço Reservado para Número de Slide 8"/>
+          <p:cNvPr id="9" name="Slide Number Placeholder 8"/>
           <p:cNvSpPr>
             <a:spLocks noGrp="1"/>
           </p:cNvSpPr>
@@ -1776,6 +2046,120 @@
               <a:t>‹nº›</a:t>
             </a:fld>
             <a:endParaRPr lang="pt-BR"/>
+          </a:p>
+        </p:txBody>
+      </p:sp>
+      <p:sp>
+        <p:nvSpPr>
+          <p:cNvPr id="11" name="Content Placeholder 10"/>
+          <p:cNvSpPr>
+            <a:spLocks noGrp="1"/>
+          </p:cNvSpPr>
+          <p:nvPr>
+            <p:ph sz="quarter" idx="13"/>
+          </p:nvPr>
+        </p:nvSpPr>
+        <p:spPr>
+          <a:xfrm>
+            <a:off x="1298448" y="2944368"/>
+            <a:ext cx="3227832" cy="2779776"/>
+          </a:xfrm>
+        </p:spPr>
+        <p:txBody>
+          <a:bodyPr/>
+          <a:lstStyle/>
+          <a:p>
+            <a:pPr lvl="0"/>
+            <a:r>
+              <a:rPr lang="pt-BR" smtClean="0"/>
+              <a:t>Clique para editar o texto mestre</a:t>
+            </a:r>
+          </a:p>
+          <a:p>
+            <a:pPr lvl="1"/>
+            <a:r>
+              <a:rPr lang="pt-BR" smtClean="0"/>
+              <a:t>Segundo nível</a:t>
+            </a:r>
+          </a:p>
+          <a:p>
+            <a:pPr lvl="2"/>
+            <a:r>
+              <a:rPr lang="pt-BR" smtClean="0"/>
+              <a:t>Terceiro nível</a:t>
+            </a:r>
+          </a:p>
+          <a:p>
+            <a:pPr lvl="3"/>
+            <a:r>
+              <a:rPr lang="pt-BR" smtClean="0"/>
+              <a:t>Quarto nível</a:t>
+            </a:r>
+          </a:p>
+          <a:p>
+            <a:pPr lvl="4"/>
+            <a:r>
+              <a:rPr lang="pt-BR" smtClean="0"/>
+              <a:t>Quinto nível</a:t>
+            </a:r>
+            <a:endParaRPr lang="en-US" dirty="0"/>
+          </a:p>
+        </p:txBody>
+      </p:sp>
+      <p:sp>
+        <p:nvSpPr>
+          <p:cNvPr id="13" name="Content Placeholder 12"/>
+          <p:cNvSpPr>
+            <a:spLocks noGrp="1"/>
+          </p:cNvSpPr>
+          <p:nvPr>
+            <p:ph sz="quarter" idx="14"/>
+          </p:nvPr>
+        </p:nvSpPr>
+        <p:spPr>
+          <a:xfrm>
+            <a:off x="4645151" y="2944813"/>
+            <a:ext cx="3227832" cy="2779776"/>
+          </a:xfrm>
+        </p:spPr>
+        <p:txBody>
+          <a:bodyPr/>
+          <a:lstStyle/>
+          <a:p>
+            <a:pPr lvl="0"/>
+            <a:r>
+              <a:rPr lang="pt-BR" smtClean="0"/>
+              <a:t>Clique para editar o texto mestre</a:t>
+            </a:r>
+          </a:p>
+          <a:p>
+            <a:pPr lvl="1"/>
+            <a:r>
+              <a:rPr lang="pt-BR" smtClean="0"/>
+              <a:t>Segundo nível</a:t>
+            </a:r>
+          </a:p>
+          <a:p>
+            <a:pPr lvl="2"/>
+            <a:r>
+              <a:rPr lang="pt-BR" smtClean="0"/>
+              <a:t>Terceiro nível</a:t>
+            </a:r>
+          </a:p>
+          <a:p>
+            <a:pPr lvl="3"/>
+            <a:r>
+              <a:rPr lang="pt-BR" smtClean="0"/>
+              <a:t>Quarto nível</a:t>
+            </a:r>
+          </a:p>
+          <a:p>
+            <a:pPr lvl="4"/>
+            <a:r>
+              <a:rPr lang="pt-BR" smtClean="0"/>
+              <a:t>Quinto nível</a:t>
+            </a:r>
+            <a:endParaRPr lang="en-US"/>
           </a:p>
         </p:txBody>
       </p:sp>
@@ -1806,7 +2190,7 @@
       </p:grpSpPr>
       <p:sp>
         <p:nvSpPr>
-          <p:cNvPr id="2" name="Título 1"/>
+          <p:cNvPr id="2" name="Title 1"/>
           <p:cNvSpPr>
             <a:spLocks noGrp="1"/>
           </p:cNvSpPr>
@@ -1821,15 +2205,15 @@
           <a:p>
             <a:r>
               <a:rPr lang="pt-BR" smtClean="0"/>
-              <a:t>Clique para editar o estilo do título mestre</a:t>
-            </a:r>
-            <a:endParaRPr lang="pt-BR"/>
-          </a:p>
-        </p:txBody>
-      </p:sp>
-      <p:sp>
-        <p:nvSpPr>
-          <p:cNvPr id="3" name="Espaço Reservado para Data 2"/>
+              <a:t>Clique para editar o título mestre</a:t>
+            </a:r>
+            <a:endParaRPr lang="en-US"/>
+          </a:p>
+        </p:txBody>
+      </p:sp>
+      <p:sp>
+        <p:nvSpPr>
+          <p:cNvPr id="3" name="Date Placeholder 2"/>
           <p:cNvSpPr>
             <a:spLocks noGrp="1"/>
           </p:cNvSpPr>
@@ -1844,7 +2228,7 @@
           <a:p>
             <a:fld id="{2E700DB3-DBF0-4086-B675-117E7A9610B8}" type="datetimeFigureOut">
               <a:rPr lang="pt-BR" smtClean="0"/>
-              <a:t>20/9/2006</a:t>
+              <a:t>27/05/2019</a:t>
             </a:fld>
             <a:endParaRPr lang="pt-BR"/>
           </a:p>
@@ -1852,7 +2236,7 @@
       </p:sp>
       <p:sp>
         <p:nvSpPr>
-          <p:cNvPr id="4" name="Espaço Reservado para Rodapé 3"/>
+          <p:cNvPr id="4" name="Footer Placeholder 3"/>
           <p:cNvSpPr>
             <a:spLocks noGrp="1"/>
           </p:cNvSpPr>
@@ -1871,7 +2255,7 @@
       </p:sp>
       <p:sp>
         <p:nvSpPr>
-          <p:cNvPr id="5" name="Espaço Reservado para Número de Slide 4"/>
+          <p:cNvPr id="5" name="Slide Number Placeholder 4"/>
           <p:cNvSpPr>
             <a:spLocks noGrp="1"/>
           </p:cNvSpPr>
@@ -1919,7 +2303,7 @@
       </p:grpSpPr>
       <p:sp>
         <p:nvSpPr>
-          <p:cNvPr id="2" name="Espaço Reservado para Data 1"/>
+          <p:cNvPr id="2" name="Date Placeholder 1"/>
           <p:cNvSpPr>
             <a:spLocks noGrp="1"/>
           </p:cNvSpPr>
@@ -1934,7 +2318,7 @@
           <a:p>
             <a:fld id="{2E700DB3-DBF0-4086-B675-117E7A9610B8}" type="datetimeFigureOut">
               <a:rPr lang="pt-BR" smtClean="0"/>
-              <a:t>20/9/2006</a:t>
+              <a:t>27/05/2019</a:t>
             </a:fld>
             <a:endParaRPr lang="pt-BR"/>
           </a:p>
@@ -1942,7 +2326,7 @@
       </p:sp>
       <p:sp>
         <p:nvSpPr>
-          <p:cNvPr id="3" name="Espaço Reservado para Rodapé 2"/>
+          <p:cNvPr id="3" name="Footer Placeholder 2"/>
           <p:cNvSpPr>
             <a:spLocks noGrp="1"/>
           </p:cNvSpPr>
@@ -1961,7 +2345,7 @@
       </p:sp>
       <p:sp>
         <p:nvSpPr>
-          <p:cNvPr id="4" name="Espaço Reservado para Número de Slide 3"/>
+          <p:cNvPr id="4" name="Slide Number Placeholder 3"/>
           <p:cNvSpPr>
             <a:spLocks noGrp="1"/>
           </p:cNvSpPr>
@@ -1991,7 +2375,7 @@
 </file>
 
 <file path=ppt/slideLayouts/slideLayout8.xml><?xml version="1.0" encoding="utf-8"?>
-<p:sldLayout xmlns:a="http://schemas.openxmlformats.org/drawingml/2006/main" xmlns:r="http://schemas.openxmlformats.org/officeDocument/2006/relationships" xmlns:p="http://schemas.openxmlformats.org/presentationml/2006/main" type="objTx" preserve="1">
+<p:sldLayout xmlns:a="http://schemas.openxmlformats.org/drawingml/2006/main" xmlns:r="http://schemas.openxmlformats.org/officeDocument/2006/relationships" xmlns:p="http://schemas.openxmlformats.org/presentationml/2006/main" showMasterSp="0" type="objTx" preserve="1">
   <p:cSld name="Conteúdo com Legenda">
     <p:spTree>
       <p:nvGrpSpPr>
@@ -2007,9 +2391,555 @@
           <a:chExt cx="0" cy="0"/>
         </a:xfrm>
       </p:grpSpPr>
-      <p:sp>
-        <p:nvSpPr>
-          <p:cNvPr id="2" name="Título 1"/>
+      <p:grpSp>
+        <p:nvGrpSpPr>
+          <p:cNvPr id="8" name="Group 15"/>
+          <p:cNvGrpSpPr/>
+          <p:nvPr/>
+        </p:nvGrpSpPr>
+        <p:grpSpPr>
+          <a:xfrm>
+            <a:off x="0" y="0"/>
+            <a:ext cx="9144000" cy="6858000"/>
+            <a:chOff x="0" y="0"/>
+            <a:chExt cx="9144000" cy="6858000"/>
+          </a:xfrm>
+        </p:grpSpPr>
+        <p:sp>
+          <p:nvSpPr>
+            <p:cNvPr id="9" name="Rectangle 8"/>
+            <p:cNvSpPr/>
+            <p:nvPr/>
+          </p:nvSpPr>
+          <p:spPr>
+            <a:xfrm>
+              <a:off x="0" y="0"/>
+              <a:ext cx="7162800" cy="6858000"/>
+            </a:xfrm>
+            <a:prstGeom prst="rect">
+              <a:avLst/>
+            </a:prstGeom>
+            <a:gradFill flip="none" rotWithShape="1">
+              <a:gsLst>
+                <a:gs pos="0">
+                  <a:srgbClr val="010101">
+                    <a:alpha val="51765"/>
+                  </a:srgbClr>
+                </a:gs>
+                <a:gs pos="60000">
+                  <a:srgbClr val="FEFEFE">
+                    <a:alpha val="0"/>
+                  </a:srgbClr>
+                </a:gs>
+              </a:gsLst>
+              <a:path path="circle">
+                <a:fillToRect t="100000" r="100000"/>
+              </a:path>
+              <a:tileRect l="-100000" b="-100000"/>
+            </a:gradFill>
+            <a:ln>
+              <a:noFill/>
+            </a:ln>
+          </p:spPr>
+          <p:style>
+            <a:lnRef idx="2">
+              <a:schemeClr val="accent1">
+                <a:shade val="50000"/>
+              </a:schemeClr>
+            </a:lnRef>
+            <a:fillRef idx="1">
+              <a:schemeClr val="accent1"/>
+            </a:fillRef>
+            <a:effectRef idx="0">
+              <a:schemeClr val="accent1"/>
+            </a:effectRef>
+            <a:fontRef idx="minor">
+              <a:schemeClr val="lt1"/>
+            </a:fontRef>
+          </p:style>
+          <p:txBody>
+            <a:bodyPr rtlCol="0" anchor="ctr"/>
+            <a:lstStyle/>
+            <a:p>
+              <a:pPr algn="ctr"/>
+              <a:endParaRPr lang="en-US"/>
+            </a:p>
+          </p:txBody>
+        </p:sp>
+        <p:sp>
+          <p:nvSpPr>
+            <p:cNvPr id="10" name="Rectangle 9"/>
+            <p:cNvSpPr/>
+            <p:nvPr/>
+          </p:nvSpPr>
+          <p:spPr>
+            <a:xfrm>
+              <a:off x="1143000" y="0"/>
+              <a:ext cx="8001000" cy="6858000"/>
+            </a:xfrm>
+            <a:prstGeom prst="rect">
+              <a:avLst/>
+            </a:prstGeom>
+            <a:gradFill flip="none" rotWithShape="1">
+              <a:gsLst>
+                <a:gs pos="0">
+                  <a:srgbClr val="010101">
+                    <a:alpha val="56000"/>
+                  </a:srgbClr>
+                </a:gs>
+                <a:gs pos="61000">
+                  <a:srgbClr val="FEFEFE">
+                    <a:alpha val="0"/>
+                  </a:srgbClr>
+                </a:gs>
+              </a:gsLst>
+              <a:path path="circle">
+                <a:fillToRect l="100000" t="100000"/>
+              </a:path>
+              <a:tileRect r="-100000" b="-100000"/>
+            </a:gradFill>
+            <a:ln>
+              <a:noFill/>
+            </a:ln>
+          </p:spPr>
+          <p:style>
+            <a:lnRef idx="2">
+              <a:schemeClr val="accent1">
+                <a:shade val="50000"/>
+              </a:schemeClr>
+            </a:lnRef>
+            <a:fillRef idx="1">
+              <a:schemeClr val="accent1"/>
+            </a:fillRef>
+            <a:effectRef idx="0">
+              <a:schemeClr val="accent1"/>
+            </a:effectRef>
+            <a:fontRef idx="minor">
+              <a:schemeClr val="lt1"/>
+            </a:fontRef>
+          </p:style>
+          <p:txBody>
+            <a:bodyPr rtlCol="0" anchor="ctr"/>
+            <a:lstStyle/>
+            <a:p>
+              <a:pPr algn="ctr"/>
+              <a:endParaRPr lang="en-US"/>
+            </a:p>
+          </p:txBody>
+        </p:sp>
+      </p:grpSp>
+      <p:sp>
+        <p:nvSpPr>
+          <p:cNvPr id="11" name="Freeform 10"/>
+          <p:cNvSpPr/>
+          <p:nvPr/>
+        </p:nvSpPr>
+        <p:spPr>
+          <a:xfrm rot="10800000">
+            <a:off x="632177" y="6058038"/>
+            <a:ext cx="7721601" cy="537210"/>
+          </a:xfrm>
+          <a:custGeom>
+            <a:avLst/>
+            <a:gdLst>
+              <a:gd name="connsiteX0" fmla="*/ 0 w 7955280"/>
+              <a:gd name="connsiteY0" fmla="*/ 495300 h 495300"/>
+              <a:gd name="connsiteX1" fmla="*/ 169546 w 7955280"/>
+              <a:gd name="connsiteY1" fmla="*/ 0 h 495300"/>
+              <a:gd name="connsiteX2" fmla="*/ 7785734 w 7955280"/>
+              <a:gd name="connsiteY2" fmla="*/ 0 h 495300"/>
+              <a:gd name="connsiteX3" fmla="*/ 7955280 w 7955280"/>
+              <a:gd name="connsiteY3" fmla="*/ 495300 h 495300"/>
+              <a:gd name="connsiteX4" fmla="*/ 0 w 7955280"/>
+              <a:gd name="connsiteY4" fmla="*/ 495300 h 495300"/>
+              <a:gd name="connsiteX0" fmla="*/ 0 w 7955280"/>
+              <a:gd name="connsiteY0" fmla="*/ 495300 h 495300"/>
+              <a:gd name="connsiteX1" fmla="*/ 169546 w 7955280"/>
+              <a:gd name="connsiteY1" fmla="*/ 0 h 495300"/>
+              <a:gd name="connsiteX2" fmla="*/ 3966210 w 7955280"/>
+              <a:gd name="connsiteY2" fmla="*/ 95250 h 495300"/>
+              <a:gd name="connsiteX3" fmla="*/ 7785734 w 7955280"/>
+              <a:gd name="connsiteY3" fmla="*/ 0 h 495300"/>
+              <a:gd name="connsiteX4" fmla="*/ 7955280 w 7955280"/>
+              <a:gd name="connsiteY4" fmla="*/ 495300 h 495300"/>
+              <a:gd name="connsiteX5" fmla="*/ 0 w 7955280"/>
+              <a:gd name="connsiteY5" fmla="*/ 495300 h 495300"/>
+            </a:gdLst>
+            <a:ahLst/>
+            <a:cxnLst>
+              <a:cxn ang="0">
+                <a:pos x="connsiteX0" y="connsiteY0"/>
+              </a:cxn>
+              <a:cxn ang="0">
+                <a:pos x="connsiteX1" y="connsiteY1"/>
+              </a:cxn>
+              <a:cxn ang="0">
+                <a:pos x="connsiteX2" y="connsiteY2"/>
+              </a:cxn>
+              <a:cxn ang="0">
+                <a:pos x="connsiteX3" y="connsiteY3"/>
+              </a:cxn>
+              <a:cxn ang="0">
+                <a:pos x="connsiteX4" y="connsiteY4"/>
+              </a:cxn>
+              <a:cxn ang="0">
+                <a:pos x="connsiteX5" y="connsiteY5"/>
+              </a:cxn>
+            </a:cxnLst>
+            <a:rect l="l" t="t" r="r" b="b"/>
+            <a:pathLst>
+              <a:path w="7955280" h="495300">
+                <a:moveTo>
+                  <a:pt x="0" y="495300"/>
+                </a:moveTo>
+                <a:lnTo>
+                  <a:pt x="169546" y="0"/>
+                </a:lnTo>
+                <a:lnTo>
+                  <a:pt x="3966210" y="95250"/>
+                </a:lnTo>
+                <a:lnTo>
+                  <a:pt x="7785734" y="0"/>
+                </a:lnTo>
+                <a:lnTo>
+                  <a:pt x="7955280" y="495300"/>
+                </a:lnTo>
+                <a:lnTo>
+                  <a:pt x="0" y="495300"/>
+                </a:lnTo>
+                <a:close/>
+              </a:path>
+            </a:pathLst>
+          </a:custGeom>
+          <a:gradFill flip="none" rotWithShape="1">
+            <a:gsLst>
+              <a:gs pos="30000">
+                <a:srgbClr val="010101">
+                  <a:alpha val="34000"/>
+                </a:srgbClr>
+              </a:gs>
+              <a:gs pos="100000">
+                <a:srgbClr val="010101">
+                  <a:alpha val="26000"/>
+                </a:srgbClr>
+              </a:gs>
+            </a:gsLst>
+            <a:path path="circle">
+              <a:fillToRect l="50000" t="50000" r="50000" b="50000"/>
+            </a:path>
+            <a:tileRect/>
+          </a:gradFill>
+          <a:ln>
+            <a:noFill/>
+          </a:ln>
+          <a:effectLst>
+            <a:softEdge rad="127000"/>
+          </a:effectLst>
+        </p:spPr>
+        <p:style>
+          <a:lnRef idx="2">
+            <a:schemeClr val="accent1">
+              <a:shade val="50000"/>
+            </a:schemeClr>
+          </a:lnRef>
+          <a:fillRef idx="1">
+            <a:schemeClr val="accent1"/>
+          </a:fillRef>
+          <a:effectRef idx="0">
+            <a:schemeClr val="accent1"/>
+          </a:effectRef>
+          <a:fontRef idx="minor">
+            <a:schemeClr val="lt1"/>
+          </a:fontRef>
+        </p:style>
+        <p:txBody>
+          <a:bodyPr rtlCol="0" anchor="ctr"/>
+          <a:lstStyle/>
+          <a:p>
+            <a:pPr algn="ctr"/>
+            <a:endParaRPr lang="en-US"/>
+          </a:p>
+        </p:txBody>
+      </p:sp>
+      <p:sp>
+        <p:nvSpPr>
+          <p:cNvPr id="16" name="Rectangle 15"/>
+          <p:cNvSpPr/>
+          <p:nvPr/>
+        </p:nvSpPr>
+        <p:spPr>
+          <a:xfrm rot="60000">
+            <a:off x="4468872" y="605163"/>
+            <a:ext cx="3788941" cy="5722296"/>
+          </a:xfrm>
+          <a:prstGeom prst="rect">
+            <a:avLst/>
+          </a:prstGeom>
+          <a:solidFill>
+            <a:schemeClr val="bg1"/>
+          </a:solidFill>
+          <a:ln w="6350">
+            <a:noFill/>
+          </a:ln>
+          <a:effectLst>
+            <a:outerShdw blurRad="101600" dist="50800" dir="5400000" algn="t" rotWithShape="0">
+              <a:prstClr val="black">
+                <a:alpha val="20000"/>
+              </a:prstClr>
+            </a:outerShdw>
+          </a:effectLst>
+        </p:spPr>
+        <p:style>
+          <a:lnRef idx="2">
+            <a:schemeClr val="accent1">
+              <a:shade val="50000"/>
+            </a:schemeClr>
+          </a:lnRef>
+          <a:fillRef idx="1">
+            <a:schemeClr val="accent1"/>
+          </a:fillRef>
+          <a:effectRef idx="0">
+            <a:schemeClr val="accent1"/>
+          </a:effectRef>
+          <a:fontRef idx="minor">
+            <a:schemeClr val="lt1"/>
+          </a:fontRef>
+        </p:style>
+        <p:txBody>
+          <a:bodyPr rtlCol="0" anchor="ctr"/>
+          <a:lstStyle/>
+          <a:p>
+            <a:pPr algn="ctr"/>
+            <a:endParaRPr lang="en-US"/>
+          </a:p>
+        </p:txBody>
+      </p:sp>
+      <p:sp>
+        <p:nvSpPr>
+          <p:cNvPr id="17" name="Rectangle 16"/>
+          <p:cNvSpPr/>
+          <p:nvPr/>
+        </p:nvSpPr>
+        <p:spPr>
+          <a:xfrm rot="60000">
+            <a:off x="4471416" y="603504"/>
+            <a:ext cx="3788941" cy="5722296"/>
+          </a:xfrm>
+          <a:prstGeom prst="rect">
+            <a:avLst/>
+          </a:prstGeom>
+          <a:blipFill dpi="0" rotWithShape="1">
+            <a:blip r:embed="rId2" cstate="print">
+              <a:alphaModFix amt="20000"/>
+              <a:grayscl/>
+              <a:lum contrast="12000"/>
+            </a:blip>
+            <a:srcRect/>
+            <a:tile tx="0" ty="0" sx="100000" sy="100000" flip="none" algn="tl"/>
+          </a:blipFill>
+          <a:ln w="6350">
+            <a:noFill/>
+          </a:ln>
+          <a:effectLst>
+            <a:outerShdw blurRad="101600" dist="50800" dir="5400000" algn="t" rotWithShape="0">
+              <a:prstClr val="black">
+                <a:alpha val="20000"/>
+              </a:prstClr>
+            </a:outerShdw>
+          </a:effectLst>
+        </p:spPr>
+        <p:style>
+          <a:lnRef idx="2">
+            <a:schemeClr val="accent1">
+              <a:shade val="50000"/>
+            </a:schemeClr>
+          </a:lnRef>
+          <a:fillRef idx="1">
+            <a:schemeClr val="accent1"/>
+          </a:fillRef>
+          <a:effectRef idx="0">
+            <a:schemeClr val="accent1"/>
+          </a:effectRef>
+          <a:fontRef idx="minor">
+            <a:schemeClr val="lt1"/>
+          </a:fontRef>
+        </p:style>
+        <p:txBody>
+          <a:bodyPr rtlCol="0" anchor="ctr"/>
+          <a:lstStyle/>
+          <a:p>
+            <a:pPr algn="ctr"/>
+            <a:endParaRPr lang="en-US"/>
+          </a:p>
+        </p:txBody>
+      </p:sp>
+      <p:sp>
+        <p:nvSpPr>
+          <p:cNvPr id="13" name="Rectangle 12"/>
+          <p:cNvSpPr/>
+          <p:nvPr/>
+        </p:nvSpPr>
+        <p:spPr>
+          <a:xfrm rot="21540000">
+            <a:off x="749204" y="576868"/>
+            <a:ext cx="3788941" cy="5722296"/>
+          </a:xfrm>
+          <a:prstGeom prst="rect">
+            <a:avLst/>
+          </a:prstGeom>
+          <a:solidFill>
+            <a:schemeClr val="bg1"/>
+          </a:solidFill>
+          <a:ln w="6350">
+            <a:noFill/>
+          </a:ln>
+          <a:effectLst>
+            <a:outerShdw blurRad="101600" dist="50800" dir="5400000" algn="t" rotWithShape="0">
+              <a:prstClr val="black">
+                <a:alpha val="20000"/>
+              </a:prstClr>
+            </a:outerShdw>
+          </a:effectLst>
+        </p:spPr>
+        <p:style>
+          <a:lnRef idx="2">
+            <a:schemeClr val="accent1">
+              <a:shade val="50000"/>
+            </a:schemeClr>
+          </a:lnRef>
+          <a:fillRef idx="1">
+            <a:schemeClr val="accent1"/>
+          </a:fillRef>
+          <a:effectRef idx="0">
+            <a:schemeClr val="accent1"/>
+          </a:effectRef>
+          <a:fontRef idx="minor">
+            <a:schemeClr val="lt1"/>
+          </a:fontRef>
+        </p:style>
+        <p:txBody>
+          <a:bodyPr rtlCol="0" anchor="ctr"/>
+          <a:lstStyle/>
+          <a:p>
+            <a:pPr algn="ctr"/>
+            <a:endParaRPr lang="en-US"/>
+          </a:p>
+        </p:txBody>
+      </p:sp>
+      <p:sp>
+        <p:nvSpPr>
+          <p:cNvPr id="14" name="Rectangle 13"/>
+          <p:cNvSpPr/>
+          <p:nvPr/>
+        </p:nvSpPr>
+        <p:spPr>
+          <a:xfrm rot="21540000">
+            <a:off x="749808" y="576072"/>
+            <a:ext cx="3788941" cy="5722296"/>
+          </a:xfrm>
+          <a:prstGeom prst="rect">
+            <a:avLst/>
+          </a:prstGeom>
+          <a:blipFill dpi="0" rotWithShape="1">
+            <a:blip r:embed="rId2" cstate="print">
+              <a:alphaModFix amt="20000"/>
+              <a:grayscl/>
+              <a:lum contrast="12000"/>
+            </a:blip>
+            <a:srcRect/>
+            <a:tile tx="0" ty="0" sx="100000" sy="100000" flip="none" algn="tl"/>
+          </a:blipFill>
+          <a:ln w="6350">
+            <a:noFill/>
+          </a:ln>
+          <a:effectLst>
+            <a:outerShdw blurRad="101600" dist="50800" dir="5400000" algn="t" rotWithShape="0">
+              <a:prstClr val="black">
+                <a:alpha val="20000"/>
+              </a:prstClr>
+            </a:outerShdw>
+          </a:effectLst>
+        </p:spPr>
+        <p:style>
+          <a:lnRef idx="2">
+            <a:schemeClr val="accent1">
+              <a:shade val="50000"/>
+            </a:schemeClr>
+          </a:lnRef>
+          <a:fillRef idx="1">
+            <a:schemeClr val="accent1"/>
+          </a:fillRef>
+          <a:effectRef idx="0">
+            <a:schemeClr val="accent1"/>
+          </a:effectRef>
+          <a:fontRef idx="minor">
+            <a:schemeClr val="lt1"/>
+          </a:fontRef>
+        </p:style>
+        <p:txBody>
+          <a:bodyPr rtlCol="0" anchor="ctr"/>
+          <a:lstStyle/>
+          <a:p>
+            <a:pPr algn="ctr"/>
+            <a:endParaRPr lang="en-US"/>
+          </a:p>
+        </p:txBody>
+      </p:sp>
+      <p:pic>
+        <p:nvPicPr>
+          <p:cNvPr id="18" name="Picture 2" descr="C:\Users\Administrator\Desktop\Pushpin Dev\Assets\pushpinLeft.png"/>
+          <p:cNvPicPr>
+            <a:picLocks noChangeAspect="1" noChangeArrowheads="1"/>
+          </p:cNvPicPr>
+          <p:nvPr/>
+        </p:nvPicPr>
+        <p:blipFill>
+          <a:blip r:embed="rId3" cstate="print"/>
+          <a:srcRect/>
+          <a:stretch>
+            <a:fillRect/>
+          </a:stretch>
+        </p:blipFill>
+        <p:spPr bwMode="auto">
+          <a:xfrm rot="1435684">
+            <a:off x="2371106" y="293953"/>
+            <a:ext cx="567831" cy="567830"/>
+          </a:xfrm>
+          <a:prstGeom prst="rect">
+            <a:avLst/>
+          </a:prstGeom>
+          <a:noFill/>
+        </p:spPr>
+      </p:pic>
+      <p:pic>
+        <p:nvPicPr>
+          <p:cNvPr id="19" name="Picture 2" descr="C:\Users\Administrator\Desktop\Pushpin Dev\Assets\pushpinLeft.png"/>
+          <p:cNvPicPr>
+            <a:picLocks noChangeAspect="1" noChangeArrowheads="1"/>
+          </p:cNvPicPr>
+          <p:nvPr/>
+        </p:nvPicPr>
+        <p:blipFill>
+          <a:blip r:embed="rId3" cstate="print"/>
+          <a:srcRect/>
+          <a:stretch>
+            <a:fillRect/>
+          </a:stretch>
+        </p:blipFill>
+        <p:spPr bwMode="auto">
+          <a:xfrm rot="4096196">
+            <a:off x="6279647" y="333163"/>
+            <a:ext cx="566928" cy="566928"/>
+          </a:xfrm>
+          <a:prstGeom prst="rect">
+            <a:avLst/>
+          </a:prstGeom>
+          <a:noFill/>
+        </p:spPr>
+      </p:pic>
+      <p:sp>
+        <p:nvSpPr>
+          <p:cNvPr id="2" name="Title 1"/>
           <p:cNvSpPr>
             <a:spLocks noGrp="1"/>
           </p:cNvSpPr>
@@ -2018,30 +2948,32 @@
           </p:nvPr>
         </p:nvSpPr>
         <p:spPr>
-          <a:xfrm>
-            <a:off x="457200" y="273050"/>
-            <a:ext cx="3008313" cy="1162050"/>
-          </a:xfrm>
-        </p:spPr>
-        <p:txBody>
-          <a:bodyPr anchor="b"/>
+          <a:xfrm rot="-60000">
+            <a:off x="1108976" y="2020042"/>
+            <a:ext cx="3064827" cy="1503037"/>
+          </a:xfrm>
+        </p:spPr>
+        <p:txBody>
+          <a:bodyPr anchor="b">
+            <a:normAutofit/>
+          </a:bodyPr>
           <a:lstStyle>
-            <a:lvl1pPr algn="l">
-              <a:defRPr sz="2000" b="1"/>
+            <a:lvl1pPr algn="ctr">
+              <a:defRPr sz="2400" b="0"/>
             </a:lvl1pPr>
           </a:lstStyle>
           <a:p>
             <a:r>
               <a:rPr lang="pt-BR" smtClean="0"/>
-              <a:t>Clique para editar o estilo do título mestre</a:t>
-            </a:r>
-            <a:endParaRPr lang="pt-BR"/>
-          </a:p>
-        </p:txBody>
-      </p:sp>
-      <p:sp>
-        <p:nvSpPr>
-          <p:cNvPr id="3" name="Espaço Reservado para Conteúdo 2"/>
+              <a:t>Clique para editar o título mestre</a:t>
+            </a:r>
+            <a:endParaRPr lang="en-US"/>
+          </a:p>
+        </p:txBody>
+      </p:sp>
+      <p:sp>
+        <p:nvSpPr>
+          <p:cNvPr id="3" name="Content Placeholder 2"/>
           <p:cNvSpPr>
             <a:spLocks noGrp="1"/>
           </p:cNvSpPr>
@@ -2050,28 +2982,28 @@
           </p:nvPr>
         </p:nvSpPr>
         <p:spPr>
-          <a:xfrm>
-            <a:off x="3575050" y="273050"/>
-            <a:ext cx="5111750" cy="5853113"/>
-          </a:xfrm>
-        </p:spPr>
-        <p:txBody>
-          <a:bodyPr/>
+          <a:xfrm rot="60000">
+            <a:off x="4854291" y="1150993"/>
+            <a:ext cx="3020792" cy="4625489"/>
+          </a:xfrm>
+        </p:spPr>
+        <p:txBody>
+          <a:bodyPr anchor="ctr"/>
           <a:lstStyle>
             <a:lvl1pPr>
-              <a:defRPr sz="3200"/>
+              <a:defRPr sz="2200"/>
             </a:lvl1pPr>
             <a:lvl2pPr>
-              <a:defRPr sz="2800"/>
+              <a:defRPr sz="2000"/>
             </a:lvl2pPr>
             <a:lvl3pPr>
-              <a:defRPr sz="2400"/>
+              <a:defRPr sz="1800"/>
             </a:lvl3pPr>
             <a:lvl4pPr>
-              <a:defRPr sz="2000"/>
+              <a:defRPr sz="1600"/>
             </a:lvl4pPr>
             <a:lvl5pPr>
-              <a:defRPr sz="2000"/>
+              <a:defRPr sz="1400"/>
             </a:lvl5pPr>
             <a:lvl6pPr>
               <a:defRPr sz="2000"/>
@@ -2090,7 +3022,7 @@
             <a:pPr lvl="0"/>
             <a:r>
               <a:rPr lang="pt-BR" smtClean="0"/>
-              <a:t>Clique para editar os estilos do texto mestre</a:t>
+              <a:t>Clique para editar o texto mestre</a:t>
             </a:r>
           </a:p>
           <a:p>
@@ -2120,13 +3052,13 @@
               <a:rPr lang="pt-BR" smtClean="0"/>
               <a:t>Quinto nível</a:t>
             </a:r>
-            <a:endParaRPr lang="pt-BR"/>
-          </a:p>
-        </p:txBody>
-      </p:sp>
-      <p:sp>
-        <p:nvSpPr>
-          <p:cNvPr id="4" name="Espaço Reservado para Texto 3"/>
+            <a:endParaRPr lang="en-US" dirty="0"/>
+          </a:p>
+        </p:txBody>
+      </p:sp>
+      <p:sp>
+        <p:nvSpPr>
+          <p:cNvPr id="4" name="Text Placeholder 3"/>
           <p:cNvSpPr>
             <a:spLocks noGrp="1"/>
           </p:cNvSpPr>
@@ -2135,17 +3067,19 @@
           </p:nvPr>
         </p:nvSpPr>
         <p:spPr>
-          <a:xfrm>
-            <a:off x="457200" y="1435100"/>
-            <a:ext cx="3008313" cy="4691063"/>
-          </a:xfrm>
-        </p:spPr>
-        <p:txBody>
-          <a:bodyPr/>
+          <a:xfrm rot="-60000">
+            <a:off x="1148125" y="3623748"/>
+            <a:ext cx="3048891" cy="2100400"/>
+          </a:xfrm>
+        </p:spPr>
+        <p:txBody>
+          <a:bodyPr>
+            <a:normAutofit/>
+          </a:bodyPr>
           <a:lstStyle>
-            <a:lvl1pPr marL="0" indent="0">
+            <a:lvl1pPr marL="0" indent="0" algn="ctr">
               <a:buNone/>
-              <a:defRPr sz="1400"/>
+              <a:defRPr sz="1600"/>
             </a:lvl1pPr>
             <a:lvl2pPr marL="457200" indent="0">
               <a:buNone/>
@@ -2184,14 +3118,14 @@
             <a:pPr lvl="0"/>
             <a:r>
               <a:rPr lang="pt-BR" smtClean="0"/>
-              <a:t>Clique para editar os estilos do texto mestre</a:t>
-            </a:r>
-          </a:p>
-        </p:txBody>
-      </p:sp>
-      <p:sp>
-        <p:nvSpPr>
-          <p:cNvPr id="5" name="Espaço Reservado para Data 4"/>
+              <a:t>Clique para editar o texto mestre</a:t>
+            </a:r>
+          </a:p>
+        </p:txBody>
+      </p:sp>
+      <p:sp>
+        <p:nvSpPr>
+          <p:cNvPr id="5" name="Date Placeholder 4"/>
           <p:cNvSpPr>
             <a:spLocks noGrp="1"/>
           </p:cNvSpPr>
@@ -2199,14 +3133,19 @@
             <p:ph type="dt" sz="half" idx="10"/>
           </p:nvPr>
         </p:nvSpPr>
-        <p:spPr/>
+        <p:spPr>
+          <a:xfrm rot="60000">
+            <a:off x="6341698" y="5885672"/>
+            <a:ext cx="1213821" cy="365125"/>
+          </a:xfrm>
+        </p:spPr>
         <p:txBody>
           <a:bodyPr/>
           <a:lstStyle/>
           <a:p>
             <a:fld id="{2E700DB3-DBF0-4086-B675-117E7A9610B8}" type="datetimeFigureOut">
               <a:rPr lang="pt-BR" smtClean="0"/>
-              <a:t>20/9/2006</a:t>
+              <a:t>27/05/2019</a:t>
             </a:fld>
             <a:endParaRPr lang="pt-BR"/>
           </a:p>
@@ -2214,7 +3153,7 @@
       </p:sp>
       <p:sp>
         <p:nvSpPr>
-          <p:cNvPr id="6" name="Espaço Reservado para Rodapé 5"/>
+          <p:cNvPr id="6" name="Footer Placeholder 5"/>
           <p:cNvSpPr>
             <a:spLocks noGrp="1"/>
           </p:cNvSpPr>
@@ -2222,7 +3161,12 @@
             <p:ph type="ftr" sz="quarter" idx="11"/>
           </p:nvPr>
         </p:nvSpPr>
-        <p:spPr/>
+        <p:spPr>
+          <a:xfrm rot="-60000">
+            <a:off x="914554" y="5829261"/>
+            <a:ext cx="3522607" cy="365125"/>
+          </a:xfrm>
+        </p:spPr>
         <p:txBody>
           <a:bodyPr/>
           <a:lstStyle/>
@@ -2233,7 +3177,7 @@
       </p:sp>
       <p:sp>
         <p:nvSpPr>
-          <p:cNvPr id="7" name="Espaço Reservado para Número de Slide 6"/>
+          <p:cNvPr id="7" name="Slide Number Placeholder 6"/>
           <p:cNvSpPr>
             <a:spLocks noGrp="1"/>
           </p:cNvSpPr>
@@ -2241,7 +3185,12 @@
             <p:ph type="sldNum" sz="quarter" idx="12"/>
           </p:nvPr>
         </p:nvSpPr>
-        <p:spPr/>
+        <p:spPr>
+          <a:xfrm rot="60000">
+            <a:off x="7557313" y="5896961"/>
+            <a:ext cx="554023" cy="365125"/>
+          </a:xfrm>
+        </p:spPr>
         <p:txBody>
           <a:bodyPr/>
           <a:lstStyle/>
@@ -2263,7 +3212,7 @@
 </file>
 
 <file path=ppt/slideLayouts/slideLayout9.xml><?xml version="1.0" encoding="utf-8"?>
-<p:sldLayout xmlns:a="http://schemas.openxmlformats.org/drawingml/2006/main" xmlns:r="http://schemas.openxmlformats.org/officeDocument/2006/relationships" xmlns:p="http://schemas.openxmlformats.org/presentationml/2006/main" type="picTx" preserve="1">
+<p:sldLayout xmlns:a="http://schemas.openxmlformats.org/drawingml/2006/main" xmlns:r="http://schemas.openxmlformats.org/officeDocument/2006/relationships" xmlns:p="http://schemas.openxmlformats.org/presentationml/2006/main" showMasterSp="0" type="picTx" preserve="1">
   <p:cSld name="Imagem com Legenda">
     <p:spTree>
       <p:nvGrpSpPr>
@@ -2279,9 +3228,555 @@
           <a:chExt cx="0" cy="0"/>
         </a:xfrm>
       </p:grpSpPr>
-      <p:sp>
-        <p:nvSpPr>
-          <p:cNvPr id="2" name="Título 1"/>
+      <p:grpSp>
+        <p:nvGrpSpPr>
+          <p:cNvPr id="8" name="Group 15"/>
+          <p:cNvGrpSpPr/>
+          <p:nvPr/>
+        </p:nvGrpSpPr>
+        <p:grpSpPr>
+          <a:xfrm>
+            <a:off x="0" y="0"/>
+            <a:ext cx="9144000" cy="6858000"/>
+            <a:chOff x="0" y="0"/>
+            <a:chExt cx="9144000" cy="6858000"/>
+          </a:xfrm>
+        </p:grpSpPr>
+        <p:sp>
+          <p:nvSpPr>
+            <p:cNvPr id="9" name="Rectangle 8"/>
+            <p:cNvSpPr/>
+            <p:nvPr/>
+          </p:nvSpPr>
+          <p:spPr>
+            <a:xfrm>
+              <a:off x="0" y="0"/>
+              <a:ext cx="7162800" cy="6858000"/>
+            </a:xfrm>
+            <a:prstGeom prst="rect">
+              <a:avLst/>
+            </a:prstGeom>
+            <a:gradFill flip="none" rotWithShape="1">
+              <a:gsLst>
+                <a:gs pos="0">
+                  <a:srgbClr val="010101">
+                    <a:alpha val="51765"/>
+                  </a:srgbClr>
+                </a:gs>
+                <a:gs pos="60000">
+                  <a:srgbClr val="FEFEFE">
+                    <a:alpha val="0"/>
+                  </a:srgbClr>
+                </a:gs>
+              </a:gsLst>
+              <a:path path="circle">
+                <a:fillToRect t="100000" r="100000"/>
+              </a:path>
+              <a:tileRect l="-100000" b="-100000"/>
+            </a:gradFill>
+            <a:ln>
+              <a:noFill/>
+            </a:ln>
+          </p:spPr>
+          <p:style>
+            <a:lnRef idx="2">
+              <a:schemeClr val="accent1">
+                <a:shade val="50000"/>
+              </a:schemeClr>
+            </a:lnRef>
+            <a:fillRef idx="1">
+              <a:schemeClr val="accent1"/>
+            </a:fillRef>
+            <a:effectRef idx="0">
+              <a:schemeClr val="accent1"/>
+            </a:effectRef>
+            <a:fontRef idx="minor">
+              <a:schemeClr val="lt1"/>
+            </a:fontRef>
+          </p:style>
+          <p:txBody>
+            <a:bodyPr rtlCol="0" anchor="ctr"/>
+            <a:lstStyle/>
+            <a:p>
+              <a:pPr algn="ctr"/>
+              <a:endParaRPr lang="en-US"/>
+            </a:p>
+          </p:txBody>
+        </p:sp>
+        <p:sp>
+          <p:nvSpPr>
+            <p:cNvPr id="10" name="Rectangle 9"/>
+            <p:cNvSpPr/>
+            <p:nvPr/>
+          </p:nvSpPr>
+          <p:spPr>
+            <a:xfrm>
+              <a:off x="1143000" y="0"/>
+              <a:ext cx="8001000" cy="6858000"/>
+            </a:xfrm>
+            <a:prstGeom prst="rect">
+              <a:avLst/>
+            </a:prstGeom>
+            <a:gradFill flip="none" rotWithShape="1">
+              <a:gsLst>
+                <a:gs pos="0">
+                  <a:srgbClr val="010101">
+                    <a:alpha val="56000"/>
+                  </a:srgbClr>
+                </a:gs>
+                <a:gs pos="61000">
+                  <a:srgbClr val="FEFEFE">
+                    <a:alpha val="0"/>
+                  </a:srgbClr>
+                </a:gs>
+              </a:gsLst>
+              <a:path path="circle">
+                <a:fillToRect l="100000" t="100000"/>
+              </a:path>
+              <a:tileRect r="-100000" b="-100000"/>
+            </a:gradFill>
+            <a:ln>
+              <a:noFill/>
+            </a:ln>
+          </p:spPr>
+          <p:style>
+            <a:lnRef idx="2">
+              <a:schemeClr val="accent1">
+                <a:shade val="50000"/>
+              </a:schemeClr>
+            </a:lnRef>
+            <a:fillRef idx="1">
+              <a:schemeClr val="accent1"/>
+            </a:fillRef>
+            <a:effectRef idx="0">
+              <a:schemeClr val="accent1"/>
+            </a:effectRef>
+            <a:fontRef idx="minor">
+              <a:schemeClr val="lt1"/>
+            </a:fontRef>
+          </p:style>
+          <p:txBody>
+            <a:bodyPr rtlCol="0" anchor="ctr"/>
+            <a:lstStyle/>
+            <a:p>
+              <a:pPr algn="ctr"/>
+              <a:endParaRPr lang="en-US"/>
+            </a:p>
+          </p:txBody>
+        </p:sp>
+      </p:grpSp>
+      <p:sp>
+        <p:nvSpPr>
+          <p:cNvPr id="31" name="Freeform 30"/>
+          <p:cNvSpPr/>
+          <p:nvPr/>
+        </p:nvSpPr>
+        <p:spPr>
+          <a:xfrm rot="10800000">
+            <a:off x="632177" y="6058038"/>
+            <a:ext cx="7721601" cy="537210"/>
+          </a:xfrm>
+          <a:custGeom>
+            <a:avLst/>
+            <a:gdLst>
+              <a:gd name="connsiteX0" fmla="*/ 0 w 7955280"/>
+              <a:gd name="connsiteY0" fmla="*/ 495300 h 495300"/>
+              <a:gd name="connsiteX1" fmla="*/ 169546 w 7955280"/>
+              <a:gd name="connsiteY1" fmla="*/ 0 h 495300"/>
+              <a:gd name="connsiteX2" fmla="*/ 7785734 w 7955280"/>
+              <a:gd name="connsiteY2" fmla="*/ 0 h 495300"/>
+              <a:gd name="connsiteX3" fmla="*/ 7955280 w 7955280"/>
+              <a:gd name="connsiteY3" fmla="*/ 495300 h 495300"/>
+              <a:gd name="connsiteX4" fmla="*/ 0 w 7955280"/>
+              <a:gd name="connsiteY4" fmla="*/ 495300 h 495300"/>
+              <a:gd name="connsiteX0" fmla="*/ 0 w 7955280"/>
+              <a:gd name="connsiteY0" fmla="*/ 495300 h 495300"/>
+              <a:gd name="connsiteX1" fmla="*/ 169546 w 7955280"/>
+              <a:gd name="connsiteY1" fmla="*/ 0 h 495300"/>
+              <a:gd name="connsiteX2" fmla="*/ 3966210 w 7955280"/>
+              <a:gd name="connsiteY2" fmla="*/ 95250 h 495300"/>
+              <a:gd name="connsiteX3" fmla="*/ 7785734 w 7955280"/>
+              <a:gd name="connsiteY3" fmla="*/ 0 h 495300"/>
+              <a:gd name="connsiteX4" fmla="*/ 7955280 w 7955280"/>
+              <a:gd name="connsiteY4" fmla="*/ 495300 h 495300"/>
+              <a:gd name="connsiteX5" fmla="*/ 0 w 7955280"/>
+              <a:gd name="connsiteY5" fmla="*/ 495300 h 495300"/>
+            </a:gdLst>
+            <a:ahLst/>
+            <a:cxnLst>
+              <a:cxn ang="0">
+                <a:pos x="connsiteX0" y="connsiteY0"/>
+              </a:cxn>
+              <a:cxn ang="0">
+                <a:pos x="connsiteX1" y="connsiteY1"/>
+              </a:cxn>
+              <a:cxn ang="0">
+                <a:pos x="connsiteX2" y="connsiteY2"/>
+              </a:cxn>
+              <a:cxn ang="0">
+                <a:pos x="connsiteX3" y="connsiteY3"/>
+              </a:cxn>
+              <a:cxn ang="0">
+                <a:pos x="connsiteX4" y="connsiteY4"/>
+              </a:cxn>
+              <a:cxn ang="0">
+                <a:pos x="connsiteX5" y="connsiteY5"/>
+              </a:cxn>
+            </a:cxnLst>
+            <a:rect l="l" t="t" r="r" b="b"/>
+            <a:pathLst>
+              <a:path w="7955280" h="495300">
+                <a:moveTo>
+                  <a:pt x="0" y="495300"/>
+                </a:moveTo>
+                <a:lnTo>
+                  <a:pt x="169546" y="0"/>
+                </a:lnTo>
+                <a:lnTo>
+                  <a:pt x="3966210" y="95250"/>
+                </a:lnTo>
+                <a:lnTo>
+                  <a:pt x="7785734" y="0"/>
+                </a:lnTo>
+                <a:lnTo>
+                  <a:pt x="7955280" y="495300"/>
+                </a:lnTo>
+                <a:lnTo>
+                  <a:pt x="0" y="495300"/>
+                </a:lnTo>
+                <a:close/>
+              </a:path>
+            </a:pathLst>
+          </a:custGeom>
+          <a:gradFill flip="none" rotWithShape="1">
+            <a:gsLst>
+              <a:gs pos="30000">
+                <a:srgbClr val="010101">
+                  <a:alpha val="34000"/>
+                </a:srgbClr>
+              </a:gs>
+              <a:gs pos="100000">
+                <a:srgbClr val="010101">
+                  <a:alpha val="26000"/>
+                </a:srgbClr>
+              </a:gs>
+            </a:gsLst>
+            <a:path path="circle">
+              <a:fillToRect l="50000" t="50000" r="50000" b="50000"/>
+            </a:path>
+            <a:tileRect/>
+          </a:gradFill>
+          <a:ln>
+            <a:noFill/>
+          </a:ln>
+          <a:effectLst>
+            <a:softEdge rad="127000"/>
+          </a:effectLst>
+        </p:spPr>
+        <p:style>
+          <a:lnRef idx="2">
+            <a:schemeClr val="accent1">
+              <a:shade val="50000"/>
+            </a:schemeClr>
+          </a:lnRef>
+          <a:fillRef idx="1">
+            <a:schemeClr val="accent1"/>
+          </a:fillRef>
+          <a:effectRef idx="0">
+            <a:schemeClr val="accent1"/>
+          </a:effectRef>
+          <a:fontRef idx="minor">
+            <a:schemeClr val="lt1"/>
+          </a:fontRef>
+        </p:style>
+        <p:txBody>
+          <a:bodyPr rtlCol="0" anchor="ctr"/>
+          <a:lstStyle/>
+          <a:p>
+            <a:pPr algn="ctr"/>
+            <a:endParaRPr lang="en-US"/>
+          </a:p>
+        </p:txBody>
+      </p:sp>
+      <p:sp>
+        <p:nvSpPr>
+          <p:cNvPr id="12" name="Rectangle 11"/>
+          <p:cNvSpPr/>
+          <p:nvPr/>
+        </p:nvSpPr>
+        <p:spPr>
+          <a:xfrm rot="21540000">
+            <a:off x="749204" y="576868"/>
+            <a:ext cx="3788941" cy="5722296"/>
+          </a:xfrm>
+          <a:prstGeom prst="rect">
+            <a:avLst/>
+          </a:prstGeom>
+          <a:solidFill>
+            <a:schemeClr val="bg1"/>
+          </a:solidFill>
+          <a:ln w="6350">
+            <a:noFill/>
+          </a:ln>
+          <a:effectLst>
+            <a:outerShdw blurRad="101600" dist="50800" dir="5400000" algn="t" rotWithShape="0">
+              <a:prstClr val="black">
+                <a:alpha val="20000"/>
+              </a:prstClr>
+            </a:outerShdw>
+          </a:effectLst>
+        </p:spPr>
+        <p:style>
+          <a:lnRef idx="2">
+            <a:schemeClr val="accent1">
+              <a:shade val="50000"/>
+            </a:schemeClr>
+          </a:lnRef>
+          <a:fillRef idx="1">
+            <a:schemeClr val="accent1"/>
+          </a:fillRef>
+          <a:effectRef idx="0">
+            <a:schemeClr val="accent1"/>
+          </a:effectRef>
+          <a:fontRef idx="minor">
+            <a:schemeClr val="lt1"/>
+          </a:fontRef>
+        </p:style>
+        <p:txBody>
+          <a:bodyPr rtlCol="0" anchor="ctr"/>
+          <a:lstStyle/>
+          <a:p>
+            <a:pPr algn="ctr"/>
+            <a:endParaRPr lang="en-US"/>
+          </a:p>
+        </p:txBody>
+      </p:sp>
+      <p:sp>
+        <p:nvSpPr>
+          <p:cNvPr id="13" name="Rectangle 12"/>
+          <p:cNvSpPr/>
+          <p:nvPr/>
+        </p:nvSpPr>
+        <p:spPr>
+          <a:xfrm rot="21540000">
+            <a:off x="745058" y="575769"/>
+            <a:ext cx="3788941" cy="5722296"/>
+          </a:xfrm>
+          <a:prstGeom prst="rect">
+            <a:avLst/>
+          </a:prstGeom>
+          <a:blipFill dpi="0" rotWithShape="1">
+            <a:blip r:embed="rId2" cstate="print">
+              <a:alphaModFix amt="20000"/>
+              <a:grayscl/>
+              <a:lum contrast="12000"/>
+            </a:blip>
+            <a:srcRect/>
+            <a:tile tx="0" ty="0" sx="100000" sy="100000" flip="none" algn="tl"/>
+          </a:blipFill>
+          <a:ln w="6350">
+            <a:noFill/>
+          </a:ln>
+          <a:effectLst>
+            <a:outerShdw blurRad="101600" dist="50800" dir="5400000" algn="t" rotWithShape="0">
+              <a:prstClr val="black">
+                <a:alpha val="20000"/>
+              </a:prstClr>
+            </a:outerShdw>
+          </a:effectLst>
+        </p:spPr>
+        <p:style>
+          <a:lnRef idx="2">
+            <a:schemeClr val="accent1">
+              <a:shade val="50000"/>
+            </a:schemeClr>
+          </a:lnRef>
+          <a:fillRef idx="1">
+            <a:schemeClr val="accent1"/>
+          </a:fillRef>
+          <a:effectRef idx="0">
+            <a:schemeClr val="accent1"/>
+          </a:effectRef>
+          <a:fontRef idx="minor">
+            <a:schemeClr val="lt1"/>
+          </a:fontRef>
+        </p:style>
+        <p:txBody>
+          <a:bodyPr rtlCol="0" anchor="ctr"/>
+          <a:lstStyle/>
+          <a:p>
+            <a:pPr algn="ctr"/>
+            <a:endParaRPr lang="en-US"/>
+          </a:p>
+        </p:txBody>
+      </p:sp>
+      <p:sp>
+        <p:nvSpPr>
+          <p:cNvPr id="29" name="Rectangle 28"/>
+          <p:cNvSpPr/>
+          <p:nvPr/>
+        </p:nvSpPr>
+        <p:spPr>
+          <a:xfrm rot="60000">
+            <a:off x="4468872" y="605163"/>
+            <a:ext cx="3788941" cy="5722296"/>
+          </a:xfrm>
+          <a:prstGeom prst="rect">
+            <a:avLst/>
+          </a:prstGeom>
+          <a:solidFill>
+            <a:schemeClr val="bg1"/>
+          </a:solidFill>
+          <a:ln w="6350">
+            <a:noFill/>
+          </a:ln>
+          <a:effectLst>
+            <a:outerShdw blurRad="101600" dist="50800" dir="5400000" algn="t" rotWithShape="0">
+              <a:prstClr val="black">
+                <a:alpha val="20000"/>
+              </a:prstClr>
+            </a:outerShdw>
+          </a:effectLst>
+        </p:spPr>
+        <p:style>
+          <a:lnRef idx="2">
+            <a:schemeClr val="accent1">
+              <a:shade val="50000"/>
+            </a:schemeClr>
+          </a:lnRef>
+          <a:fillRef idx="1">
+            <a:schemeClr val="accent1"/>
+          </a:fillRef>
+          <a:effectRef idx="0">
+            <a:schemeClr val="accent1"/>
+          </a:effectRef>
+          <a:fontRef idx="minor">
+            <a:schemeClr val="lt1"/>
+          </a:fontRef>
+        </p:style>
+        <p:txBody>
+          <a:bodyPr rtlCol="0" anchor="ctr"/>
+          <a:lstStyle/>
+          <a:p>
+            <a:pPr algn="ctr"/>
+            <a:endParaRPr lang="en-US"/>
+          </a:p>
+        </p:txBody>
+      </p:sp>
+      <p:sp>
+        <p:nvSpPr>
+          <p:cNvPr id="30" name="Rectangle 29"/>
+          <p:cNvSpPr/>
+          <p:nvPr/>
+        </p:nvSpPr>
+        <p:spPr>
+          <a:xfrm rot="60000">
+            <a:off x="4464768" y="603920"/>
+            <a:ext cx="3788941" cy="5722296"/>
+          </a:xfrm>
+          <a:prstGeom prst="rect">
+            <a:avLst/>
+          </a:prstGeom>
+          <a:blipFill dpi="0" rotWithShape="1">
+            <a:blip r:embed="rId2" cstate="print">
+              <a:alphaModFix amt="20000"/>
+              <a:grayscl/>
+              <a:lum contrast="12000"/>
+            </a:blip>
+            <a:srcRect/>
+            <a:tile tx="0" ty="0" sx="100000" sy="100000" flip="none" algn="tl"/>
+          </a:blipFill>
+          <a:ln w="6350">
+            <a:noFill/>
+          </a:ln>
+          <a:effectLst>
+            <a:outerShdw blurRad="101600" dist="50800" dir="5400000" algn="t" rotWithShape="0">
+              <a:prstClr val="black">
+                <a:alpha val="20000"/>
+              </a:prstClr>
+            </a:outerShdw>
+          </a:effectLst>
+        </p:spPr>
+        <p:style>
+          <a:lnRef idx="2">
+            <a:schemeClr val="accent1">
+              <a:shade val="50000"/>
+            </a:schemeClr>
+          </a:lnRef>
+          <a:fillRef idx="1">
+            <a:schemeClr val="accent1"/>
+          </a:fillRef>
+          <a:effectRef idx="0">
+            <a:schemeClr val="accent1"/>
+          </a:effectRef>
+          <a:fontRef idx="minor">
+            <a:schemeClr val="lt1"/>
+          </a:fontRef>
+        </p:style>
+        <p:txBody>
+          <a:bodyPr rtlCol="0" anchor="ctr"/>
+          <a:lstStyle/>
+          <a:p>
+            <a:pPr algn="ctr"/>
+            <a:endParaRPr lang="en-US"/>
+          </a:p>
+        </p:txBody>
+      </p:sp>
+      <p:pic>
+        <p:nvPicPr>
+          <p:cNvPr id="14" name="Picture 2" descr="C:\Users\Administrator\Desktop\Pushpin Dev\Assets\pushpinLeft.png"/>
+          <p:cNvPicPr>
+            <a:picLocks noChangeAspect="1" noChangeArrowheads="1"/>
+          </p:cNvPicPr>
+          <p:nvPr/>
+        </p:nvPicPr>
+        <p:blipFill>
+          <a:blip r:embed="rId3" cstate="print"/>
+          <a:srcRect/>
+          <a:stretch>
+            <a:fillRect/>
+          </a:stretch>
+        </p:blipFill>
+        <p:spPr bwMode="auto">
+          <a:xfrm rot="1435684">
+            <a:off x="2371106" y="293953"/>
+            <a:ext cx="567831" cy="567830"/>
+          </a:xfrm>
+          <a:prstGeom prst="rect">
+            <a:avLst/>
+          </a:prstGeom>
+          <a:noFill/>
+        </p:spPr>
+      </p:pic>
+      <p:pic>
+        <p:nvPicPr>
+          <p:cNvPr id="15" name="Picture 2" descr="C:\Users\Administrator\Desktop\Pushpin Dev\Assets\pushpinLeft.png"/>
+          <p:cNvPicPr>
+            <a:picLocks noChangeAspect="1" noChangeArrowheads="1"/>
+          </p:cNvPicPr>
+          <p:nvPr/>
+        </p:nvPicPr>
+        <p:blipFill>
+          <a:blip r:embed="rId3" cstate="print"/>
+          <a:srcRect/>
+          <a:stretch>
+            <a:fillRect/>
+          </a:stretch>
+        </p:blipFill>
+        <p:spPr bwMode="auto">
+          <a:xfrm rot="4096196">
+            <a:off x="6279647" y="333163"/>
+            <a:ext cx="566928" cy="566928"/>
+          </a:xfrm>
+          <a:prstGeom prst="rect">
+            <a:avLst/>
+          </a:prstGeom>
+          <a:noFill/>
+        </p:spPr>
+      </p:pic>
+      <p:sp>
+        <p:nvSpPr>
+          <p:cNvPr id="2" name="Title 1"/>
           <p:cNvSpPr>
             <a:spLocks noGrp="1"/>
           </p:cNvSpPr>
@@ -2290,30 +3785,32 @@
           </p:nvPr>
         </p:nvSpPr>
         <p:spPr>
-          <a:xfrm>
-            <a:off x="1792288" y="4800600"/>
-            <a:ext cx="5486400" cy="566738"/>
-          </a:xfrm>
-        </p:spPr>
-        <p:txBody>
-          <a:bodyPr anchor="b"/>
+          <a:xfrm rot="-60000">
+            <a:off x="1106424" y="2020824"/>
+            <a:ext cx="3063240" cy="1499616"/>
+          </a:xfrm>
+        </p:spPr>
+        <p:txBody>
+          <a:bodyPr anchor="b">
+            <a:normAutofit/>
+          </a:bodyPr>
           <a:lstStyle>
-            <a:lvl1pPr algn="l">
-              <a:defRPr sz="2000" b="1"/>
+            <a:lvl1pPr algn="ctr">
+              <a:defRPr sz="2400" b="0"/>
             </a:lvl1pPr>
           </a:lstStyle>
           <a:p>
             <a:r>
               <a:rPr lang="pt-BR" smtClean="0"/>
-              <a:t>Clique para editar o estilo do título mestre</a:t>
-            </a:r>
-            <a:endParaRPr lang="pt-BR"/>
-          </a:p>
-        </p:txBody>
-      </p:sp>
-      <p:sp>
-        <p:nvSpPr>
-          <p:cNvPr id="3" name="Espaço Reservado para Imagem 2"/>
+              <a:t>Clique para editar o título mestre</a:t>
+            </a:r>
+            <a:endParaRPr lang="en-US" dirty="0"/>
+          </a:p>
+        </p:txBody>
+      </p:sp>
+      <p:sp>
+        <p:nvSpPr>
+          <p:cNvPr id="3" name="Picture Placeholder 2"/>
           <p:cNvSpPr>
             <a:spLocks noGrp="1"/>
           </p:cNvSpPr>
@@ -2322,17 +3819,31 @@
           </p:nvPr>
         </p:nvSpPr>
         <p:spPr>
-          <a:xfrm>
-            <a:off x="1792288" y="612775"/>
-            <a:ext cx="5486400" cy="4114800"/>
-          </a:xfrm>
-        </p:spPr>
-        <p:txBody>
-          <a:bodyPr/>
+          <a:xfrm rot="60000">
+            <a:off x="4898615" y="1207272"/>
+            <a:ext cx="2913863" cy="4539412"/>
+          </a:xfrm>
+          <a:ln w="101600" cap="rnd">
+            <a:solidFill>
+              <a:srgbClr val="FFFFFF"/>
+            </a:solidFill>
+          </a:ln>
+          <a:effectLst>
+            <a:outerShdw blurRad="88900" dir="2700000" algn="tl" rotWithShape="0">
+              <a:prstClr val="black">
+                <a:alpha val="40000"/>
+              </a:prstClr>
+            </a:outerShdw>
+          </a:effectLst>
+        </p:spPr>
+        <p:txBody>
+          <a:bodyPr>
+            <a:normAutofit/>
+          </a:bodyPr>
           <a:lstStyle>
             <a:lvl1pPr marL="0" indent="0">
               <a:buNone/>
-              <a:defRPr sz="3200"/>
+              <a:defRPr sz="2400"/>
             </a:lvl1pPr>
             <a:lvl2pPr marL="457200" indent="0">
               <a:buNone/>
@@ -2368,13 +3879,17 @@
             </a:lvl9pPr>
           </a:lstStyle>
           <a:p>
-            <a:endParaRPr lang="pt-BR"/>
-          </a:p>
-        </p:txBody>
-      </p:sp>
-      <p:sp>
-        <p:nvSpPr>
-          <p:cNvPr id="4" name="Espaço Reservado para Texto 3"/>
+            <a:r>
+              <a:rPr lang="pt-BR" smtClean="0"/>
+              <a:t>Clique no ícone para adicionar uma imagem</a:t>
+            </a:r>
+            <a:endParaRPr lang="en-US"/>
+          </a:p>
+        </p:txBody>
+      </p:sp>
+      <p:sp>
+        <p:nvSpPr>
+          <p:cNvPr id="4" name="Text Placeholder 3"/>
           <p:cNvSpPr>
             <a:spLocks noGrp="1"/>
           </p:cNvSpPr>
@@ -2383,17 +3898,19 @@
           </p:nvPr>
         </p:nvSpPr>
         <p:spPr>
-          <a:xfrm>
-            <a:off x="1792288" y="5367338"/>
-            <a:ext cx="5486400" cy="804862"/>
-          </a:xfrm>
-        </p:spPr>
-        <p:txBody>
-          <a:bodyPr/>
+          <a:xfrm rot="-60000">
+            <a:off x="1152144" y="3621024"/>
+            <a:ext cx="3044952" cy="2103120"/>
+          </a:xfrm>
+        </p:spPr>
+        <p:txBody>
+          <a:bodyPr>
+            <a:normAutofit/>
+          </a:bodyPr>
           <a:lstStyle>
-            <a:lvl1pPr marL="0" indent="0">
+            <a:lvl1pPr marL="0" indent="0" algn="ctr">
               <a:buNone/>
-              <a:defRPr sz="1400"/>
+              <a:defRPr sz="1600"/>
             </a:lvl1pPr>
             <a:lvl2pPr marL="457200" indent="0">
               <a:buNone/>
@@ -2432,14 +3949,14 @@
             <a:pPr lvl="0"/>
             <a:r>
               <a:rPr lang="pt-BR" smtClean="0"/>
-              <a:t>Clique para editar os estilos do texto mestre</a:t>
-            </a:r>
-          </a:p>
-        </p:txBody>
-      </p:sp>
-      <p:sp>
-        <p:nvSpPr>
-          <p:cNvPr id="5" name="Espaço Reservado para Data 4"/>
+              <a:t>Clique para editar o texto mestre</a:t>
+            </a:r>
+          </a:p>
+        </p:txBody>
+      </p:sp>
+      <p:sp>
+        <p:nvSpPr>
+          <p:cNvPr id="5" name="Date Placeholder 4"/>
           <p:cNvSpPr>
             <a:spLocks noGrp="1"/>
           </p:cNvSpPr>
@@ -2447,14 +3964,19 @@
             <p:ph type="dt" sz="half" idx="10"/>
           </p:nvPr>
         </p:nvSpPr>
-        <p:spPr/>
+        <p:spPr>
+          <a:xfrm rot="60000">
+            <a:off x="6345936" y="5888737"/>
+            <a:ext cx="1213821" cy="365125"/>
+          </a:xfrm>
+        </p:spPr>
         <p:txBody>
           <a:bodyPr/>
           <a:lstStyle/>
           <a:p>
             <a:fld id="{2E700DB3-DBF0-4086-B675-117E7A9610B8}" type="datetimeFigureOut">
               <a:rPr lang="pt-BR" smtClean="0"/>
-              <a:t>20/9/2006</a:t>
+              <a:t>27/05/2019</a:t>
             </a:fld>
             <a:endParaRPr lang="pt-BR"/>
           </a:p>
@@ -2462,7 +3984,7 @@
       </p:sp>
       <p:sp>
         <p:nvSpPr>
-          <p:cNvPr id="6" name="Espaço Reservado para Rodapé 5"/>
+          <p:cNvPr id="6" name="Footer Placeholder 5"/>
           <p:cNvSpPr>
             <a:spLocks noGrp="1"/>
           </p:cNvSpPr>
@@ -2470,7 +3992,12 @@
             <p:ph type="ftr" sz="quarter" idx="11"/>
           </p:nvPr>
         </p:nvSpPr>
-        <p:spPr/>
+        <p:spPr>
+          <a:xfrm rot="-60000">
+            <a:off x="914569" y="5831037"/>
+            <a:ext cx="3319043" cy="365125"/>
+          </a:xfrm>
+        </p:spPr>
         <p:txBody>
           <a:bodyPr/>
           <a:lstStyle/>
@@ -2481,7 +4008,7 @@
       </p:sp>
       <p:sp>
         <p:nvSpPr>
-          <p:cNvPr id="7" name="Espaço Reservado para Número de Slide 6"/>
+          <p:cNvPr id="7" name="Slide Number Placeholder 6"/>
           <p:cNvSpPr>
             <a:spLocks noGrp="1"/>
           </p:cNvSpPr>
@@ -2489,7 +4016,12 @@
             <p:ph type="sldNum" sz="quarter" idx="12"/>
           </p:nvPr>
         </p:nvSpPr>
-        <p:spPr/>
+        <p:spPr>
+          <a:xfrm rot="60000">
+            <a:off x="7562089" y="5900026"/>
+            <a:ext cx="554023" cy="365125"/>
+          </a:xfrm>
+        </p:spPr>
         <p:txBody>
           <a:bodyPr/>
           <a:lstStyle/>
@@ -2514,8 +4046,8 @@
 <p:sldMaster xmlns:a="http://schemas.openxmlformats.org/drawingml/2006/main" xmlns:r="http://schemas.openxmlformats.org/officeDocument/2006/relationships" xmlns:p="http://schemas.openxmlformats.org/presentationml/2006/main">
   <p:cSld>
     <p:bg>
-      <p:bgRef idx="1001">
-        <a:schemeClr val="bg1"/>
+      <p:bgRef idx="1002">
+        <a:schemeClr val="bg2"/>
       </p:bgRef>
     </p:bg>
     <p:spTree>
@@ -2532,24 +4064,461 @@
           <a:chExt cx="0" cy="0"/>
         </a:xfrm>
       </p:grpSpPr>
-      <p:sp>
-        <p:nvSpPr>
-          <p:cNvPr id="2" name="Espaço Reservado para Título 1"/>
-          <p:cNvSpPr>
-            <a:spLocks noGrp="1"/>
-          </p:cNvSpPr>
-          <p:nvPr>
-            <p:ph type="title"/>
-          </p:nvPr>
+      <p:grpSp>
+        <p:nvGrpSpPr>
+          <p:cNvPr id="7" name="Group 15"/>
+          <p:cNvGrpSpPr/>
+          <p:nvPr/>
+        </p:nvGrpSpPr>
+        <p:grpSpPr>
+          <a:xfrm>
+            <a:off x="0" y="0"/>
+            <a:ext cx="9144000" cy="6858000"/>
+            <a:chOff x="0" y="0"/>
+            <a:chExt cx="9144000" cy="6858000"/>
+          </a:xfrm>
+        </p:grpSpPr>
+        <p:sp>
+          <p:nvSpPr>
+            <p:cNvPr id="8" name="Rectangle 7"/>
+            <p:cNvSpPr/>
+            <p:nvPr/>
+          </p:nvSpPr>
+          <p:spPr>
+            <a:xfrm>
+              <a:off x="0" y="0"/>
+              <a:ext cx="7162800" cy="6858000"/>
+            </a:xfrm>
+            <a:prstGeom prst="rect">
+              <a:avLst/>
+            </a:prstGeom>
+            <a:gradFill flip="none" rotWithShape="1">
+              <a:gsLst>
+                <a:gs pos="0">
+                  <a:srgbClr val="010101">
+                    <a:alpha val="51765"/>
+                  </a:srgbClr>
+                </a:gs>
+                <a:gs pos="60000">
+                  <a:srgbClr val="FEFEFE">
+                    <a:alpha val="0"/>
+                  </a:srgbClr>
+                </a:gs>
+              </a:gsLst>
+              <a:path path="circle">
+                <a:fillToRect t="100000" r="100000"/>
+              </a:path>
+              <a:tileRect l="-100000" b="-100000"/>
+            </a:gradFill>
+            <a:ln>
+              <a:noFill/>
+            </a:ln>
+          </p:spPr>
+          <p:style>
+            <a:lnRef idx="2">
+              <a:schemeClr val="accent1">
+                <a:shade val="50000"/>
+              </a:schemeClr>
+            </a:lnRef>
+            <a:fillRef idx="1">
+              <a:schemeClr val="accent1"/>
+            </a:fillRef>
+            <a:effectRef idx="0">
+              <a:schemeClr val="accent1"/>
+            </a:effectRef>
+            <a:fontRef idx="minor">
+              <a:schemeClr val="lt1"/>
+            </a:fontRef>
+          </p:style>
+          <p:txBody>
+            <a:bodyPr rtlCol="0" anchor="ctr"/>
+            <a:lstStyle/>
+            <a:p>
+              <a:pPr algn="ctr"/>
+              <a:endParaRPr lang="en-US"/>
+            </a:p>
+          </p:txBody>
+        </p:sp>
+        <p:sp>
+          <p:nvSpPr>
+            <p:cNvPr id="9" name="Rectangle 8"/>
+            <p:cNvSpPr/>
+            <p:nvPr/>
+          </p:nvSpPr>
+          <p:spPr>
+            <a:xfrm>
+              <a:off x="1143000" y="0"/>
+              <a:ext cx="8001000" cy="6858000"/>
+            </a:xfrm>
+            <a:prstGeom prst="rect">
+              <a:avLst/>
+            </a:prstGeom>
+            <a:gradFill flip="none" rotWithShape="1">
+              <a:gsLst>
+                <a:gs pos="0">
+                  <a:srgbClr val="010101">
+                    <a:alpha val="56000"/>
+                  </a:srgbClr>
+                </a:gs>
+                <a:gs pos="61000">
+                  <a:srgbClr val="FEFEFE">
+                    <a:alpha val="0"/>
+                  </a:srgbClr>
+                </a:gs>
+              </a:gsLst>
+              <a:path path="circle">
+                <a:fillToRect l="100000" t="100000"/>
+              </a:path>
+              <a:tileRect r="-100000" b="-100000"/>
+            </a:gradFill>
+            <a:ln>
+              <a:noFill/>
+            </a:ln>
+          </p:spPr>
+          <p:style>
+            <a:lnRef idx="2">
+              <a:schemeClr val="accent1">
+                <a:shade val="50000"/>
+              </a:schemeClr>
+            </a:lnRef>
+            <a:fillRef idx="1">
+              <a:schemeClr val="accent1"/>
+            </a:fillRef>
+            <a:effectRef idx="0">
+              <a:schemeClr val="accent1"/>
+            </a:effectRef>
+            <a:fontRef idx="minor">
+              <a:schemeClr val="lt1"/>
+            </a:fontRef>
+          </p:style>
+          <p:txBody>
+            <a:bodyPr rtlCol="0" anchor="ctr"/>
+            <a:lstStyle/>
+            <a:p>
+              <a:pPr algn="ctr"/>
+              <a:endParaRPr lang="en-US"/>
+            </a:p>
+          </p:txBody>
+        </p:sp>
+      </p:grpSp>
+      <p:sp>
+        <p:nvSpPr>
+          <p:cNvPr id="10" name="Freeform 9"/>
+          <p:cNvSpPr/>
+          <p:nvPr/>
+        </p:nvSpPr>
+        <p:spPr>
+          <a:xfrm rot="10800000">
+            <a:off x="628650" y="6069330"/>
+            <a:ext cx="7920991" cy="537210"/>
+          </a:xfrm>
+          <a:custGeom>
+            <a:avLst/>
+            <a:gdLst>
+              <a:gd name="connsiteX0" fmla="*/ 0 w 7955280"/>
+              <a:gd name="connsiteY0" fmla="*/ 495300 h 495300"/>
+              <a:gd name="connsiteX1" fmla="*/ 169546 w 7955280"/>
+              <a:gd name="connsiteY1" fmla="*/ 0 h 495300"/>
+              <a:gd name="connsiteX2" fmla="*/ 7785734 w 7955280"/>
+              <a:gd name="connsiteY2" fmla="*/ 0 h 495300"/>
+              <a:gd name="connsiteX3" fmla="*/ 7955280 w 7955280"/>
+              <a:gd name="connsiteY3" fmla="*/ 495300 h 495300"/>
+              <a:gd name="connsiteX4" fmla="*/ 0 w 7955280"/>
+              <a:gd name="connsiteY4" fmla="*/ 495300 h 495300"/>
+              <a:gd name="connsiteX0" fmla="*/ 0 w 7955280"/>
+              <a:gd name="connsiteY0" fmla="*/ 495300 h 495300"/>
+              <a:gd name="connsiteX1" fmla="*/ 169546 w 7955280"/>
+              <a:gd name="connsiteY1" fmla="*/ 0 h 495300"/>
+              <a:gd name="connsiteX2" fmla="*/ 3966210 w 7955280"/>
+              <a:gd name="connsiteY2" fmla="*/ 95250 h 495300"/>
+              <a:gd name="connsiteX3" fmla="*/ 7785734 w 7955280"/>
+              <a:gd name="connsiteY3" fmla="*/ 0 h 495300"/>
+              <a:gd name="connsiteX4" fmla="*/ 7955280 w 7955280"/>
+              <a:gd name="connsiteY4" fmla="*/ 495300 h 495300"/>
+              <a:gd name="connsiteX5" fmla="*/ 0 w 7955280"/>
+              <a:gd name="connsiteY5" fmla="*/ 495300 h 495300"/>
+            </a:gdLst>
+            <a:ahLst/>
+            <a:cxnLst>
+              <a:cxn ang="0">
+                <a:pos x="connsiteX0" y="connsiteY0"/>
+              </a:cxn>
+              <a:cxn ang="0">
+                <a:pos x="connsiteX1" y="connsiteY1"/>
+              </a:cxn>
+              <a:cxn ang="0">
+                <a:pos x="connsiteX2" y="connsiteY2"/>
+              </a:cxn>
+              <a:cxn ang="0">
+                <a:pos x="connsiteX3" y="connsiteY3"/>
+              </a:cxn>
+              <a:cxn ang="0">
+                <a:pos x="connsiteX4" y="connsiteY4"/>
+              </a:cxn>
+              <a:cxn ang="0">
+                <a:pos x="connsiteX5" y="connsiteY5"/>
+              </a:cxn>
+            </a:cxnLst>
+            <a:rect l="l" t="t" r="r" b="b"/>
+            <a:pathLst>
+              <a:path w="7955280" h="495300">
+                <a:moveTo>
+                  <a:pt x="0" y="495300"/>
+                </a:moveTo>
+                <a:lnTo>
+                  <a:pt x="169546" y="0"/>
+                </a:lnTo>
+                <a:lnTo>
+                  <a:pt x="3966210" y="95250"/>
+                </a:lnTo>
+                <a:lnTo>
+                  <a:pt x="7785734" y="0"/>
+                </a:lnTo>
+                <a:lnTo>
+                  <a:pt x="7955280" y="495300"/>
+                </a:lnTo>
+                <a:lnTo>
+                  <a:pt x="0" y="495300"/>
+                </a:lnTo>
+                <a:close/>
+              </a:path>
+            </a:pathLst>
+          </a:custGeom>
+          <a:gradFill flip="none" rotWithShape="1">
+            <a:gsLst>
+              <a:gs pos="30000">
+                <a:srgbClr val="010101">
+                  <a:alpha val="34000"/>
+                </a:srgbClr>
+              </a:gs>
+              <a:gs pos="100000">
+                <a:srgbClr val="010101">
+                  <a:alpha val="26000"/>
+                </a:srgbClr>
+              </a:gs>
+            </a:gsLst>
+            <a:path path="circle">
+              <a:fillToRect l="50000" t="50000" r="50000" b="50000"/>
+            </a:path>
+            <a:tileRect/>
+          </a:gradFill>
+          <a:ln>
+            <a:noFill/>
+          </a:ln>
+          <a:effectLst>
+            <a:softEdge rad="127000"/>
+          </a:effectLst>
+        </p:spPr>
+        <p:style>
+          <a:lnRef idx="2">
+            <a:schemeClr val="accent1">
+              <a:shade val="50000"/>
+            </a:schemeClr>
+          </a:lnRef>
+          <a:fillRef idx="1">
+            <a:schemeClr val="accent1"/>
+          </a:fillRef>
+          <a:effectRef idx="0">
+            <a:schemeClr val="accent1"/>
+          </a:effectRef>
+          <a:fontRef idx="minor">
+            <a:schemeClr val="lt1"/>
+          </a:fontRef>
+        </p:style>
+        <p:txBody>
+          <a:bodyPr rtlCol="0" anchor="ctr"/>
+          <a:lstStyle/>
+          <a:p>
+            <a:pPr algn="ctr"/>
+            <a:endParaRPr lang="en-US"/>
+          </a:p>
+        </p:txBody>
+      </p:sp>
+      <p:sp>
+        <p:nvSpPr>
+          <p:cNvPr id="11" name="Rectangle 10"/>
+          <p:cNvSpPr/>
+          <p:nvPr/>
         </p:nvSpPr>
         <p:spPr>
           <a:xfrm>
-            <a:off x="457200" y="274638"/>
-            <a:ext cx="8229600" cy="1143000"/>
+            <a:off x="731520" y="575310"/>
+            <a:ext cx="7696200" cy="5715000"/>
           </a:xfrm>
           <a:prstGeom prst="rect">
             <a:avLst/>
           </a:prstGeom>
+          <a:solidFill>
+            <a:schemeClr val="bg1">
+              <a:lumMod val="75000"/>
+              <a:lumOff val="25000"/>
+            </a:schemeClr>
+          </a:solidFill>
+          <a:ln w="6350">
+            <a:noFill/>
+          </a:ln>
+          <a:effectLst>
+            <a:outerShdw blurRad="101600" dist="50800" dir="5400000" algn="t" rotWithShape="0">
+              <a:prstClr val="black">
+                <a:alpha val="20000"/>
+              </a:prstClr>
+            </a:outerShdw>
+          </a:effectLst>
+        </p:spPr>
+        <p:style>
+          <a:lnRef idx="2">
+            <a:schemeClr val="accent1">
+              <a:shade val="50000"/>
+            </a:schemeClr>
+          </a:lnRef>
+          <a:fillRef idx="1">
+            <a:schemeClr val="accent1"/>
+          </a:fillRef>
+          <a:effectRef idx="0">
+            <a:schemeClr val="accent1"/>
+          </a:effectRef>
+          <a:fontRef idx="minor">
+            <a:schemeClr val="lt1"/>
+          </a:fontRef>
+        </p:style>
+        <p:txBody>
+          <a:bodyPr rtlCol="0" anchor="ctr"/>
+          <a:lstStyle/>
+          <a:p>
+            <a:pPr algn="ctr"/>
+            <a:endParaRPr lang="en-US"/>
+          </a:p>
+        </p:txBody>
+      </p:sp>
+      <p:sp>
+        <p:nvSpPr>
+          <p:cNvPr id="12" name="Rectangle 11"/>
+          <p:cNvSpPr/>
+          <p:nvPr/>
+        </p:nvSpPr>
+        <p:spPr>
+          <a:xfrm>
+            <a:off x="731520" y="576072"/>
+            <a:ext cx="7696200" cy="5715000"/>
+          </a:xfrm>
+          <a:prstGeom prst="rect">
+            <a:avLst/>
+          </a:prstGeom>
+          <a:blipFill dpi="0" rotWithShape="1">
+            <a:blip r:embed="rId13" cstate="print">
+              <a:alphaModFix amt="20000"/>
+              <a:grayscl/>
+              <a:lum contrast="12000"/>
+            </a:blip>
+            <a:srcRect/>
+            <a:tile tx="0" ty="0" sx="100000" sy="100000" flip="none" algn="tl"/>
+          </a:blipFill>
+          <a:ln w="6350">
+            <a:noFill/>
+          </a:ln>
+          <a:effectLst>
+            <a:outerShdw blurRad="101600" dist="50800" dir="5400000" algn="t" rotWithShape="0">
+              <a:prstClr val="black">
+                <a:alpha val="20000"/>
+              </a:prstClr>
+            </a:outerShdw>
+          </a:effectLst>
+        </p:spPr>
+        <p:style>
+          <a:lnRef idx="2">
+            <a:schemeClr val="accent1">
+              <a:shade val="50000"/>
+            </a:schemeClr>
+          </a:lnRef>
+          <a:fillRef idx="1">
+            <a:schemeClr val="accent1"/>
+          </a:fillRef>
+          <a:effectRef idx="0">
+            <a:schemeClr val="accent1"/>
+          </a:effectRef>
+          <a:fontRef idx="minor">
+            <a:schemeClr val="lt1"/>
+          </a:fontRef>
+        </p:style>
+        <p:txBody>
+          <a:bodyPr rtlCol="0" anchor="ctr"/>
+          <a:lstStyle/>
+          <a:p>
+            <a:pPr algn="ctr"/>
+            <a:endParaRPr lang="en-US"/>
+          </a:p>
+        </p:txBody>
+      </p:sp>
+      <p:pic>
+        <p:nvPicPr>
+          <p:cNvPr id="13" name="Picture 2" descr="C:\Users\Administrator\Desktop\Pushpin Dev\Assets\pushpinLeft.png"/>
+          <p:cNvPicPr>
+            <a:picLocks noChangeAspect="1" noChangeArrowheads="1"/>
+          </p:cNvPicPr>
+          <p:nvPr/>
+        </p:nvPicPr>
+        <p:blipFill>
+          <a:blip r:embed="rId14" cstate="print"/>
+          <a:srcRect/>
+          <a:stretch>
+            <a:fillRect/>
+          </a:stretch>
+        </p:blipFill>
+        <p:spPr bwMode="auto">
+          <a:xfrm rot="1435684">
+            <a:off x="543741" y="273091"/>
+            <a:ext cx="567831" cy="567830"/>
+          </a:xfrm>
+          <a:prstGeom prst="rect">
+            <a:avLst/>
+          </a:prstGeom>
+          <a:noFill/>
+        </p:spPr>
+      </p:pic>
+      <p:pic>
+        <p:nvPicPr>
+          <p:cNvPr id="14" name="Picture 2" descr="C:\Users\Administrator\Desktop\Pushpin Dev\Assets\pushpinLeft.png"/>
+          <p:cNvPicPr>
+            <a:picLocks noChangeAspect="1" noChangeArrowheads="1"/>
+          </p:cNvPicPr>
+          <p:nvPr/>
+        </p:nvPicPr>
+        <p:blipFill>
+          <a:blip r:embed="rId14" cstate="print"/>
+          <a:srcRect/>
+          <a:stretch>
+            <a:fillRect/>
+          </a:stretch>
+        </p:blipFill>
+        <p:spPr bwMode="auto">
+          <a:xfrm rot="4096196">
+            <a:off x="8115079" y="298163"/>
+            <a:ext cx="566928" cy="566928"/>
+          </a:xfrm>
+          <a:prstGeom prst="rect">
+            <a:avLst/>
+          </a:prstGeom>
+          <a:noFill/>
+        </p:spPr>
+      </p:pic>
+      <p:sp>
+        <p:nvSpPr>
+          <p:cNvPr id="2" name="Title Placeholder 1"/>
+          <p:cNvSpPr>
+            <a:spLocks noGrp="1"/>
+          </p:cNvSpPr>
+          <p:nvPr>
+            <p:ph type="title"/>
+          </p:nvPr>
+        </p:nvSpPr>
+        <p:spPr>
+          <a:xfrm>
+            <a:off x="1095023" y="817582"/>
+            <a:ext cx="6965245" cy="1202485"/>
+          </a:xfrm>
+          <a:prstGeom prst="rect">
+            <a:avLst/>
+          </a:prstGeom>
         </p:spPr>
         <p:txBody>
           <a:bodyPr vert="horz" lIns="91440" tIns="45720" rIns="91440" bIns="45720" rtlCol="0" anchor="ctr">
@@ -2559,15 +4528,15 @@
           <a:p>
             <a:r>
               <a:rPr lang="pt-BR" smtClean="0"/>
-              <a:t>Clique para editar o estilo do título mestre</a:t>
-            </a:r>
-            <a:endParaRPr lang="pt-BR"/>
-          </a:p>
-        </p:txBody>
-      </p:sp>
-      <p:sp>
-        <p:nvSpPr>
-          <p:cNvPr id="3" name="Espaço Reservado para Texto 2"/>
+              <a:t>Clique para editar o título mestre</a:t>
+            </a:r>
+            <a:endParaRPr lang="en-US" dirty="0"/>
+          </a:p>
+        </p:txBody>
+      </p:sp>
+      <p:sp>
+        <p:nvSpPr>
+          <p:cNvPr id="3" name="Text Placeholder 2"/>
           <p:cNvSpPr>
             <a:spLocks noGrp="1"/>
           </p:cNvSpPr>
@@ -2577,15 +4546,15 @@
         </p:nvSpPr>
         <p:spPr>
           <a:xfrm>
-            <a:off x="457200" y="1600200"/>
-            <a:ext cx="8229600" cy="4525963"/>
+            <a:off x="1463040" y="2119257"/>
+            <a:ext cx="6196405" cy="3603812"/>
           </a:xfrm>
           <a:prstGeom prst="rect">
             <a:avLst/>
           </a:prstGeom>
         </p:spPr>
         <p:txBody>
-          <a:bodyPr vert="horz" lIns="91440" tIns="45720" rIns="91440" bIns="45720" rtlCol="0">
+          <a:bodyPr vert="horz" lIns="91440" tIns="45720" rIns="91440" bIns="45720" rtlCol="0" anchor="t">
             <a:normAutofit/>
           </a:bodyPr>
           <a:lstStyle/>
@@ -2593,7 +4562,7 @@
             <a:pPr lvl="0"/>
             <a:r>
               <a:rPr lang="pt-BR" smtClean="0"/>
-              <a:t>Clique para editar os estilos do texto mestre</a:t>
+              <a:t>Clique para editar o texto mestre</a:t>
             </a:r>
           </a:p>
           <a:p>
@@ -2623,13 +4592,13 @@
               <a:rPr lang="pt-BR" smtClean="0"/>
               <a:t>Quinto nível</a:t>
             </a:r>
-            <a:endParaRPr lang="pt-BR"/>
-          </a:p>
-        </p:txBody>
-      </p:sp>
-      <p:sp>
-        <p:nvSpPr>
-          <p:cNvPr id="4" name="Espaço Reservado para Data 3"/>
+            <a:endParaRPr lang="en-US" dirty="0"/>
+          </a:p>
+        </p:txBody>
+      </p:sp>
+      <p:sp>
+        <p:nvSpPr>
+          <p:cNvPr id="4" name="Date Placeholder 3"/>
           <p:cNvSpPr>
             <a:spLocks noGrp="1"/>
           </p:cNvSpPr>
@@ -2639,86 +4608,8 @@
         </p:nvSpPr>
         <p:spPr>
           <a:xfrm>
-            <a:off x="457200" y="6356350"/>
-            <a:ext cx="2133600" cy="365125"/>
-          </a:xfrm>
-          <a:prstGeom prst="rect">
-            <a:avLst/>
-          </a:prstGeom>
-        </p:spPr>
-        <p:txBody>
-          <a:bodyPr vert="horz" lIns="91440" tIns="45720" rIns="91440" bIns="45720" rtlCol="0" anchor="ctr"/>
-          <a:lstStyle>
-            <a:lvl1pPr algn="l">
-              <a:defRPr sz="1200">
-                <a:solidFill>
-                  <a:schemeClr val="tx1">
-                    <a:tint val="75000"/>
-                  </a:schemeClr>
-                </a:solidFill>
-              </a:defRPr>
-            </a:lvl1pPr>
-          </a:lstStyle>
-          <a:p>
-            <a:fld id="{2E700DB3-DBF0-4086-B675-117E7A9610B8}" type="datetimeFigureOut">
-              <a:rPr lang="pt-BR" smtClean="0"/>
-              <a:t>20/9/2006</a:t>
-            </a:fld>
-            <a:endParaRPr lang="pt-BR"/>
-          </a:p>
-        </p:txBody>
-      </p:sp>
-      <p:sp>
-        <p:nvSpPr>
-          <p:cNvPr id="5" name="Espaço Reservado para Rodapé 4"/>
-          <p:cNvSpPr>
-            <a:spLocks noGrp="1"/>
-          </p:cNvSpPr>
-          <p:nvPr>
-            <p:ph type="ftr" sz="quarter" idx="3"/>
-          </p:nvPr>
-        </p:nvSpPr>
-        <p:spPr>
-          <a:xfrm>
-            <a:off x="3124200" y="6356350"/>
-            <a:ext cx="2895600" cy="365125"/>
-          </a:xfrm>
-          <a:prstGeom prst="rect">
-            <a:avLst/>
-          </a:prstGeom>
-        </p:spPr>
-        <p:txBody>
-          <a:bodyPr vert="horz" lIns="91440" tIns="45720" rIns="91440" bIns="45720" rtlCol="0" anchor="ctr"/>
-          <a:lstStyle>
-            <a:lvl1pPr algn="ctr">
-              <a:defRPr sz="1200">
-                <a:solidFill>
-                  <a:schemeClr val="tx1">
-                    <a:tint val="75000"/>
-                  </a:schemeClr>
-                </a:solidFill>
-              </a:defRPr>
-            </a:lvl1pPr>
-          </a:lstStyle>
-          <a:p>
-            <a:endParaRPr lang="pt-BR"/>
-          </a:p>
-        </p:txBody>
-      </p:sp>
-      <p:sp>
-        <p:nvSpPr>
-          <p:cNvPr id="6" name="Espaço Reservado para Número de Slide 5"/>
-          <p:cNvSpPr>
-            <a:spLocks noGrp="1"/>
-          </p:cNvSpPr>
-          <p:nvPr>
-            <p:ph type="sldNum" sz="quarter" idx="4"/>
-          </p:nvPr>
-        </p:nvSpPr>
-        <p:spPr>
-          <a:xfrm>
-            <a:off x="6553200" y="6356350"/>
-            <a:ext cx="2133600" cy="365125"/>
+            <a:off x="6454588" y="5809152"/>
+            <a:ext cx="1213821" cy="365125"/>
           </a:xfrm>
           <a:prstGeom prst="rect">
             <a:avLst/>
@@ -2730,10 +4621,85 @@
             <a:lvl1pPr algn="r">
               <a:defRPr sz="1200">
                 <a:solidFill>
-                  <a:schemeClr val="tx1">
-                    <a:tint val="75000"/>
-                  </a:schemeClr>
+                  <a:schemeClr val="tx2"/>
                 </a:solidFill>
+                <a:latin typeface="Rage Italic" pitchFamily="66" charset="0"/>
+              </a:defRPr>
+            </a:lvl1pPr>
+          </a:lstStyle>
+          <a:p>
+            <a:fld id="{2E700DB3-DBF0-4086-B675-117E7A9610B8}" type="datetimeFigureOut">
+              <a:rPr lang="pt-BR" smtClean="0"/>
+              <a:t>27/05/2019</a:t>
+            </a:fld>
+            <a:endParaRPr lang="pt-BR"/>
+          </a:p>
+        </p:txBody>
+      </p:sp>
+      <p:sp>
+        <p:nvSpPr>
+          <p:cNvPr id="5" name="Footer Placeholder 4"/>
+          <p:cNvSpPr>
+            <a:spLocks noGrp="1"/>
+          </p:cNvSpPr>
+          <p:nvPr>
+            <p:ph type="ftr" sz="quarter" idx="3"/>
+          </p:nvPr>
+        </p:nvSpPr>
+        <p:spPr>
+          <a:xfrm>
+            <a:off x="914401" y="5809152"/>
+            <a:ext cx="5540188" cy="365125"/>
+          </a:xfrm>
+          <a:prstGeom prst="rect">
+            <a:avLst/>
+          </a:prstGeom>
+        </p:spPr>
+        <p:txBody>
+          <a:bodyPr vert="horz" lIns="91440" tIns="45720" rIns="91440" bIns="45720" rtlCol="0" anchor="ctr"/>
+          <a:lstStyle>
+            <a:lvl1pPr algn="l">
+              <a:defRPr sz="1400">
+                <a:solidFill>
+                  <a:schemeClr val="tx2"/>
+                </a:solidFill>
+                <a:latin typeface="Rage Italic" pitchFamily="66" charset="0"/>
+              </a:defRPr>
+            </a:lvl1pPr>
+          </a:lstStyle>
+          <a:p>
+            <a:endParaRPr lang="pt-BR"/>
+          </a:p>
+        </p:txBody>
+      </p:sp>
+      <p:sp>
+        <p:nvSpPr>
+          <p:cNvPr id="6" name="Slide Number Placeholder 5"/>
+          <p:cNvSpPr>
+            <a:spLocks noGrp="1"/>
+          </p:cNvSpPr>
+          <p:nvPr>
+            <p:ph type="sldNum" sz="quarter" idx="4"/>
+          </p:nvPr>
+        </p:nvSpPr>
+        <p:spPr>
+          <a:xfrm>
+            <a:off x="7670202" y="5809152"/>
+            <a:ext cx="554023" cy="365125"/>
+          </a:xfrm>
+          <a:prstGeom prst="rect">
+            <a:avLst/>
+          </a:prstGeom>
+        </p:spPr>
+        <p:txBody>
+          <a:bodyPr vert="horz" lIns="91440" tIns="45720" rIns="91440" bIns="45720" rtlCol="0" anchor="ctr"/>
+          <a:lstStyle>
+            <a:lvl1pPr algn="r">
+              <a:defRPr sz="1400">
+                <a:solidFill>
+                  <a:schemeClr val="tx2"/>
+                </a:solidFill>
+                <a:latin typeface="Rage Italic" pitchFamily="66" charset="0"/>
               </a:defRPr>
             </a:lvl1pPr>
           </a:lstStyle>
@@ -2750,17 +4716,17 @@
   </p:cSld>
   <p:clrMap bg1="lt1" tx1="dk1" bg2="lt2" tx2="dk2" accent1="accent1" accent2="accent2" accent3="accent3" accent4="accent4" accent5="accent5" accent6="accent6" hlink="hlink" folHlink="folHlink"/>
   <p:sldLayoutIdLst>
-    <p:sldLayoutId id="2147483649" r:id="rId1"/>
-    <p:sldLayoutId id="2147483650" r:id="rId2"/>
-    <p:sldLayoutId id="2147483651" r:id="rId3"/>
-    <p:sldLayoutId id="2147483652" r:id="rId4"/>
-    <p:sldLayoutId id="2147483653" r:id="rId5"/>
-    <p:sldLayoutId id="2147483654" r:id="rId6"/>
-    <p:sldLayoutId id="2147483655" r:id="rId7"/>
-    <p:sldLayoutId id="2147483656" r:id="rId8"/>
-    <p:sldLayoutId id="2147483657" r:id="rId9"/>
-    <p:sldLayoutId id="2147483658" r:id="rId10"/>
-    <p:sldLayoutId id="2147483659" r:id="rId11"/>
+    <p:sldLayoutId id="2147483697" r:id="rId1"/>
+    <p:sldLayoutId id="2147483698" r:id="rId2"/>
+    <p:sldLayoutId id="2147483699" r:id="rId3"/>
+    <p:sldLayoutId id="2147483700" r:id="rId4"/>
+    <p:sldLayoutId id="2147483701" r:id="rId5"/>
+    <p:sldLayoutId id="2147483702" r:id="rId6"/>
+    <p:sldLayoutId id="2147483703" r:id="rId7"/>
+    <p:sldLayoutId id="2147483704" r:id="rId8"/>
+    <p:sldLayoutId id="2147483705" r:id="rId9"/>
+    <p:sldLayoutId id="2147483706" r:id="rId10"/>
+    <p:sldLayoutId id="2147483707" r:id="rId11"/>
   </p:sldLayoutIdLst>
   <p:txStyles>
     <p:titleStyle>
@@ -2778,15 +4744,75 @@
           <a:cs typeface="+mj-cs"/>
         </a:defRPr>
       </a:lvl1pPr>
+      <a:lvl2pPr eaLnBrk="1" hangingPunct="1">
+        <a:defRPr>
+          <a:solidFill>
+            <a:schemeClr val="tx2"/>
+          </a:solidFill>
+        </a:defRPr>
+      </a:lvl2pPr>
+      <a:lvl3pPr eaLnBrk="1" hangingPunct="1">
+        <a:defRPr>
+          <a:solidFill>
+            <a:schemeClr val="tx2"/>
+          </a:solidFill>
+        </a:defRPr>
+      </a:lvl3pPr>
+      <a:lvl4pPr eaLnBrk="1" hangingPunct="1">
+        <a:defRPr>
+          <a:solidFill>
+            <a:schemeClr val="tx2"/>
+          </a:solidFill>
+        </a:defRPr>
+      </a:lvl4pPr>
+      <a:lvl5pPr eaLnBrk="1" hangingPunct="1">
+        <a:defRPr>
+          <a:solidFill>
+            <a:schemeClr val="tx2"/>
+          </a:solidFill>
+        </a:defRPr>
+      </a:lvl5pPr>
+      <a:lvl6pPr eaLnBrk="1" hangingPunct="1">
+        <a:defRPr>
+          <a:solidFill>
+            <a:schemeClr val="tx2"/>
+          </a:solidFill>
+        </a:defRPr>
+      </a:lvl6pPr>
+      <a:lvl7pPr eaLnBrk="1" hangingPunct="1">
+        <a:defRPr>
+          <a:solidFill>
+            <a:schemeClr val="tx2"/>
+          </a:solidFill>
+        </a:defRPr>
+      </a:lvl7pPr>
+      <a:lvl8pPr eaLnBrk="1" hangingPunct="1">
+        <a:defRPr>
+          <a:solidFill>
+            <a:schemeClr val="tx2"/>
+          </a:solidFill>
+        </a:defRPr>
+      </a:lvl8pPr>
+      <a:lvl9pPr eaLnBrk="1" hangingPunct="1">
+        <a:defRPr>
+          <a:solidFill>
+            <a:schemeClr val="tx2"/>
+          </a:solidFill>
+        </a:defRPr>
+      </a:lvl9pPr>
     </p:titleStyle>
     <p:bodyStyle>
-      <a:lvl1pPr marL="342900" indent="-342900" algn="l" defTabSz="914400" rtl="0" eaLnBrk="1" latinLnBrk="0" hangingPunct="1">
+      <a:lvl1pPr marL="274320" indent="-274320" algn="l" defTabSz="914400" rtl="0" eaLnBrk="1" latinLnBrk="0" hangingPunct="1">
         <a:spcBef>
           <a:spcPct val="20000"/>
         </a:spcBef>
-        <a:buFont typeface="Arial" pitchFamily="34" charset="0"/>
-        <a:buChar char="•"/>
-        <a:defRPr sz="3200" kern="1200">
+        <a:buClr>
+          <a:schemeClr val="accent2"/>
+        </a:buClr>
+        <a:buSzPct val="85000"/>
+        <a:buFont typeface="Brush Script MT" pitchFamily="66" charset="0"/>
+        <a:buChar char="O"/>
+        <a:defRPr sz="2400" kern="1200">
           <a:solidFill>
             <a:schemeClr val="tx1"/>
           </a:solidFill>
@@ -2795,13 +4821,17 @@
           <a:cs typeface="+mn-cs"/>
         </a:defRPr>
       </a:lvl1pPr>
-      <a:lvl2pPr marL="742950" indent="-285750" algn="l" defTabSz="914400" rtl="0" eaLnBrk="1" latinLnBrk="0" hangingPunct="1">
+      <a:lvl2pPr marL="640080" indent="-274320" algn="l" defTabSz="914400" rtl="0" eaLnBrk="1" latinLnBrk="0" hangingPunct="1">
         <a:spcBef>
           <a:spcPct val="20000"/>
         </a:spcBef>
-        <a:buFont typeface="Arial" pitchFamily="34" charset="0"/>
-        <a:buChar char="–"/>
-        <a:defRPr sz="2800" kern="1200">
+        <a:buClr>
+          <a:schemeClr val="accent2"/>
+        </a:buClr>
+        <a:buSzPct val="85000"/>
+        <a:buFont typeface="Brush Script MT" pitchFamily="66" charset="0"/>
+        <a:buChar char="O"/>
+        <a:defRPr sz="2200" kern="1200">
           <a:solidFill>
             <a:schemeClr val="tx1"/>
           </a:solidFill>
@@ -2810,13 +4840,17 @@
           <a:cs typeface="+mn-cs"/>
         </a:defRPr>
       </a:lvl2pPr>
-      <a:lvl3pPr marL="1143000" indent="-228600" algn="l" defTabSz="914400" rtl="0" eaLnBrk="1" latinLnBrk="0" hangingPunct="1">
+      <a:lvl3pPr marL="914400" indent="-228600" algn="l" defTabSz="914400" rtl="0" eaLnBrk="1" latinLnBrk="0" hangingPunct="1">
         <a:spcBef>
           <a:spcPct val="20000"/>
         </a:spcBef>
-        <a:buFont typeface="Arial" pitchFamily="34" charset="0"/>
-        <a:buChar char="•"/>
-        <a:defRPr sz="2400" kern="1200">
+        <a:buClr>
+          <a:schemeClr val="accent2"/>
+        </a:buClr>
+        <a:buSzPct val="85000"/>
+        <a:buFont typeface="Brush Script MT" pitchFamily="66" charset="0"/>
+        <a:buChar char="O"/>
+        <a:defRPr sz="2000" kern="1200">
           <a:solidFill>
             <a:schemeClr val="tx1"/>
           </a:solidFill>
@@ -2825,13 +4859,17 @@
           <a:cs typeface="+mn-cs"/>
         </a:defRPr>
       </a:lvl3pPr>
-      <a:lvl4pPr marL="1600200" indent="-228600" algn="l" defTabSz="914400" rtl="0" eaLnBrk="1" latinLnBrk="0" hangingPunct="1">
+      <a:lvl4pPr marL="1280160" indent="-228600" algn="l" defTabSz="914400" rtl="0" eaLnBrk="1" latinLnBrk="0" hangingPunct="1">
         <a:spcBef>
           <a:spcPct val="20000"/>
         </a:spcBef>
-        <a:buFont typeface="Arial" pitchFamily="34" charset="0"/>
-        <a:buChar char="–"/>
-        <a:defRPr sz="2000" kern="1200">
+        <a:buClr>
+          <a:schemeClr val="accent2"/>
+        </a:buClr>
+        <a:buSzPct val="85000"/>
+        <a:buFont typeface="Brush Script MT" pitchFamily="66" charset="0"/>
+        <a:buChar char="O"/>
+        <a:defRPr sz="1800" kern="1200">
           <a:solidFill>
             <a:schemeClr val="tx1"/>
           </a:solidFill>
@@ -2840,13 +4878,17 @@
           <a:cs typeface="+mn-cs"/>
         </a:defRPr>
       </a:lvl4pPr>
-      <a:lvl5pPr marL="2057400" indent="-228600" algn="l" defTabSz="914400" rtl="0" eaLnBrk="1" latinLnBrk="0" hangingPunct="1">
+      <a:lvl5pPr marL="1645920" indent="-228600" algn="l" defTabSz="914400" rtl="0" eaLnBrk="1" latinLnBrk="0" hangingPunct="1">
         <a:spcBef>
           <a:spcPct val="20000"/>
         </a:spcBef>
-        <a:buFont typeface="Arial" pitchFamily="34" charset="0"/>
-        <a:buChar char="»"/>
-        <a:defRPr sz="2000" kern="1200">
+        <a:buClr>
+          <a:schemeClr val="accent2"/>
+        </a:buClr>
+        <a:buSzPct val="85000"/>
+        <a:buFont typeface="Brush Script MT" pitchFamily="66" charset="0"/>
+        <a:buChar char="O"/>
+        <a:defRPr sz="1600" kern="1200">
           <a:solidFill>
             <a:schemeClr val="tx1"/>
           </a:solidFill>
@@ -2855,13 +4897,17 @@
           <a:cs typeface="+mn-cs"/>
         </a:defRPr>
       </a:lvl5pPr>
-      <a:lvl6pPr marL="2514600" indent="-228600" algn="l" defTabSz="914400" rtl="0" eaLnBrk="1" latinLnBrk="0" hangingPunct="1">
+      <a:lvl6pPr marL="2011680" indent="-228600" algn="l" defTabSz="914400" rtl="0" eaLnBrk="1" latinLnBrk="0" hangingPunct="1">
         <a:spcBef>
           <a:spcPct val="20000"/>
         </a:spcBef>
-        <a:buFont typeface="Arial" pitchFamily="34" charset="0"/>
-        <a:buChar char="•"/>
-        <a:defRPr sz="2000" kern="1200">
+        <a:buClr>
+          <a:schemeClr val="accent2"/>
+        </a:buClr>
+        <a:buSzPct val="85000"/>
+        <a:buFont typeface="Brush Script MT" pitchFamily="66" charset="0"/>
+        <a:buChar char="O"/>
+        <a:defRPr sz="1600" kern="1200">
           <a:solidFill>
             <a:schemeClr val="tx1"/>
           </a:solidFill>
@@ -2870,13 +4916,17 @@
           <a:cs typeface="+mn-cs"/>
         </a:defRPr>
       </a:lvl6pPr>
-      <a:lvl7pPr marL="2971800" indent="-228600" algn="l" defTabSz="914400" rtl="0" eaLnBrk="1" latinLnBrk="0" hangingPunct="1">
+      <a:lvl7pPr marL="2377440" indent="-228600" algn="l" defTabSz="914400" rtl="0" eaLnBrk="1" latinLnBrk="0" hangingPunct="1">
         <a:spcBef>
           <a:spcPct val="20000"/>
         </a:spcBef>
-        <a:buFont typeface="Arial" pitchFamily="34" charset="0"/>
-        <a:buChar char="•"/>
-        <a:defRPr sz="2000" kern="1200">
+        <a:buClr>
+          <a:schemeClr val="accent2"/>
+        </a:buClr>
+        <a:buSzPct val="85000"/>
+        <a:buFont typeface="Brush Script MT" pitchFamily="66" charset="0"/>
+        <a:buChar char="O"/>
+        <a:defRPr sz="1600" kern="1200">
           <a:solidFill>
             <a:schemeClr val="tx1"/>
           </a:solidFill>
@@ -2885,13 +4935,17 @@
           <a:cs typeface="+mn-cs"/>
         </a:defRPr>
       </a:lvl7pPr>
-      <a:lvl8pPr marL="3429000" indent="-228600" algn="l" defTabSz="914400" rtl="0" eaLnBrk="1" latinLnBrk="0" hangingPunct="1">
+      <a:lvl8pPr marL="2743200" indent="-228600" algn="l" defTabSz="914400" rtl="0" eaLnBrk="1" latinLnBrk="0" hangingPunct="1">
         <a:spcBef>
           <a:spcPct val="20000"/>
         </a:spcBef>
-        <a:buFont typeface="Arial" pitchFamily="34" charset="0"/>
-        <a:buChar char="•"/>
-        <a:defRPr sz="2000" kern="1200">
+        <a:buClr>
+          <a:schemeClr val="accent2"/>
+        </a:buClr>
+        <a:buSzPct val="85000"/>
+        <a:buFont typeface="Brush Script MT" pitchFamily="66" charset="0"/>
+        <a:buChar char="O"/>
+        <a:defRPr sz="1600" kern="1200">
           <a:solidFill>
             <a:schemeClr val="tx1"/>
           </a:solidFill>
@@ -2900,13 +4954,17 @@
           <a:cs typeface="+mn-cs"/>
         </a:defRPr>
       </a:lvl8pPr>
-      <a:lvl9pPr marL="3886200" indent="-228600" algn="l" defTabSz="914400" rtl="0" eaLnBrk="1" latinLnBrk="0" hangingPunct="1">
+      <a:lvl9pPr marL="3108960" indent="-228600" algn="l" defTabSz="914400" rtl="0" eaLnBrk="1" latinLnBrk="0" hangingPunct="1">
         <a:spcBef>
           <a:spcPct val="20000"/>
         </a:spcBef>
-        <a:buFont typeface="Arial" pitchFamily="34" charset="0"/>
-        <a:buChar char="•"/>
-        <a:defRPr sz="2000" kern="1200">
+        <a:buClr>
+          <a:schemeClr val="accent2"/>
+        </a:buClr>
+        <a:buSzPct val="85000"/>
+        <a:buFont typeface="Brush Script MT" pitchFamily="66" charset="0"/>
+        <a:buChar char="O"/>
+        <a:defRPr sz="1600" kern="1200">
           <a:solidFill>
             <a:schemeClr val="tx1"/>
           </a:solidFill>
@@ -2918,7 +4976,7 @@
     </p:bodyStyle>
     <p:otherStyle>
       <a:defPPr>
-        <a:defRPr lang="pt-BR"/>
+        <a:defRPr lang="en-US"/>
       </a:defPPr>
       <a:lvl1pPr marL="0" algn="l" defTabSz="914400" rtl="0" eaLnBrk="1" latinLnBrk="0" hangingPunct="1">
         <a:defRPr sz="1800" kern="1200">
@@ -3015,10 +5073,3731 @@
 </p:sldMaster>
 </file>
 
+<file path=ppt/slides/slide1.xml><?xml version="1.0" encoding="utf-8"?>
+<p:sld xmlns:a="http://schemas.openxmlformats.org/drawingml/2006/main" xmlns:r="http://schemas.openxmlformats.org/officeDocument/2006/relationships" xmlns:p="http://schemas.openxmlformats.org/presentationml/2006/main">
+  <p:cSld>
+    <p:spTree>
+      <p:nvGrpSpPr>
+        <p:cNvPr id="1" name=""/>
+        <p:cNvGrpSpPr/>
+        <p:nvPr/>
+      </p:nvGrpSpPr>
+      <p:grpSpPr>
+        <a:xfrm>
+          <a:off x="0" y="0"/>
+          <a:ext cx="0" cy="0"/>
+          <a:chOff x="0" y="0"/>
+          <a:chExt cx="0" cy="0"/>
+        </a:xfrm>
+      </p:grpSpPr>
+      <p:pic>
+        <p:nvPicPr>
+          <p:cNvPr id="1026" name="Picture 2" descr="Resultado de imagem para estagio"/>
+          <p:cNvPicPr>
+            <a:picLocks noChangeAspect="1" noChangeArrowheads="1"/>
+          </p:cNvPicPr>
+          <p:nvPr/>
+        </p:nvPicPr>
+        <p:blipFill>
+          <a:blip r:embed="rId2" cstate="print">
+            <a:extLst>
+              <a:ext uri="{28A0092B-C50C-407E-A947-70E740481C1C}">
+                <a14:useLocalDpi xmlns:a14="http://schemas.microsoft.com/office/drawing/2010/main" val="0"/>
+              </a:ext>
+            </a:extLst>
+          </a:blip>
+          <a:srcRect/>
+          <a:stretch>
+            <a:fillRect/>
+          </a:stretch>
+        </p:blipFill>
+        <p:spPr bwMode="auto">
+          <a:xfrm>
+            <a:off x="6013847" y="3212976"/>
+            <a:ext cx="2158553" cy="1440160"/>
+          </a:xfrm>
+          <a:prstGeom prst="rect">
+            <a:avLst/>
+          </a:prstGeom>
+          <a:noFill/>
+          <a:extLst>
+            <a:ext uri="{909E8E84-426E-40DD-AFC4-6F175D3DCCD1}">
+              <a14:hiddenFill xmlns:a14="http://schemas.microsoft.com/office/drawing/2010/main">
+                <a:solidFill>
+                  <a:srgbClr val="FFFFFF"/>
+                </a:solidFill>
+              </a14:hiddenFill>
+            </a:ext>
+          </a:extLst>
+        </p:spPr>
+      </p:pic>
+      <p:sp>
+        <p:nvSpPr>
+          <p:cNvPr id="2" name="Título 1"/>
+          <p:cNvSpPr>
+            <a:spLocks noGrp="1"/>
+          </p:cNvSpPr>
+          <p:nvPr>
+            <p:ph type="ctrTitle"/>
+          </p:nvPr>
+        </p:nvSpPr>
+        <p:spPr>
+          <a:xfrm>
+            <a:off x="1475656" y="1196752"/>
+            <a:ext cx="6192688" cy="1828090"/>
+          </a:xfrm>
+        </p:spPr>
+        <p:txBody>
+          <a:bodyPr/>
+          <a:lstStyle/>
+          <a:p>
+            <a:r>
+              <a:rPr lang="pt-BR" dirty="0" smtClean="0"/>
+              <a:t>Estágio Supervisionado</a:t>
+            </a:r>
+            <a:endParaRPr lang="pt-BR" dirty="0"/>
+          </a:p>
+        </p:txBody>
+      </p:sp>
+      <p:sp>
+        <p:nvSpPr>
+          <p:cNvPr id="3" name="Subtítulo 2"/>
+          <p:cNvSpPr>
+            <a:spLocks noGrp="1"/>
+          </p:cNvSpPr>
+          <p:nvPr>
+            <p:ph type="subTitle" idx="1"/>
+          </p:nvPr>
+        </p:nvSpPr>
+        <p:spPr>
+          <a:xfrm>
+            <a:off x="1727200" y="3212976"/>
+            <a:ext cx="6013152" cy="2376264"/>
+          </a:xfrm>
+        </p:spPr>
+        <p:txBody>
+          <a:bodyPr>
+            <a:normAutofit fontScale="92500" lnSpcReduction="20000"/>
+          </a:bodyPr>
+          <a:lstStyle/>
+          <a:p>
+            <a:pPr algn="l"/>
+            <a:r>
+              <a:rPr lang="pt-BR" sz="2000" b="1" dirty="0" smtClean="0">
+                <a:solidFill>
+                  <a:schemeClr val="tx1"/>
+                </a:solidFill>
+              </a:rPr>
+              <a:t>Aluno</a:t>
+            </a:r>
+            <a:r>
+              <a:rPr lang="pt-BR" sz="2000" dirty="0" smtClean="0">
+                <a:solidFill>
+                  <a:schemeClr val="tx1"/>
+                </a:solidFill>
+              </a:rPr>
+              <a:t>: Marlon de Lima Castro</a:t>
+            </a:r>
+          </a:p>
+          <a:p>
+            <a:pPr algn="l"/>
+            <a:r>
+              <a:rPr lang="pt-BR" sz="2000" b="1" dirty="0" smtClean="0">
+                <a:solidFill>
+                  <a:schemeClr val="tx1"/>
+                </a:solidFill>
+              </a:rPr>
+              <a:t>Período:</a:t>
+            </a:r>
+            <a:r>
+              <a:rPr lang="pt-BR" sz="2000" dirty="0" smtClean="0">
+                <a:solidFill>
+                  <a:schemeClr val="tx1"/>
+                </a:solidFill>
+              </a:rPr>
+              <a:t> 10/10/2018 a 10/04/2019</a:t>
+            </a:r>
+          </a:p>
+          <a:p>
+            <a:pPr algn="l"/>
+            <a:r>
+              <a:rPr lang="pt-BR" sz="2000" dirty="0" smtClean="0">
+                <a:solidFill>
+                  <a:schemeClr val="tx1"/>
+                </a:solidFill>
+              </a:rPr>
+              <a:t>10º Período</a:t>
+            </a:r>
+          </a:p>
+          <a:p>
+            <a:pPr algn="l"/>
+            <a:r>
+              <a:rPr lang="pt-BR" sz="2000" dirty="0" smtClean="0">
+                <a:solidFill>
+                  <a:schemeClr val="tx1"/>
+                </a:solidFill>
+              </a:rPr>
+              <a:t>Engenharia da Computação</a:t>
+            </a:r>
+            <a:endParaRPr lang="pt-BR" sz="2000" dirty="0">
+              <a:solidFill>
+                <a:schemeClr val="tx1"/>
+              </a:solidFill>
+            </a:endParaRPr>
+          </a:p>
+          <a:p>
+            <a:pPr algn="l"/>
+            <a:r>
+              <a:rPr lang="pt-BR" sz="2000" b="1" dirty="0" smtClean="0">
+                <a:solidFill>
+                  <a:schemeClr val="tx1"/>
+                </a:solidFill>
+              </a:rPr>
+              <a:t>Órgão:</a:t>
+            </a:r>
+            <a:r>
+              <a:rPr lang="pt-BR" sz="2000" dirty="0" smtClean="0">
+                <a:solidFill>
+                  <a:schemeClr val="tx1"/>
+                </a:solidFill>
+              </a:rPr>
+              <a:t> Secretaria de Defesa Social</a:t>
+            </a:r>
+          </a:p>
+          <a:p>
+            <a:pPr algn="l"/>
+            <a:r>
+              <a:rPr lang="pt-BR" sz="2000" dirty="0" smtClean="0">
+                <a:solidFill>
+                  <a:schemeClr val="tx1"/>
+                </a:solidFill>
+              </a:rPr>
+              <a:t>Gerência de Tecnologia da Informação</a:t>
+            </a:r>
+          </a:p>
+          <a:p>
+            <a:pPr algn="l"/>
+            <a:r>
+              <a:rPr lang="pt-BR" sz="2000" b="1" dirty="0" smtClean="0">
+                <a:solidFill>
+                  <a:schemeClr val="tx1"/>
+                </a:solidFill>
+              </a:rPr>
+              <a:t>Supervisor:</a:t>
+            </a:r>
+            <a:r>
+              <a:rPr lang="pt-BR" sz="2000" dirty="0" smtClean="0">
+                <a:solidFill>
+                  <a:schemeClr val="tx1"/>
+                </a:solidFill>
+              </a:rPr>
+              <a:t> </a:t>
+            </a:r>
+            <a:r>
+              <a:rPr lang="pt-BR" sz="2000" dirty="0" err="1" smtClean="0">
+                <a:solidFill>
+                  <a:schemeClr val="tx1"/>
+                </a:solidFill>
+              </a:rPr>
+              <a:t>Ten</a:t>
+            </a:r>
+            <a:r>
+              <a:rPr lang="pt-BR" sz="2000" dirty="0" smtClean="0">
+                <a:solidFill>
+                  <a:schemeClr val="tx1"/>
+                </a:solidFill>
+              </a:rPr>
+              <a:t> </a:t>
+            </a:r>
+            <a:r>
+              <a:rPr lang="pt-BR" sz="2000" dirty="0" err="1" smtClean="0">
+                <a:solidFill>
+                  <a:schemeClr val="tx1"/>
+                </a:solidFill>
+              </a:rPr>
+              <a:t>Cel</a:t>
+            </a:r>
+            <a:r>
+              <a:rPr lang="pt-BR" sz="2000" dirty="0" smtClean="0">
+                <a:solidFill>
+                  <a:schemeClr val="tx1"/>
+                </a:solidFill>
+              </a:rPr>
+              <a:t> Policarpo de Freitas Ribeiro Neto</a:t>
+            </a:r>
+          </a:p>
+          <a:p>
+            <a:pPr algn="l"/>
+            <a:r>
+              <a:rPr lang="pt-BR" sz="2000" b="1" dirty="0" smtClean="0">
+                <a:solidFill>
+                  <a:schemeClr val="tx1"/>
+                </a:solidFill>
+              </a:rPr>
+              <a:t>Orientador:</a:t>
+            </a:r>
+            <a:r>
+              <a:rPr lang="pt-BR" sz="2000" dirty="0" smtClean="0">
+                <a:solidFill>
+                  <a:schemeClr val="tx1"/>
+                </a:solidFill>
+              </a:rPr>
+              <a:t> Prof. Dr. Daniel Augusto Ribeiro Chaves</a:t>
+            </a:r>
+          </a:p>
+        </p:txBody>
+      </p:sp>
+    </p:spTree>
+    <p:extLst>
+      <p:ext uri="{BB962C8B-B14F-4D97-AF65-F5344CB8AC3E}">
+        <p14:creationId xmlns:p14="http://schemas.microsoft.com/office/powerpoint/2010/main" val="2950226705"/>
+      </p:ext>
+    </p:extLst>
+  </p:cSld>
+  <p:clrMapOvr>
+    <a:masterClrMapping/>
+  </p:clrMapOvr>
+  <p:timing>
+    <p:tnLst>
+      <p:par>
+        <p:cTn id="1" dur="indefinite" restart="never" nodeType="tmRoot"/>
+      </p:par>
+    </p:tnLst>
+  </p:timing>
+</p:sld>
+</file>
+
+<file path=ppt/slides/slide10.xml><?xml version="1.0" encoding="utf-8"?>
+<p:sld xmlns:a="http://schemas.openxmlformats.org/drawingml/2006/main" xmlns:r="http://schemas.openxmlformats.org/officeDocument/2006/relationships" xmlns:p="http://schemas.openxmlformats.org/presentationml/2006/main">
+  <p:cSld>
+    <p:spTree>
+      <p:nvGrpSpPr>
+        <p:cNvPr id="1" name=""/>
+        <p:cNvGrpSpPr/>
+        <p:nvPr/>
+      </p:nvGrpSpPr>
+      <p:grpSpPr>
+        <a:xfrm>
+          <a:off x="0" y="0"/>
+          <a:ext cx="0" cy="0"/>
+          <a:chOff x="0" y="0"/>
+          <a:chExt cx="0" cy="0"/>
+        </a:xfrm>
+      </p:grpSpPr>
+      <p:sp>
+        <p:nvSpPr>
+          <p:cNvPr id="2" name="Título 1"/>
+          <p:cNvSpPr>
+            <a:spLocks noGrp="1"/>
+          </p:cNvSpPr>
+          <p:nvPr>
+            <p:ph type="title"/>
+          </p:nvPr>
+        </p:nvSpPr>
+        <p:spPr/>
+        <p:txBody>
+          <a:bodyPr/>
+          <a:lstStyle/>
+          <a:p>
+            <a:r>
+              <a:rPr lang="pt-BR" dirty="0" smtClean="0"/>
+              <a:t>A SAD deu um passo...</a:t>
+            </a:r>
+            <a:endParaRPr lang="pt-BR" dirty="0"/>
+          </a:p>
+        </p:txBody>
+      </p:sp>
+      <p:sp>
+        <p:nvSpPr>
+          <p:cNvPr id="3" name="Espaço Reservado para Conteúdo 2"/>
+          <p:cNvSpPr>
+            <a:spLocks noGrp="1"/>
+          </p:cNvSpPr>
+          <p:nvPr>
+            <p:ph idx="1"/>
+          </p:nvPr>
+        </p:nvSpPr>
+        <p:spPr>
+          <a:xfrm>
+            <a:off x="1475656" y="1700808"/>
+            <a:ext cx="6196405" cy="3603812"/>
+          </a:xfrm>
+        </p:spPr>
+        <p:txBody>
+          <a:bodyPr/>
+          <a:lstStyle/>
+          <a:p>
+            <a:r>
+              <a:rPr lang="pt-BR" dirty="0" smtClean="0"/>
+              <a:t>Criou uma planilha do Excel.</a:t>
+            </a:r>
+          </a:p>
+          <a:p>
+            <a:r>
+              <a:rPr lang="pt-BR" dirty="0" smtClean="0"/>
+              <a:t>Podemos consultar, inserir itens, etc..</a:t>
+            </a:r>
+            <a:endParaRPr lang="pt-BR" dirty="0"/>
+          </a:p>
+        </p:txBody>
+      </p:sp>
+      <p:pic>
+        <p:nvPicPr>
+          <p:cNvPr id="8194" name="Picture 2"/>
+          <p:cNvPicPr>
+            <a:picLocks noChangeAspect="1" noChangeArrowheads="1"/>
+          </p:cNvPicPr>
+          <p:nvPr/>
+        </p:nvPicPr>
+        <p:blipFill rotWithShape="1">
+          <a:blip r:embed="rId2">
+            <a:extLst>
+              <a:ext uri="{28A0092B-C50C-407E-A947-70E740481C1C}">
+                <a14:useLocalDpi xmlns:a14="http://schemas.microsoft.com/office/drawing/2010/main" val="0"/>
+              </a:ext>
+            </a:extLst>
+          </a:blip>
+          <a:srcRect l="6809" t="11524" r="7540" b="16601"/>
+          <a:stretch/>
+        </p:blipFill>
+        <p:spPr bwMode="auto">
+          <a:xfrm>
+            <a:off x="755576" y="2657776"/>
+            <a:ext cx="7632848" cy="3601138"/>
+          </a:xfrm>
+          <a:prstGeom prst="rect">
+            <a:avLst/>
+          </a:prstGeom>
+          <a:noFill/>
+          <a:ln>
+            <a:noFill/>
+          </a:ln>
+          <a:effectLst/>
+          <a:extLst>
+            <a:ext uri="{909E8E84-426E-40DD-AFC4-6F175D3DCCD1}">
+              <a14:hiddenFill xmlns:a14="http://schemas.microsoft.com/office/drawing/2010/main">
+                <a:solidFill>
+                  <a:schemeClr val="accent1"/>
+                </a:solidFill>
+              </a14:hiddenFill>
+            </a:ext>
+            <a:ext uri="{91240B29-F687-4F45-9708-019B960494DF}">
+              <a14:hiddenLine xmlns:a14="http://schemas.microsoft.com/office/drawing/2010/main" w="9525">
+                <a:solidFill>
+                  <a:schemeClr val="tx1"/>
+                </a:solidFill>
+                <a:miter lim="800000"/>
+                <a:headEnd/>
+                <a:tailEnd/>
+              </a14:hiddenLine>
+            </a:ext>
+            <a:ext uri="{AF507438-7753-43E0-B8FC-AC1667EBCBE1}">
+              <a14:hiddenEffects xmlns:a14="http://schemas.microsoft.com/office/drawing/2010/main">
+                <a:effectLst>
+                  <a:outerShdw dist="35921" dir="2700000" algn="ctr" rotWithShape="0">
+                    <a:schemeClr val="bg2"/>
+                  </a:outerShdw>
+                </a:effectLst>
+              </a14:hiddenEffects>
+            </a:ext>
+          </a:extLst>
+        </p:spPr>
+      </p:pic>
+    </p:spTree>
+    <p:extLst>
+      <p:ext uri="{BB962C8B-B14F-4D97-AF65-F5344CB8AC3E}">
+        <p14:creationId xmlns:p14="http://schemas.microsoft.com/office/powerpoint/2010/main" val="3456521811"/>
+      </p:ext>
+    </p:extLst>
+  </p:cSld>
+  <p:clrMapOvr>
+    <a:masterClrMapping/>
+  </p:clrMapOvr>
+  <p:timing>
+    <p:tnLst>
+      <p:par>
+        <p:cTn id="1" dur="indefinite" restart="never" nodeType="tmRoot"/>
+      </p:par>
+    </p:tnLst>
+  </p:timing>
+</p:sld>
+</file>
+
+<file path=ppt/slides/slide11.xml><?xml version="1.0" encoding="utf-8"?>
+<p:sld xmlns:a="http://schemas.openxmlformats.org/drawingml/2006/main" xmlns:r="http://schemas.openxmlformats.org/officeDocument/2006/relationships" xmlns:p="http://schemas.openxmlformats.org/presentationml/2006/main">
+  <p:cSld>
+    <p:spTree>
+      <p:nvGrpSpPr>
+        <p:cNvPr id="1" name=""/>
+        <p:cNvGrpSpPr/>
+        <p:nvPr/>
+      </p:nvGrpSpPr>
+      <p:grpSpPr>
+        <a:xfrm>
+          <a:off x="0" y="0"/>
+          <a:ext cx="0" cy="0"/>
+          <a:chOff x="0" y="0"/>
+          <a:chExt cx="0" cy="0"/>
+        </a:xfrm>
+      </p:grpSpPr>
+      <p:sp>
+        <p:nvSpPr>
+          <p:cNvPr id="2" name="Título 1"/>
+          <p:cNvSpPr>
+            <a:spLocks noGrp="1"/>
+          </p:cNvSpPr>
+          <p:nvPr>
+            <p:ph type="title"/>
+          </p:nvPr>
+        </p:nvSpPr>
+        <p:spPr/>
+        <p:txBody>
+          <a:bodyPr/>
+          <a:lstStyle/>
+          <a:p>
+            <a:r>
+              <a:rPr lang="pt-BR" dirty="0" smtClean="0"/>
+              <a:t>A SAD deu um passo...</a:t>
+            </a:r>
+            <a:endParaRPr lang="pt-BR" dirty="0"/>
+          </a:p>
+        </p:txBody>
+      </p:sp>
+      <p:sp>
+        <p:nvSpPr>
+          <p:cNvPr id="3" name="Espaço Reservado para Conteúdo 2"/>
+          <p:cNvSpPr>
+            <a:spLocks noGrp="1"/>
+          </p:cNvSpPr>
+          <p:nvPr>
+            <p:ph idx="1"/>
+          </p:nvPr>
+        </p:nvSpPr>
+        <p:spPr>
+          <a:xfrm>
+            <a:off x="1475656" y="1700808"/>
+            <a:ext cx="6196405" cy="3603812"/>
+          </a:xfrm>
+        </p:spPr>
+        <p:txBody>
+          <a:bodyPr/>
+          <a:lstStyle/>
+          <a:p>
+            <a:r>
+              <a:rPr lang="pt-BR" dirty="0" smtClean="0"/>
+              <a:t>Criou uma planilha do Excel.</a:t>
+            </a:r>
+          </a:p>
+          <a:p>
+            <a:r>
+              <a:rPr lang="pt-BR" dirty="0" smtClean="0"/>
+              <a:t>Podemos consultar, inserir itens, etc..</a:t>
+            </a:r>
+          </a:p>
+          <a:p>
+            <a:r>
+              <a:rPr lang="pt-BR" dirty="0" smtClean="0"/>
+              <a:t>Contém alguns tipos de relatórios.</a:t>
+            </a:r>
+            <a:endParaRPr lang="pt-BR" dirty="0"/>
+          </a:p>
+        </p:txBody>
+      </p:sp>
+      <p:pic>
+        <p:nvPicPr>
+          <p:cNvPr id="9218" name="Picture 2" descr="Resultado de imagem para relatÃ³rio imagem"/>
+          <p:cNvPicPr>
+            <a:picLocks noChangeAspect="1" noChangeArrowheads="1"/>
+          </p:cNvPicPr>
+          <p:nvPr/>
+        </p:nvPicPr>
+        <p:blipFill>
+          <a:blip r:embed="rId2" cstate="print">
+            <a:extLst>
+              <a:ext uri="{28A0092B-C50C-407E-A947-70E740481C1C}">
+                <a14:useLocalDpi xmlns:a14="http://schemas.microsoft.com/office/drawing/2010/main" val="0"/>
+              </a:ext>
+            </a:extLst>
+          </a:blip>
+          <a:srcRect/>
+          <a:stretch>
+            <a:fillRect/>
+          </a:stretch>
+        </p:blipFill>
+        <p:spPr bwMode="auto">
+          <a:xfrm>
+            <a:off x="3419872" y="3234323"/>
+            <a:ext cx="2353923" cy="2575606"/>
+          </a:xfrm>
+          <a:prstGeom prst="rect">
+            <a:avLst/>
+          </a:prstGeom>
+          <a:noFill/>
+          <a:extLst>
+            <a:ext uri="{909E8E84-426E-40DD-AFC4-6F175D3DCCD1}">
+              <a14:hiddenFill xmlns:a14="http://schemas.microsoft.com/office/drawing/2010/main">
+                <a:solidFill>
+                  <a:srgbClr val="FFFFFF"/>
+                </a:solidFill>
+              </a14:hiddenFill>
+            </a:ext>
+          </a:extLst>
+        </p:spPr>
+      </p:pic>
+      <p:sp>
+        <p:nvSpPr>
+          <p:cNvPr id="4" name="AutoShape 6" descr="Resultado de imagem para relatÃ³rio imagem"/>
+          <p:cNvSpPr>
+            <a:spLocks noChangeAspect="1" noChangeArrowheads="1"/>
+          </p:cNvSpPr>
+          <p:nvPr/>
+        </p:nvSpPr>
+        <p:spPr bwMode="auto">
+          <a:xfrm>
+            <a:off x="155575" y="-144463"/>
+            <a:ext cx="304800" cy="304801"/>
+          </a:xfrm>
+          <a:prstGeom prst="rect">
+            <a:avLst/>
+          </a:prstGeom>
+          <a:noFill/>
+          <a:extLst>
+            <a:ext uri="{909E8E84-426E-40DD-AFC4-6F175D3DCCD1}">
+              <a14:hiddenFill xmlns:a14="http://schemas.microsoft.com/office/drawing/2010/main">
+                <a:solidFill>
+                  <a:srgbClr val="FFFFFF"/>
+                </a:solidFill>
+              </a14:hiddenFill>
+            </a:ext>
+          </a:extLst>
+        </p:spPr>
+        <p:txBody>
+          <a:bodyPr vert="horz" wrap="square" lIns="91440" tIns="45720" rIns="91440" bIns="45720" numCol="1" anchor="t" anchorCtr="0" compatLnSpc="1">
+            <a:prstTxWarp prst="textNoShape">
+              <a:avLst/>
+            </a:prstTxWarp>
+          </a:bodyPr>
+          <a:lstStyle/>
+          <a:p>
+            <a:endParaRPr lang="pt-BR"/>
+          </a:p>
+        </p:txBody>
+      </p:sp>
+      <p:sp>
+        <p:nvSpPr>
+          <p:cNvPr id="5" name="AutoShape 8" descr="Resultado de imagem para relatÃ³rio imagem"/>
+          <p:cNvSpPr>
+            <a:spLocks noChangeAspect="1" noChangeArrowheads="1"/>
+          </p:cNvSpPr>
+          <p:nvPr/>
+        </p:nvSpPr>
+        <p:spPr bwMode="auto">
+          <a:xfrm>
+            <a:off x="307975" y="7937"/>
+            <a:ext cx="304800" cy="304801"/>
+          </a:xfrm>
+          <a:prstGeom prst="rect">
+            <a:avLst/>
+          </a:prstGeom>
+          <a:noFill/>
+          <a:extLst>
+            <a:ext uri="{909E8E84-426E-40DD-AFC4-6F175D3DCCD1}">
+              <a14:hiddenFill xmlns:a14="http://schemas.microsoft.com/office/drawing/2010/main">
+                <a:solidFill>
+                  <a:srgbClr val="FFFFFF"/>
+                </a:solidFill>
+              </a14:hiddenFill>
+            </a:ext>
+          </a:extLst>
+        </p:spPr>
+        <p:txBody>
+          <a:bodyPr vert="horz" wrap="square" lIns="91440" tIns="45720" rIns="91440" bIns="45720" numCol="1" anchor="t" anchorCtr="0" compatLnSpc="1">
+            <a:prstTxWarp prst="textNoShape">
+              <a:avLst/>
+            </a:prstTxWarp>
+          </a:bodyPr>
+          <a:lstStyle/>
+          <a:p>
+            <a:endParaRPr lang="pt-BR"/>
+          </a:p>
+        </p:txBody>
+      </p:sp>
+      <p:sp>
+        <p:nvSpPr>
+          <p:cNvPr id="6" name="AutoShape 10" descr="Resultado de imagem para relatÃ³rio imagem"/>
+          <p:cNvSpPr>
+            <a:spLocks noChangeAspect="1" noChangeArrowheads="1"/>
+          </p:cNvSpPr>
+          <p:nvPr/>
+        </p:nvSpPr>
+        <p:spPr bwMode="auto">
+          <a:xfrm>
+            <a:off x="460375" y="160337"/>
+            <a:ext cx="304800" cy="304801"/>
+          </a:xfrm>
+          <a:prstGeom prst="rect">
+            <a:avLst/>
+          </a:prstGeom>
+          <a:noFill/>
+          <a:extLst>
+            <a:ext uri="{909E8E84-426E-40DD-AFC4-6F175D3DCCD1}">
+              <a14:hiddenFill xmlns:a14="http://schemas.microsoft.com/office/drawing/2010/main">
+                <a:solidFill>
+                  <a:srgbClr val="FFFFFF"/>
+                </a:solidFill>
+              </a14:hiddenFill>
+            </a:ext>
+          </a:extLst>
+        </p:spPr>
+        <p:txBody>
+          <a:bodyPr vert="horz" wrap="square" lIns="91440" tIns="45720" rIns="91440" bIns="45720" numCol="1" anchor="t" anchorCtr="0" compatLnSpc="1">
+            <a:prstTxWarp prst="textNoShape">
+              <a:avLst/>
+            </a:prstTxWarp>
+          </a:bodyPr>
+          <a:lstStyle/>
+          <a:p>
+            <a:endParaRPr lang="pt-BR"/>
+          </a:p>
+        </p:txBody>
+      </p:sp>
+    </p:spTree>
+    <p:extLst>
+      <p:ext uri="{BB962C8B-B14F-4D97-AF65-F5344CB8AC3E}">
+        <p14:creationId xmlns:p14="http://schemas.microsoft.com/office/powerpoint/2010/main" val="4145150870"/>
+      </p:ext>
+    </p:extLst>
+  </p:cSld>
+  <p:clrMapOvr>
+    <a:masterClrMapping/>
+  </p:clrMapOvr>
+</p:sld>
+</file>
+
+<file path=ppt/slides/slide12.xml><?xml version="1.0" encoding="utf-8"?>
+<p:sld xmlns:a="http://schemas.openxmlformats.org/drawingml/2006/main" xmlns:r="http://schemas.openxmlformats.org/officeDocument/2006/relationships" xmlns:p="http://schemas.openxmlformats.org/presentationml/2006/main">
+  <p:cSld>
+    <p:spTree>
+      <p:nvGrpSpPr>
+        <p:cNvPr id="1" name=""/>
+        <p:cNvGrpSpPr/>
+        <p:nvPr/>
+      </p:nvGrpSpPr>
+      <p:grpSpPr>
+        <a:xfrm>
+          <a:off x="0" y="0"/>
+          <a:ext cx="0" cy="0"/>
+          <a:chOff x="0" y="0"/>
+          <a:chExt cx="0" cy="0"/>
+        </a:xfrm>
+      </p:grpSpPr>
+      <p:sp>
+        <p:nvSpPr>
+          <p:cNvPr id="2" name="Título 1"/>
+          <p:cNvSpPr>
+            <a:spLocks noGrp="1"/>
+          </p:cNvSpPr>
+          <p:nvPr>
+            <p:ph type="title"/>
+          </p:nvPr>
+        </p:nvSpPr>
+        <p:spPr/>
+        <p:txBody>
+          <a:bodyPr/>
+          <a:lstStyle/>
+          <a:p>
+            <a:r>
+              <a:rPr lang="pt-BR" dirty="0" smtClean="0"/>
+              <a:t>A SAD deu um passo...</a:t>
+            </a:r>
+            <a:endParaRPr lang="pt-BR" dirty="0"/>
+          </a:p>
+        </p:txBody>
+      </p:sp>
+      <p:sp>
+        <p:nvSpPr>
+          <p:cNvPr id="3" name="Espaço Reservado para Conteúdo 2"/>
+          <p:cNvSpPr>
+            <a:spLocks noGrp="1"/>
+          </p:cNvSpPr>
+          <p:nvPr>
+            <p:ph idx="1"/>
+          </p:nvPr>
+        </p:nvSpPr>
+        <p:spPr>
+          <a:xfrm>
+            <a:off x="1475656" y="1700808"/>
+            <a:ext cx="6196405" cy="3603812"/>
+          </a:xfrm>
+        </p:spPr>
+        <p:txBody>
+          <a:bodyPr/>
+          <a:lstStyle/>
+          <a:p>
+            <a:r>
+              <a:rPr lang="pt-BR" dirty="0" smtClean="0"/>
+              <a:t>Criou uma planilha do Excel.</a:t>
+            </a:r>
+          </a:p>
+          <a:p>
+            <a:r>
+              <a:rPr lang="pt-BR" dirty="0" smtClean="0"/>
+              <a:t>Podemos consultar, inserir itens, etc..</a:t>
+            </a:r>
+          </a:p>
+          <a:p>
+            <a:r>
+              <a:rPr lang="pt-BR" dirty="0" smtClean="0"/>
+              <a:t>Contém alguns tipos de relatórios.</a:t>
+            </a:r>
+            <a:endParaRPr lang="pt-BR" dirty="0"/>
+          </a:p>
+        </p:txBody>
+      </p:sp>
+      <p:pic>
+        <p:nvPicPr>
+          <p:cNvPr id="9218" name="Picture 2" descr="Resultado de imagem para relatÃ³rio imagem"/>
+          <p:cNvPicPr>
+            <a:picLocks noChangeAspect="1" noChangeArrowheads="1"/>
+          </p:cNvPicPr>
+          <p:nvPr/>
+        </p:nvPicPr>
+        <p:blipFill>
+          <a:blip r:embed="rId2" cstate="print">
+            <a:extLst>
+              <a:ext uri="{28A0092B-C50C-407E-A947-70E740481C1C}">
+                <a14:useLocalDpi xmlns:a14="http://schemas.microsoft.com/office/drawing/2010/main" val="0"/>
+              </a:ext>
+            </a:extLst>
+          </a:blip>
+          <a:srcRect/>
+          <a:stretch>
+            <a:fillRect/>
+          </a:stretch>
+        </p:blipFill>
+        <p:spPr bwMode="auto">
+          <a:xfrm>
+            <a:off x="3419872" y="3234323"/>
+            <a:ext cx="2353923" cy="2575606"/>
+          </a:xfrm>
+          <a:prstGeom prst="rect">
+            <a:avLst/>
+          </a:prstGeom>
+          <a:noFill/>
+          <a:extLst>
+            <a:ext uri="{909E8E84-426E-40DD-AFC4-6F175D3DCCD1}">
+              <a14:hiddenFill xmlns:a14="http://schemas.microsoft.com/office/drawing/2010/main">
+                <a:solidFill>
+                  <a:srgbClr val="FFFFFF"/>
+                </a:solidFill>
+              </a14:hiddenFill>
+            </a:ext>
+          </a:extLst>
+        </p:spPr>
+      </p:pic>
+      <p:pic>
+        <p:nvPicPr>
+          <p:cNvPr id="9220" name="Picture 4" descr="Resultado de imagem para relatÃ³rio imagem"/>
+          <p:cNvPicPr>
+            <a:picLocks noChangeAspect="1" noChangeArrowheads="1"/>
+          </p:cNvPicPr>
+          <p:nvPr/>
+        </p:nvPicPr>
+        <p:blipFill>
+          <a:blip r:embed="rId3">
+            <a:extLst>
+              <a:ext uri="{28A0092B-C50C-407E-A947-70E740481C1C}">
+                <a14:useLocalDpi xmlns:a14="http://schemas.microsoft.com/office/drawing/2010/main" val="0"/>
+              </a:ext>
+            </a:extLst>
+          </a:blip>
+          <a:srcRect/>
+          <a:stretch>
+            <a:fillRect/>
+          </a:stretch>
+        </p:blipFill>
+        <p:spPr bwMode="auto">
+          <a:xfrm>
+            <a:off x="1043608" y="3384655"/>
+            <a:ext cx="2232248" cy="2232248"/>
+          </a:xfrm>
+          <a:prstGeom prst="rect">
+            <a:avLst/>
+          </a:prstGeom>
+          <a:noFill/>
+          <a:extLst>
+            <a:ext uri="{909E8E84-426E-40DD-AFC4-6F175D3DCCD1}">
+              <a14:hiddenFill xmlns:a14="http://schemas.microsoft.com/office/drawing/2010/main">
+                <a:solidFill>
+                  <a:srgbClr val="FFFFFF"/>
+                </a:solidFill>
+              </a14:hiddenFill>
+            </a:ext>
+          </a:extLst>
+        </p:spPr>
+      </p:pic>
+      <p:sp>
+        <p:nvSpPr>
+          <p:cNvPr id="4" name="AutoShape 6" descr="Resultado de imagem para relatÃ³rio imagem"/>
+          <p:cNvSpPr>
+            <a:spLocks noChangeAspect="1" noChangeArrowheads="1"/>
+          </p:cNvSpPr>
+          <p:nvPr/>
+        </p:nvSpPr>
+        <p:spPr bwMode="auto">
+          <a:xfrm>
+            <a:off x="155575" y="-144463"/>
+            <a:ext cx="304800" cy="304801"/>
+          </a:xfrm>
+          <a:prstGeom prst="rect">
+            <a:avLst/>
+          </a:prstGeom>
+          <a:noFill/>
+          <a:extLst>
+            <a:ext uri="{909E8E84-426E-40DD-AFC4-6F175D3DCCD1}">
+              <a14:hiddenFill xmlns:a14="http://schemas.microsoft.com/office/drawing/2010/main">
+                <a:solidFill>
+                  <a:srgbClr val="FFFFFF"/>
+                </a:solidFill>
+              </a14:hiddenFill>
+            </a:ext>
+          </a:extLst>
+        </p:spPr>
+        <p:txBody>
+          <a:bodyPr vert="horz" wrap="square" lIns="91440" tIns="45720" rIns="91440" bIns="45720" numCol="1" anchor="t" anchorCtr="0" compatLnSpc="1">
+            <a:prstTxWarp prst="textNoShape">
+              <a:avLst/>
+            </a:prstTxWarp>
+          </a:bodyPr>
+          <a:lstStyle/>
+          <a:p>
+            <a:endParaRPr lang="pt-BR"/>
+          </a:p>
+        </p:txBody>
+      </p:sp>
+      <p:sp>
+        <p:nvSpPr>
+          <p:cNvPr id="5" name="AutoShape 8" descr="Resultado de imagem para relatÃ³rio imagem"/>
+          <p:cNvSpPr>
+            <a:spLocks noChangeAspect="1" noChangeArrowheads="1"/>
+          </p:cNvSpPr>
+          <p:nvPr/>
+        </p:nvSpPr>
+        <p:spPr bwMode="auto">
+          <a:xfrm>
+            <a:off x="307975" y="7937"/>
+            <a:ext cx="304800" cy="304801"/>
+          </a:xfrm>
+          <a:prstGeom prst="rect">
+            <a:avLst/>
+          </a:prstGeom>
+          <a:noFill/>
+          <a:extLst>
+            <a:ext uri="{909E8E84-426E-40DD-AFC4-6F175D3DCCD1}">
+              <a14:hiddenFill xmlns:a14="http://schemas.microsoft.com/office/drawing/2010/main">
+                <a:solidFill>
+                  <a:srgbClr val="FFFFFF"/>
+                </a:solidFill>
+              </a14:hiddenFill>
+            </a:ext>
+          </a:extLst>
+        </p:spPr>
+        <p:txBody>
+          <a:bodyPr vert="horz" wrap="square" lIns="91440" tIns="45720" rIns="91440" bIns="45720" numCol="1" anchor="t" anchorCtr="0" compatLnSpc="1">
+            <a:prstTxWarp prst="textNoShape">
+              <a:avLst/>
+            </a:prstTxWarp>
+          </a:bodyPr>
+          <a:lstStyle/>
+          <a:p>
+            <a:endParaRPr lang="pt-BR"/>
+          </a:p>
+        </p:txBody>
+      </p:sp>
+      <p:sp>
+        <p:nvSpPr>
+          <p:cNvPr id="6" name="AutoShape 10" descr="Resultado de imagem para relatÃ³rio imagem"/>
+          <p:cNvSpPr>
+            <a:spLocks noChangeAspect="1" noChangeArrowheads="1"/>
+          </p:cNvSpPr>
+          <p:nvPr/>
+        </p:nvSpPr>
+        <p:spPr bwMode="auto">
+          <a:xfrm>
+            <a:off x="460375" y="160337"/>
+            <a:ext cx="304800" cy="304801"/>
+          </a:xfrm>
+          <a:prstGeom prst="rect">
+            <a:avLst/>
+          </a:prstGeom>
+          <a:noFill/>
+          <a:extLst>
+            <a:ext uri="{909E8E84-426E-40DD-AFC4-6F175D3DCCD1}">
+              <a14:hiddenFill xmlns:a14="http://schemas.microsoft.com/office/drawing/2010/main">
+                <a:solidFill>
+                  <a:srgbClr val="FFFFFF"/>
+                </a:solidFill>
+              </a14:hiddenFill>
+            </a:ext>
+          </a:extLst>
+        </p:spPr>
+        <p:txBody>
+          <a:bodyPr vert="horz" wrap="square" lIns="91440" tIns="45720" rIns="91440" bIns="45720" numCol="1" anchor="t" anchorCtr="0" compatLnSpc="1">
+            <a:prstTxWarp prst="textNoShape">
+              <a:avLst/>
+            </a:prstTxWarp>
+          </a:bodyPr>
+          <a:lstStyle/>
+          <a:p>
+            <a:endParaRPr lang="pt-BR"/>
+          </a:p>
+        </p:txBody>
+      </p:sp>
+      <p:sp>
+        <p:nvSpPr>
+          <p:cNvPr id="7" name="CaixaDeTexto 6"/>
+          <p:cNvSpPr txBox="1"/>
+          <p:nvPr/>
+        </p:nvSpPr>
+        <p:spPr>
+          <a:xfrm>
+            <a:off x="1042572" y="5616903"/>
+            <a:ext cx="2377300" cy="461665"/>
+          </a:xfrm>
+          <a:prstGeom prst="rect">
+            <a:avLst/>
+          </a:prstGeom>
+          <a:noFill/>
+        </p:spPr>
+        <p:txBody>
+          <a:bodyPr wrap="square" rtlCol="0">
+            <a:spAutoFit/>
+          </a:bodyPr>
+          <a:lstStyle/>
+          <a:p>
+            <a:r>
+              <a:rPr lang="pt-BR" sz="2400" b="1" dirty="0" smtClean="0">
+                <a:solidFill>
+                  <a:srgbClr val="FF0000"/>
+                </a:solidFill>
+              </a:rPr>
+              <a:t>Inventário anual</a:t>
+            </a:r>
+            <a:endParaRPr lang="pt-BR" sz="2400" b="1" dirty="0">
+              <a:solidFill>
+                <a:srgbClr val="FF0000"/>
+              </a:solidFill>
+            </a:endParaRPr>
+          </a:p>
+        </p:txBody>
+      </p:sp>
+    </p:spTree>
+    <p:extLst>
+      <p:ext uri="{BB962C8B-B14F-4D97-AF65-F5344CB8AC3E}">
+        <p14:creationId xmlns:p14="http://schemas.microsoft.com/office/powerpoint/2010/main" val="27455107"/>
+      </p:ext>
+    </p:extLst>
+  </p:cSld>
+  <p:clrMapOvr>
+    <a:masterClrMapping/>
+  </p:clrMapOvr>
+</p:sld>
+</file>
+
+<file path=ppt/slides/slide13.xml><?xml version="1.0" encoding="utf-8"?>
+<p:sld xmlns:a="http://schemas.openxmlformats.org/drawingml/2006/main" xmlns:r="http://schemas.openxmlformats.org/officeDocument/2006/relationships" xmlns:p="http://schemas.openxmlformats.org/presentationml/2006/main">
+  <p:cSld>
+    <p:spTree>
+      <p:nvGrpSpPr>
+        <p:cNvPr id="1" name=""/>
+        <p:cNvGrpSpPr/>
+        <p:nvPr/>
+      </p:nvGrpSpPr>
+      <p:grpSpPr>
+        <a:xfrm>
+          <a:off x="0" y="0"/>
+          <a:ext cx="0" cy="0"/>
+          <a:chOff x="0" y="0"/>
+          <a:chExt cx="0" cy="0"/>
+        </a:xfrm>
+      </p:grpSpPr>
+      <p:sp>
+        <p:nvSpPr>
+          <p:cNvPr id="2" name="Título 1"/>
+          <p:cNvSpPr>
+            <a:spLocks noGrp="1"/>
+          </p:cNvSpPr>
+          <p:nvPr>
+            <p:ph type="title"/>
+          </p:nvPr>
+        </p:nvSpPr>
+        <p:spPr/>
+        <p:txBody>
+          <a:bodyPr/>
+          <a:lstStyle/>
+          <a:p>
+            <a:r>
+              <a:rPr lang="pt-BR" dirty="0" smtClean="0"/>
+              <a:t>A SAD deu um passo...</a:t>
+            </a:r>
+            <a:endParaRPr lang="pt-BR" dirty="0"/>
+          </a:p>
+        </p:txBody>
+      </p:sp>
+      <p:sp>
+        <p:nvSpPr>
+          <p:cNvPr id="3" name="Espaço Reservado para Conteúdo 2"/>
+          <p:cNvSpPr>
+            <a:spLocks noGrp="1"/>
+          </p:cNvSpPr>
+          <p:nvPr>
+            <p:ph idx="1"/>
+          </p:nvPr>
+        </p:nvSpPr>
+        <p:spPr>
+          <a:xfrm>
+            <a:off x="1475656" y="1700808"/>
+            <a:ext cx="6196405" cy="3603812"/>
+          </a:xfrm>
+        </p:spPr>
+        <p:txBody>
+          <a:bodyPr/>
+          <a:lstStyle/>
+          <a:p>
+            <a:r>
+              <a:rPr lang="pt-BR" dirty="0" smtClean="0"/>
+              <a:t>Criou uma planilha do Excel.</a:t>
+            </a:r>
+          </a:p>
+          <a:p>
+            <a:r>
+              <a:rPr lang="pt-BR" dirty="0" smtClean="0"/>
+              <a:t>Podemos consultar, inserir itens, etc..</a:t>
+            </a:r>
+          </a:p>
+          <a:p>
+            <a:r>
+              <a:rPr lang="pt-BR" dirty="0" smtClean="0"/>
+              <a:t>Contém alguns tipos de relatórios.</a:t>
+            </a:r>
+            <a:endParaRPr lang="pt-BR" dirty="0"/>
+          </a:p>
+        </p:txBody>
+      </p:sp>
+      <p:pic>
+        <p:nvPicPr>
+          <p:cNvPr id="9218" name="Picture 2" descr="Resultado de imagem para relatÃ³rio imagem"/>
+          <p:cNvPicPr>
+            <a:picLocks noChangeAspect="1" noChangeArrowheads="1"/>
+          </p:cNvPicPr>
+          <p:nvPr/>
+        </p:nvPicPr>
+        <p:blipFill>
+          <a:blip r:embed="rId2" cstate="print">
+            <a:extLst>
+              <a:ext uri="{28A0092B-C50C-407E-A947-70E740481C1C}">
+                <a14:useLocalDpi xmlns:a14="http://schemas.microsoft.com/office/drawing/2010/main" val="0"/>
+              </a:ext>
+            </a:extLst>
+          </a:blip>
+          <a:srcRect/>
+          <a:stretch>
+            <a:fillRect/>
+          </a:stretch>
+        </p:blipFill>
+        <p:spPr bwMode="auto">
+          <a:xfrm>
+            <a:off x="3419872" y="3234323"/>
+            <a:ext cx="2353923" cy="2575606"/>
+          </a:xfrm>
+          <a:prstGeom prst="rect">
+            <a:avLst/>
+          </a:prstGeom>
+          <a:noFill/>
+          <a:extLst>
+            <a:ext uri="{909E8E84-426E-40DD-AFC4-6F175D3DCCD1}">
+              <a14:hiddenFill xmlns:a14="http://schemas.microsoft.com/office/drawing/2010/main">
+                <a:solidFill>
+                  <a:srgbClr val="FFFFFF"/>
+                </a:solidFill>
+              </a14:hiddenFill>
+            </a:ext>
+          </a:extLst>
+        </p:spPr>
+      </p:pic>
+      <p:pic>
+        <p:nvPicPr>
+          <p:cNvPr id="9220" name="Picture 4" descr="Resultado de imagem para relatÃ³rio imagem"/>
+          <p:cNvPicPr>
+            <a:picLocks noChangeAspect="1" noChangeArrowheads="1"/>
+          </p:cNvPicPr>
+          <p:nvPr/>
+        </p:nvPicPr>
+        <p:blipFill>
+          <a:blip r:embed="rId3">
+            <a:extLst>
+              <a:ext uri="{28A0092B-C50C-407E-A947-70E740481C1C}">
+                <a14:useLocalDpi xmlns:a14="http://schemas.microsoft.com/office/drawing/2010/main" val="0"/>
+              </a:ext>
+            </a:extLst>
+          </a:blip>
+          <a:srcRect/>
+          <a:stretch>
+            <a:fillRect/>
+          </a:stretch>
+        </p:blipFill>
+        <p:spPr bwMode="auto">
+          <a:xfrm>
+            <a:off x="1043608" y="3384655"/>
+            <a:ext cx="2232248" cy="2232248"/>
+          </a:xfrm>
+          <a:prstGeom prst="rect">
+            <a:avLst/>
+          </a:prstGeom>
+          <a:noFill/>
+          <a:extLst>
+            <a:ext uri="{909E8E84-426E-40DD-AFC4-6F175D3DCCD1}">
+              <a14:hiddenFill xmlns:a14="http://schemas.microsoft.com/office/drawing/2010/main">
+                <a:solidFill>
+                  <a:srgbClr val="FFFFFF"/>
+                </a:solidFill>
+              </a14:hiddenFill>
+            </a:ext>
+          </a:extLst>
+        </p:spPr>
+      </p:pic>
+      <p:sp>
+        <p:nvSpPr>
+          <p:cNvPr id="4" name="AutoShape 6" descr="Resultado de imagem para relatÃ³rio imagem"/>
+          <p:cNvSpPr>
+            <a:spLocks noChangeAspect="1" noChangeArrowheads="1"/>
+          </p:cNvSpPr>
+          <p:nvPr/>
+        </p:nvSpPr>
+        <p:spPr bwMode="auto">
+          <a:xfrm>
+            <a:off x="155575" y="-144463"/>
+            <a:ext cx="304800" cy="304801"/>
+          </a:xfrm>
+          <a:prstGeom prst="rect">
+            <a:avLst/>
+          </a:prstGeom>
+          <a:noFill/>
+          <a:extLst>
+            <a:ext uri="{909E8E84-426E-40DD-AFC4-6F175D3DCCD1}">
+              <a14:hiddenFill xmlns:a14="http://schemas.microsoft.com/office/drawing/2010/main">
+                <a:solidFill>
+                  <a:srgbClr val="FFFFFF"/>
+                </a:solidFill>
+              </a14:hiddenFill>
+            </a:ext>
+          </a:extLst>
+        </p:spPr>
+        <p:txBody>
+          <a:bodyPr vert="horz" wrap="square" lIns="91440" tIns="45720" rIns="91440" bIns="45720" numCol="1" anchor="t" anchorCtr="0" compatLnSpc="1">
+            <a:prstTxWarp prst="textNoShape">
+              <a:avLst/>
+            </a:prstTxWarp>
+          </a:bodyPr>
+          <a:lstStyle/>
+          <a:p>
+            <a:endParaRPr lang="pt-BR"/>
+          </a:p>
+        </p:txBody>
+      </p:sp>
+      <p:sp>
+        <p:nvSpPr>
+          <p:cNvPr id="5" name="AutoShape 8" descr="Resultado de imagem para relatÃ³rio imagem"/>
+          <p:cNvSpPr>
+            <a:spLocks noChangeAspect="1" noChangeArrowheads="1"/>
+          </p:cNvSpPr>
+          <p:nvPr/>
+        </p:nvSpPr>
+        <p:spPr bwMode="auto">
+          <a:xfrm>
+            <a:off x="307975" y="7937"/>
+            <a:ext cx="304800" cy="304801"/>
+          </a:xfrm>
+          <a:prstGeom prst="rect">
+            <a:avLst/>
+          </a:prstGeom>
+          <a:noFill/>
+          <a:extLst>
+            <a:ext uri="{909E8E84-426E-40DD-AFC4-6F175D3DCCD1}">
+              <a14:hiddenFill xmlns:a14="http://schemas.microsoft.com/office/drawing/2010/main">
+                <a:solidFill>
+                  <a:srgbClr val="FFFFFF"/>
+                </a:solidFill>
+              </a14:hiddenFill>
+            </a:ext>
+          </a:extLst>
+        </p:spPr>
+        <p:txBody>
+          <a:bodyPr vert="horz" wrap="square" lIns="91440" tIns="45720" rIns="91440" bIns="45720" numCol="1" anchor="t" anchorCtr="0" compatLnSpc="1">
+            <a:prstTxWarp prst="textNoShape">
+              <a:avLst/>
+            </a:prstTxWarp>
+          </a:bodyPr>
+          <a:lstStyle/>
+          <a:p>
+            <a:endParaRPr lang="pt-BR"/>
+          </a:p>
+        </p:txBody>
+      </p:sp>
+      <p:sp>
+        <p:nvSpPr>
+          <p:cNvPr id="6" name="AutoShape 10" descr="Resultado de imagem para relatÃ³rio imagem"/>
+          <p:cNvSpPr>
+            <a:spLocks noChangeAspect="1" noChangeArrowheads="1"/>
+          </p:cNvSpPr>
+          <p:nvPr/>
+        </p:nvSpPr>
+        <p:spPr bwMode="auto">
+          <a:xfrm>
+            <a:off x="460375" y="160337"/>
+            <a:ext cx="304800" cy="304801"/>
+          </a:xfrm>
+          <a:prstGeom prst="rect">
+            <a:avLst/>
+          </a:prstGeom>
+          <a:noFill/>
+          <a:extLst>
+            <a:ext uri="{909E8E84-426E-40DD-AFC4-6F175D3DCCD1}">
+              <a14:hiddenFill xmlns:a14="http://schemas.microsoft.com/office/drawing/2010/main">
+                <a:solidFill>
+                  <a:srgbClr val="FFFFFF"/>
+                </a:solidFill>
+              </a14:hiddenFill>
+            </a:ext>
+          </a:extLst>
+        </p:spPr>
+        <p:txBody>
+          <a:bodyPr vert="horz" wrap="square" lIns="91440" tIns="45720" rIns="91440" bIns="45720" numCol="1" anchor="t" anchorCtr="0" compatLnSpc="1">
+            <a:prstTxWarp prst="textNoShape">
+              <a:avLst/>
+            </a:prstTxWarp>
+          </a:bodyPr>
+          <a:lstStyle/>
+          <a:p>
+            <a:endParaRPr lang="pt-BR"/>
+          </a:p>
+        </p:txBody>
+      </p:sp>
+      <p:pic>
+        <p:nvPicPr>
+          <p:cNvPr id="9227" name="Picture 11"/>
+          <p:cNvPicPr>
+            <a:picLocks noChangeAspect="1" noChangeArrowheads="1"/>
+          </p:cNvPicPr>
+          <p:nvPr/>
+        </p:nvPicPr>
+        <p:blipFill>
+          <a:blip r:embed="rId4">
+            <a:extLst>
+              <a:ext uri="{28A0092B-C50C-407E-A947-70E740481C1C}">
+                <a14:useLocalDpi xmlns:a14="http://schemas.microsoft.com/office/drawing/2010/main" val="0"/>
+              </a:ext>
+            </a:extLst>
+          </a:blip>
+          <a:srcRect/>
+          <a:stretch>
+            <a:fillRect/>
+          </a:stretch>
+        </p:blipFill>
+        <p:spPr bwMode="auto">
+          <a:xfrm>
+            <a:off x="5868144" y="3402787"/>
+            <a:ext cx="2381250" cy="2190750"/>
+          </a:xfrm>
+          <a:prstGeom prst="rect">
+            <a:avLst/>
+          </a:prstGeom>
+          <a:noFill/>
+          <a:ln>
+            <a:noFill/>
+          </a:ln>
+          <a:effectLst/>
+          <a:extLst>
+            <a:ext uri="{909E8E84-426E-40DD-AFC4-6F175D3DCCD1}">
+              <a14:hiddenFill xmlns:a14="http://schemas.microsoft.com/office/drawing/2010/main">
+                <a:solidFill>
+                  <a:schemeClr val="accent1"/>
+                </a:solidFill>
+              </a14:hiddenFill>
+            </a:ext>
+            <a:ext uri="{91240B29-F687-4F45-9708-019B960494DF}">
+              <a14:hiddenLine xmlns:a14="http://schemas.microsoft.com/office/drawing/2010/main" w="9525">
+                <a:solidFill>
+                  <a:schemeClr val="tx1"/>
+                </a:solidFill>
+                <a:miter lim="800000"/>
+                <a:headEnd/>
+                <a:tailEnd/>
+              </a14:hiddenLine>
+            </a:ext>
+            <a:ext uri="{AF507438-7753-43E0-B8FC-AC1667EBCBE1}">
+              <a14:hiddenEffects xmlns:a14="http://schemas.microsoft.com/office/drawing/2010/main">
+                <a:effectLst>
+                  <a:outerShdw dist="35921" dir="2700000" algn="ctr" rotWithShape="0">
+                    <a:schemeClr val="bg2"/>
+                  </a:outerShdw>
+                </a:effectLst>
+              </a14:hiddenEffects>
+            </a:ext>
+          </a:extLst>
+        </p:spPr>
+      </p:pic>
+      <p:sp>
+        <p:nvSpPr>
+          <p:cNvPr id="10" name="CaixaDeTexto 9"/>
+          <p:cNvSpPr txBox="1"/>
+          <p:nvPr/>
+        </p:nvSpPr>
+        <p:spPr>
+          <a:xfrm>
+            <a:off x="1042572" y="5616903"/>
+            <a:ext cx="2377300" cy="461665"/>
+          </a:xfrm>
+          <a:prstGeom prst="rect">
+            <a:avLst/>
+          </a:prstGeom>
+          <a:noFill/>
+        </p:spPr>
+        <p:txBody>
+          <a:bodyPr wrap="square" rtlCol="0">
+            <a:spAutoFit/>
+          </a:bodyPr>
+          <a:lstStyle/>
+          <a:p>
+            <a:r>
+              <a:rPr lang="pt-BR" sz="2400" b="1" dirty="0" smtClean="0">
+                <a:solidFill>
+                  <a:srgbClr val="FF0000"/>
+                </a:solidFill>
+              </a:rPr>
+              <a:t>Inventário anual</a:t>
+            </a:r>
+            <a:endParaRPr lang="pt-BR" sz="2400" b="1" dirty="0">
+              <a:solidFill>
+                <a:srgbClr val="FF0000"/>
+              </a:solidFill>
+            </a:endParaRPr>
+          </a:p>
+        </p:txBody>
+      </p:sp>
+      <p:sp>
+        <p:nvSpPr>
+          <p:cNvPr id="11" name="CaixaDeTexto 10"/>
+          <p:cNvSpPr txBox="1"/>
+          <p:nvPr/>
+        </p:nvSpPr>
+        <p:spPr>
+          <a:xfrm>
+            <a:off x="6376668" y="5626851"/>
+            <a:ext cx="1364202" cy="461665"/>
+          </a:xfrm>
+          <a:prstGeom prst="rect">
+            <a:avLst/>
+          </a:prstGeom>
+          <a:noFill/>
+        </p:spPr>
+        <p:txBody>
+          <a:bodyPr wrap="square" rtlCol="0">
+            <a:spAutoFit/>
+          </a:bodyPr>
+          <a:lstStyle/>
+          <a:p>
+            <a:r>
+              <a:rPr lang="pt-BR" sz="2400" b="1" dirty="0" smtClean="0">
+                <a:solidFill>
+                  <a:schemeClr val="tx2">
+                    <a:lumMod val="50000"/>
+                  </a:schemeClr>
+                </a:solidFill>
+              </a:rPr>
+              <a:t>Contábil</a:t>
+            </a:r>
+            <a:endParaRPr lang="pt-BR" sz="2400" b="1" dirty="0">
+              <a:solidFill>
+                <a:schemeClr val="tx2">
+                  <a:lumMod val="50000"/>
+                </a:schemeClr>
+              </a:solidFill>
+            </a:endParaRPr>
+          </a:p>
+        </p:txBody>
+      </p:sp>
+    </p:spTree>
+    <p:extLst>
+      <p:ext uri="{BB962C8B-B14F-4D97-AF65-F5344CB8AC3E}">
+        <p14:creationId xmlns:p14="http://schemas.microsoft.com/office/powerpoint/2010/main" val="965415351"/>
+      </p:ext>
+    </p:extLst>
+  </p:cSld>
+  <p:clrMapOvr>
+    <a:masterClrMapping/>
+  </p:clrMapOvr>
+</p:sld>
+</file>
+
+<file path=ppt/slides/slide14.xml><?xml version="1.0" encoding="utf-8"?>
+<p:sld xmlns:a="http://schemas.openxmlformats.org/drawingml/2006/main" xmlns:r="http://schemas.openxmlformats.org/officeDocument/2006/relationships" xmlns:p="http://schemas.openxmlformats.org/presentationml/2006/main">
+  <p:cSld>
+    <p:spTree>
+      <p:nvGrpSpPr>
+        <p:cNvPr id="1" name=""/>
+        <p:cNvGrpSpPr/>
+        <p:nvPr/>
+      </p:nvGrpSpPr>
+      <p:grpSpPr>
+        <a:xfrm>
+          <a:off x="0" y="0"/>
+          <a:ext cx="0" cy="0"/>
+          <a:chOff x="0" y="0"/>
+          <a:chExt cx="0" cy="0"/>
+        </a:xfrm>
+      </p:grpSpPr>
+      <p:sp>
+        <p:nvSpPr>
+          <p:cNvPr id="2" name="Título 1"/>
+          <p:cNvSpPr>
+            <a:spLocks noGrp="1"/>
+          </p:cNvSpPr>
+          <p:nvPr>
+            <p:ph type="title"/>
+          </p:nvPr>
+        </p:nvSpPr>
+        <p:spPr/>
+        <p:txBody>
+          <a:bodyPr/>
+          <a:lstStyle/>
+          <a:p>
+            <a:r>
+              <a:rPr lang="pt-BR" dirty="0" smtClean="0"/>
+              <a:t>Mas existem detalhes...</a:t>
+            </a:r>
+            <a:endParaRPr lang="pt-BR" dirty="0"/>
+          </a:p>
+        </p:txBody>
+      </p:sp>
+      <p:sp>
+        <p:nvSpPr>
+          <p:cNvPr id="3" name="Espaço Reservado para Conteúdo 2"/>
+          <p:cNvSpPr>
+            <a:spLocks noGrp="1"/>
+          </p:cNvSpPr>
+          <p:nvPr>
+            <p:ph idx="1"/>
+          </p:nvPr>
+        </p:nvSpPr>
+        <p:spPr/>
+        <p:txBody>
+          <a:bodyPr/>
+          <a:lstStyle/>
+          <a:p>
+            <a:r>
+              <a:rPr lang="pt-BR" dirty="0" smtClean="0"/>
+              <a:t>As </a:t>
+            </a:r>
+            <a:r>
+              <a:rPr lang="pt-BR" dirty="0" err="1" smtClean="0"/>
+              <a:t>OMEs</a:t>
+            </a:r>
+            <a:r>
+              <a:rPr lang="pt-BR" dirty="0" smtClean="0"/>
+              <a:t> (Organizações Militares) </a:t>
+            </a:r>
+          </a:p>
+          <a:p>
+            <a:pPr marL="0" indent="0">
+              <a:buNone/>
+            </a:pPr>
+            <a:r>
+              <a:rPr lang="pt-BR" dirty="0" smtClean="0"/>
+              <a:t>não possuem Licenças do Office.</a:t>
+            </a:r>
+            <a:endParaRPr lang="pt-BR" dirty="0"/>
+          </a:p>
+        </p:txBody>
+      </p:sp>
+      <p:sp>
+        <p:nvSpPr>
+          <p:cNvPr id="4" name="AutoShape 2" descr="Resultado de imagem para e agora ?"/>
+          <p:cNvSpPr>
+            <a:spLocks noChangeAspect="1" noChangeArrowheads="1"/>
+          </p:cNvSpPr>
+          <p:nvPr/>
+        </p:nvSpPr>
+        <p:spPr bwMode="auto">
+          <a:xfrm>
+            <a:off x="155575" y="-144463"/>
+            <a:ext cx="304800" cy="304801"/>
+          </a:xfrm>
+          <a:prstGeom prst="rect">
+            <a:avLst/>
+          </a:prstGeom>
+          <a:noFill/>
+          <a:extLst>
+            <a:ext uri="{909E8E84-426E-40DD-AFC4-6F175D3DCCD1}">
+              <a14:hiddenFill xmlns:a14="http://schemas.microsoft.com/office/drawing/2010/main">
+                <a:solidFill>
+                  <a:srgbClr val="FFFFFF"/>
+                </a:solidFill>
+              </a14:hiddenFill>
+            </a:ext>
+          </a:extLst>
+        </p:spPr>
+        <p:txBody>
+          <a:bodyPr vert="horz" wrap="square" lIns="91440" tIns="45720" rIns="91440" bIns="45720" numCol="1" anchor="t" anchorCtr="0" compatLnSpc="1">
+            <a:prstTxWarp prst="textNoShape">
+              <a:avLst/>
+            </a:prstTxWarp>
+          </a:bodyPr>
+          <a:lstStyle/>
+          <a:p>
+            <a:endParaRPr lang="pt-BR"/>
+          </a:p>
+        </p:txBody>
+      </p:sp>
+      <p:pic>
+        <p:nvPicPr>
+          <p:cNvPr id="10243" name="Picture 3"/>
+          <p:cNvPicPr>
+            <a:picLocks noChangeAspect="1" noChangeArrowheads="1"/>
+          </p:cNvPicPr>
+          <p:nvPr/>
+        </p:nvPicPr>
+        <p:blipFill rotWithShape="1">
+          <a:blip r:embed="rId2">
+            <a:extLst>
+              <a:ext uri="{28A0092B-C50C-407E-A947-70E740481C1C}">
+                <a14:useLocalDpi xmlns:a14="http://schemas.microsoft.com/office/drawing/2010/main" val="0"/>
+              </a:ext>
+            </a:extLst>
+          </a:blip>
+          <a:srcRect l="24952" r="24027"/>
+          <a:stretch/>
+        </p:blipFill>
+        <p:spPr bwMode="auto">
+          <a:xfrm>
+            <a:off x="6300192" y="1726663"/>
+            <a:ext cx="2054060" cy="2266907"/>
+          </a:xfrm>
+          <a:prstGeom prst="rect">
+            <a:avLst/>
+          </a:prstGeom>
+          <a:noFill/>
+          <a:ln>
+            <a:noFill/>
+          </a:ln>
+          <a:effectLst/>
+          <a:extLst>
+            <a:ext uri="{909E8E84-426E-40DD-AFC4-6F175D3DCCD1}">
+              <a14:hiddenFill xmlns:a14="http://schemas.microsoft.com/office/drawing/2010/main">
+                <a:solidFill>
+                  <a:schemeClr val="accent1"/>
+                </a:solidFill>
+              </a14:hiddenFill>
+            </a:ext>
+            <a:ext uri="{91240B29-F687-4F45-9708-019B960494DF}">
+              <a14:hiddenLine xmlns:a14="http://schemas.microsoft.com/office/drawing/2010/main" w="9525">
+                <a:solidFill>
+                  <a:schemeClr val="tx1"/>
+                </a:solidFill>
+                <a:miter lim="800000"/>
+                <a:headEnd/>
+                <a:tailEnd/>
+              </a14:hiddenLine>
+            </a:ext>
+            <a:ext uri="{AF507438-7753-43E0-B8FC-AC1667EBCBE1}">
+              <a14:hiddenEffects xmlns:a14="http://schemas.microsoft.com/office/drawing/2010/main">
+                <a:effectLst>
+                  <a:outerShdw dist="35921" dir="2700000" algn="ctr" rotWithShape="0">
+                    <a:schemeClr val="bg2"/>
+                  </a:outerShdw>
+                </a:effectLst>
+              </a14:hiddenEffects>
+            </a:ext>
+          </a:extLst>
+        </p:spPr>
+      </p:pic>
+    </p:spTree>
+    <p:extLst>
+      <p:ext uri="{BB962C8B-B14F-4D97-AF65-F5344CB8AC3E}">
+        <p14:creationId xmlns:p14="http://schemas.microsoft.com/office/powerpoint/2010/main" val="463188457"/>
+      </p:ext>
+    </p:extLst>
+  </p:cSld>
+  <p:clrMapOvr>
+    <a:masterClrMapping/>
+  </p:clrMapOvr>
+</p:sld>
+</file>
+
+<file path=ppt/slides/slide15.xml><?xml version="1.0" encoding="utf-8"?>
+<p:sld xmlns:a="http://schemas.openxmlformats.org/drawingml/2006/main" xmlns:r="http://schemas.openxmlformats.org/officeDocument/2006/relationships" xmlns:p="http://schemas.openxmlformats.org/presentationml/2006/main">
+  <p:cSld>
+    <p:spTree>
+      <p:nvGrpSpPr>
+        <p:cNvPr id="1" name=""/>
+        <p:cNvGrpSpPr/>
+        <p:nvPr/>
+      </p:nvGrpSpPr>
+      <p:grpSpPr>
+        <a:xfrm>
+          <a:off x="0" y="0"/>
+          <a:ext cx="0" cy="0"/>
+          <a:chOff x="0" y="0"/>
+          <a:chExt cx="0" cy="0"/>
+        </a:xfrm>
+      </p:grpSpPr>
+      <p:sp>
+        <p:nvSpPr>
+          <p:cNvPr id="2" name="Título 1"/>
+          <p:cNvSpPr>
+            <a:spLocks noGrp="1"/>
+          </p:cNvSpPr>
+          <p:nvPr>
+            <p:ph type="title"/>
+          </p:nvPr>
+        </p:nvSpPr>
+        <p:spPr/>
+        <p:txBody>
+          <a:bodyPr/>
+          <a:lstStyle/>
+          <a:p>
+            <a:r>
+              <a:rPr lang="pt-BR" dirty="0" smtClean="0"/>
+              <a:t>Mas existem detalhes...</a:t>
+            </a:r>
+            <a:endParaRPr lang="pt-BR" dirty="0"/>
+          </a:p>
+        </p:txBody>
+      </p:sp>
+      <p:sp>
+        <p:nvSpPr>
+          <p:cNvPr id="3" name="Espaço Reservado para Conteúdo 2"/>
+          <p:cNvSpPr>
+            <a:spLocks noGrp="1"/>
+          </p:cNvSpPr>
+          <p:nvPr>
+            <p:ph idx="1"/>
+          </p:nvPr>
+        </p:nvSpPr>
+        <p:spPr/>
+        <p:txBody>
+          <a:bodyPr/>
+          <a:lstStyle/>
+          <a:p>
+            <a:r>
+              <a:rPr lang="pt-BR" dirty="0" smtClean="0"/>
+              <a:t>As </a:t>
+            </a:r>
+            <a:r>
+              <a:rPr lang="pt-BR" dirty="0" err="1" smtClean="0"/>
+              <a:t>OMEs</a:t>
+            </a:r>
+            <a:r>
+              <a:rPr lang="pt-BR" dirty="0" smtClean="0"/>
+              <a:t> (Organizações Militares) </a:t>
+            </a:r>
+          </a:p>
+          <a:p>
+            <a:pPr marL="0" indent="0">
+              <a:buNone/>
+            </a:pPr>
+            <a:r>
+              <a:rPr lang="pt-BR" dirty="0" smtClean="0"/>
+              <a:t>não possuem Licenças do Office.</a:t>
+            </a:r>
+          </a:p>
+          <a:p>
+            <a:pPr marL="0" indent="0">
+              <a:buNone/>
+            </a:pPr>
+            <a:endParaRPr lang="pt-BR" dirty="0"/>
+          </a:p>
+          <a:p>
+            <a:pPr marL="0" indent="0">
+              <a:buNone/>
+            </a:pPr>
+            <a:endParaRPr lang="pt-BR" dirty="0" smtClean="0"/>
+          </a:p>
+          <a:p>
+            <a:pPr marL="0" indent="0">
+              <a:buNone/>
+            </a:pPr>
+            <a:endParaRPr lang="pt-BR" dirty="0"/>
+          </a:p>
+          <a:p>
+            <a:pPr marL="0" indent="0">
+              <a:buNone/>
+            </a:pPr>
+            <a:r>
+              <a:rPr lang="pt-BR" sz="7200" dirty="0" smtClean="0"/>
+              <a:t>Solução</a:t>
+            </a:r>
+            <a:endParaRPr lang="pt-BR" sz="7200" dirty="0"/>
+          </a:p>
+        </p:txBody>
+      </p:sp>
+      <p:sp>
+        <p:nvSpPr>
+          <p:cNvPr id="4" name="AutoShape 2" descr="Resultado de imagem para e agora ?"/>
+          <p:cNvSpPr>
+            <a:spLocks noChangeAspect="1" noChangeArrowheads="1"/>
+          </p:cNvSpPr>
+          <p:nvPr/>
+        </p:nvSpPr>
+        <p:spPr bwMode="auto">
+          <a:xfrm>
+            <a:off x="155575" y="-144463"/>
+            <a:ext cx="304800" cy="304801"/>
+          </a:xfrm>
+          <a:prstGeom prst="rect">
+            <a:avLst/>
+          </a:prstGeom>
+          <a:noFill/>
+          <a:extLst>
+            <a:ext uri="{909E8E84-426E-40DD-AFC4-6F175D3DCCD1}">
+              <a14:hiddenFill xmlns:a14="http://schemas.microsoft.com/office/drawing/2010/main">
+                <a:solidFill>
+                  <a:srgbClr val="FFFFFF"/>
+                </a:solidFill>
+              </a14:hiddenFill>
+            </a:ext>
+          </a:extLst>
+        </p:spPr>
+        <p:txBody>
+          <a:bodyPr vert="horz" wrap="square" lIns="91440" tIns="45720" rIns="91440" bIns="45720" numCol="1" anchor="t" anchorCtr="0" compatLnSpc="1">
+            <a:prstTxWarp prst="textNoShape">
+              <a:avLst/>
+            </a:prstTxWarp>
+          </a:bodyPr>
+          <a:lstStyle/>
+          <a:p>
+            <a:endParaRPr lang="pt-BR"/>
+          </a:p>
+        </p:txBody>
+      </p:sp>
+      <p:pic>
+        <p:nvPicPr>
+          <p:cNvPr id="10243" name="Picture 3"/>
+          <p:cNvPicPr>
+            <a:picLocks noChangeAspect="1" noChangeArrowheads="1"/>
+          </p:cNvPicPr>
+          <p:nvPr/>
+        </p:nvPicPr>
+        <p:blipFill rotWithShape="1">
+          <a:blip r:embed="rId2">
+            <a:extLst>
+              <a:ext uri="{28A0092B-C50C-407E-A947-70E740481C1C}">
+                <a14:useLocalDpi xmlns:a14="http://schemas.microsoft.com/office/drawing/2010/main" val="0"/>
+              </a:ext>
+            </a:extLst>
+          </a:blip>
+          <a:srcRect l="24952" r="24027"/>
+          <a:stretch/>
+        </p:blipFill>
+        <p:spPr bwMode="auto">
+          <a:xfrm>
+            <a:off x="6300192" y="1726663"/>
+            <a:ext cx="2054060" cy="2266907"/>
+          </a:xfrm>
+          <a:prstGeom prst="rect">
+            <a:avLst/>
+          </a:prstGeom>
+          <a:noFill/>
+          <a:ln>
+            <a:noFill/>
+          </a:ln>
+          <a:effectLst/>
+          <a:extLst>
+            <a:ext uri="{909E8E84-426E-40DD-AFC4-6F175D3DCCD1}">
+              <a14:hiddenFill xmlns:a14="http://schemas.microsoft.com/office/drawing/2010/main">
+                <a:solidFill>
+                  <a:schemeClr val="accent1"/>
+                </a:solidFill>
+              </a14:hiddenFill>
+            </a:ext>
+            <a:ext uri="{91240B29-F687-4F45-9708-019B960494DF}">
+              <a14:hiddenLine xmlns:a14="http://schemas.microsoft.com/office/drawing/2010/main" w="9525">
+                <a:solidFill>
+                  <a:schemeClr val="tx1"/>
+                </a:solidFill>
+                <a:miter lim="800000"/>
+                <a:headEnd/>
+                <a:tailEnd/>
+              </a14:hiddenLine>
+            </a:ext>
+            <a:ext uri="{AF507438-7753-43E0-B8FC-AC1667EBCBE1}">
+              <a14:hiddenEffects xmlns:a14="http://schemas.microsoft.com/office/drawing/2010/main">
+                <a:effectLst>
+                  <a:outerShdw dist="35921" dir="2700000" algn="ctr" rotWithShape="0">
+                    <a:schemeClr val="bg2"/>
+                  </a:outerShdw>
+                </a:effectLst>
+              </a14:hiddenEffects>
+            </a:ext>
+          </a:extLst>
+        </p:spPr>
+      </p:pic>
+      <p:pic>
+        <p:nvPicPr>
+          <p:cNvPr id="13314" name="Picture 2"/>
+          <p:cNvPicPr>
+            <a:picLocks noChangeAspect="1" noChangeArrowheads="1"/>
+          </p:cNvPicPr>
+          <p:nvPr/>
+        </p:nvPicPr>
+        <p:blipFill rotWithShape="1">
+          <a:blip r:embed="rId3">
+            <a:extLst>
+              <a:ext uri="{28A0092B-C50C-407E-A947-70E740481C1C}">
+                <a14:useLocalDpi xmlns:a14="http://schemas.microsoft.com/office/drawing/2010/main" val="0"/>
+              </a:ext>
+            </a:extLst>
+          </a:blip>
+          <a:srcRect l="20575" r="7783"/>
+          <a:stretch/>
+        </p:blipFill>
+        <p:spPr bwMode="auto">
+          <a:xfrm>
+            <a:off x="4735772" y="3920107"/>
+            <a:ext cx="1528549" cy="2143125"/>
+          </a:xfrm>
+          <a:prstGeom prst="rect">
+            <a:avLst/>
+          </a:prstGeom>
+          <a:noFill/>
+          <a:ln>
+            <a:noFill/>
+          </a:ln>
+          <a:effectLst/>
+          <a:extLst>
+            <a:ext uri="{909E8E84-426E-40DD-AFC4-6F175D3DCCD1}">
+              <a14:hiddenFill xmlns:a14="http://schemas.microsoft.com/office/drawing/2010/main">
+                <a:solidFill>
+                  <a:schemeClr val="accent1"/>
+                </a:solidFill>
+              </a14:hiddenFill>
+            </a:ext>
+            <a:ext uri="{91240B29-F687-4F45-9708-019B960494DF}">
+              <a14:hiddenLine xmlns:a14="http://schemas.microsoft.com/office/drawing/2010/main" w="9525">
+                <a:solidFill>
+                  <a:schemeClr val="tx1"/>
+                </a:solidFill>
+                <a:miter lim="800000"/>
+                <a:headEnd/>
+                <a:tailEnd/>
+              </a14:hiddenLine>
+            </a:ext>
+            <a:ext uri="{AF507438-7753-43E0-B8FC-AC1667EBCBE1}">
+              <a14:hiddenEffects xmlns:a14="http://schemas.microsoft.com/office/drawing/2010/main">
+                <a:effectLst>
+                  <a:outerShdw dist="35921" dir="2700000" algn="ctr" rotWithShape="0">
+                    <a:schemeClr val="bg2"/>
+                  </a:outerShdw>
+                </a:effectLst>
+              </a14:hiddenEffects>
+            </a:ext>
+          </a:extLst>
+        </p:spPr>
+      </p:pic>
+    </p:spTree>
+    <p:extLst>
+      <p:ext uri="{BB962C8B-B14F-4D97-AF65-F5344CB8AC3E}">
+        <p14:creationId xmlns:p14="http://schemas.microsoft.com/office/powerpoint/2010/main" val="3040674203"/>
+      </p:ext>
+    </p:extLst>
+  </p:cSld>
+  <p:clrMapOvr>
+    <a:masterClrMapping/>
+  </p:clrMapOvr>
+</p:sld>
+</file>
+
+<file path=ppt/slides/slide16.xml><?xml version="1.0" encoding="utf-8"?>
+<p:sld xmlns:a="http://schemas.openxmlformats.org/drawingml/2006/main" xmlns:r="http://schemas.openxmlformats.org/officeDocument/2006/relationships" xmlns:p="http://schemas.openxmlformats.org/presentationml/2006/main">
+  <p:cSld>
+    <p:spTree>
+      <p:nvGrpSpPr>
+        <p:cNvPr id="1" name=""/>
+        <p:cNvGrpSpPr/>
+        <p:nvPr/>
+      </p:nvGrpSpPr>
+      <p:grpSpPr>
+        <a:xfrm>
+          <a:off x="0" y="0"/>
+          <a:ext cx="0" cy="0"/>
+          <a:chOff x="0" y="0"/>
+          <a:chExt cx="0" cy="0"/>
+        </a:xfrm>
+      </p:grpSpPr>
+      <p:sp>
+        <p:nvSpPr>
+          <p:cNvPr id="2" name="Título 1"/>
+          <p:cNvSpPr>
+            <a:spLocks noGrp="1"/>
+          </p:cNvSpPr>
+          <p:nvPr>
+            <p:ph type="title"/>
+          </p:nvPr>
+        </p:nvSpPr>
+        <p:spPr/>
+        <p:txBody>
+          <a:bodyPr/>
+          <a:lstStyle/>
+          <a:p>
+            <a:r>
+              <a:rPr lang="pt-BR" dirty="0" smtClean="0"/>
+              <a:t>Minha ideia pessoal</a:t>
+            </a:r>
+            <a:endParaRPr lang="pt-BR" dirty="0"/>
+          </a:p>
+        </p:txBody>
+      </p:sp>
+      <p:sp>
+        <p:nvSpPr>
+          <p:cNvPr id="3" name="Espaço Reservado para Conteúdo 2"/>
+          <p:cNvSpPr>
+            <a:spLocks noGrp="1"/>
+          </p:cNvSpPr>
+          <p:nvPr>
+            <p:ph idx="1"/>
+          </p:nvPr>
+        </p:nvSpPr>
+        <p:spPr/>
+        <p:txBody>
+          <a:bodyPr/>
+          <a:lstStyle/>
+          <a:p>
+            <a:r>
+              <a:rPr lang="pt-BR" dirty="0" smtClean="0"/>
+              <a:t>Conhecimento;</a:t>
+            </a:r>
+          </a:p>
+        </p:txBody>
+      </p:sp>
+      <p:pic>
+        <p:nvPicPr>
+          <p:cNvPr id="14338" name="Picture 2"/>
+          <p:cNvPicPr>
+            <a:picLocks noChangeAspect="1" noChangeArrowheads="1"/>
+          </p:cNvPicPr>
+          <p:nvPr/>
+        </p:nvPicPr>
+        <p:blipFill>
+          <a:blip r:embed="rId2" cstate="print">
+            <a:extLst>
+              <a:ext uri="{28A0092B-C50C-407E-A947-70E740481C1C}">
+                <a14:useLocalDpi xmlns:a14="http://schemas.microsoft.com/office/drawing/2010/main" val="0"/>
+              </a:ext>
+            </a:extLst>
+          </a:blip>
+          <a:srcRect/>
+          <a:stretch>
+            <a:fillRect/>
+          </a:stretch>
+        </p:blipFill>
+        <p:spPr bwMode="auto">
+          <a:xfrm>
+            <a:off x="4860032" y="1916832"/>
+            <a:ext cx="3391946" cy="4221088"/>
+          </a:xfrm>
+          <a:prstGeom prst="rect">
+            <a:avLst/>
+          </a:prstGeom>
+          <a:noFill/>
+          <a:ln>
+            <a:noFill/>
+          </a:ln>
+          <a:effectLst/>
+          <a:extLst>
+            <a:ext uri="{909E8E84-426E-40DD-AFC4-6F175D3DCCD1}">
+              <a14:hiddenFill xmlns:a14="http://schemas.microsoft.com/office/drawing/2010/main">
+                <a:solidFill>
+                  <a:schemeClr val="accent1"/>
+                </a:solidFill>
+              </a14:hiddenFill>
+            </a:ext>
+            <a:ext uri="{91240B29-F687-4F45-9708-019B960494DF}">
+              <a14:hiddenLine xmlns:a14="http://schemas.microsoft.com/office/drawing/2010/main" w="9525">
+                <a:solidFill>
+                  <a:schemeClr val="tx1"/>
+                </a:solidFill>
+                <a:miter lim="800000"/>
+                <a:headEnd/>
+                <a:tailEnd/>
+              </a14:hiddenLine>
+            </a:ext>
+            <a:ext uri="{AF507438-7753-43E0-B8FC-AC1667EBCBE1}">
+              <a14:hiddenEffects xmlns:a14="http://schemas.microsoft.com/office/drawing/2010/main">
+                <a:effectLst>
+                  <a:outerShdw dist="35921" dir="2700000" algn="ctr" rotWithShape="0">
+                    <a:schemeClr val="bg2"/>
+                  </a:outerShdw>
+                </a:effectLst>
+              </a14:hiddenEffects>
+            </a:ext>
+          </a:extLst>
+        </p:spPr>
+      </p:pic>
+    </p:spTree>
+    <p:extLst>
+      <p:ext uri="{BB962C8B-B14F-4D97-AF65-F5344CB8AC3E}">
+        <p14:creationId xmlns:p14="http://schemas.microsoft.com/office/powerpoint/2010/main" val="759635084"/>
+      </p:ext>
+    </p:extLst>
+  </p:cSld>
+  <p:clrMapOvr>
+    <a:masterClrMapping/>
+  </p:clrMapOvr>
+</p:sld>
+</file>
+
+<file path=ppt/slides/slide17.xml><?xml version="1.0" encoding="utf-8"?>
+<p:sld xmlns:a="http://schemas.openxmlformats.org/drawingml/2006/main" xmlns:r="http://schemas.openxmlformats.org/officeDocument/2006/relationships" xmlns:p="http://schemas.openxmlformats.org/presentationml/2006/main">
+  <p:cSld>
+    <p:spTree>
+      <p:nvGrpSpPr>
+        <p:cNvPr id="1" name=""/>
+        <p:cNvGrpSpPr/>
+        <p:nvPr/>
+      </p:nvGrpSpPr>
+      <p:grpSpPr>
+        <a:xfrm>
+          <a:off x="0" y="0"/>
+          <a:ext cx="0" cy="0"/>
+          <a:chOff x="0" y="0"/>
+          <a:chExt cx="0" cy="0"/>
+        </a:xfrm>
+      </p:grpSpPr>
+      <p:sp>
+        <p:nvSpPr>
+          <p:cNvPr id="2" name="Título 1"/>
+          <p:cNvSpPr>
+            <a:spLocks noGrp="1"/>
+          </p:cNvSpPr>
+          <p:nvPr>
+            <p:ph type="title"/>
+          </p:nvPr>
+        </p:nvSpPr>
+        <p:spPr/>
+        <p:txBody>
+          <a:bodyPr/>
+          <a:lstStyle/>
+          <a:p>
+            <a:r>
+              <a:rPr lang="pt-BR" dirty="0" smtClean="0"/>
+              <a:t>Minha ideia pessoal</a:t>
+            </a:r>
+            <a:endParaRPr lang="pt-BR" dirty="0"/>
+          </a:p>
+        </p:txBody>
+      </p:sp>
+      <p:sp>
+        <p:nvSpPr>
+          <p:cNvPr id="3" name="Espaço Reservado para Conteúdo 2"/>
+          <p:cNvSpPr>
+            <a:spLocks noGrp="1"/>
+          </p:cNvSpPr>
+          <p:nvPr>
+            <p:ph idx="1"/>
+          </p:nvPr>
+        </p:nvSpPr>
+        <p:spPr/>
+        <p:txBody>
+          <a:bodyPr/>
+          <a:lstStyle/>
+          <a:p>
+            <a:r>
+              <a:rPr lang="pt-BR" dirty="0" smtClean="0"/>
+              <a:t>Conhecimento;</a:t>
+            </a:r>
+          </a:p>
+          <a:p>
+            <a:r>
+              <a:rPr lang="pt-BR" dirty="0" smtClean="0"/>
+              <a:t>Ideia;</a:t>
+            </a:r>
+          </a:p>
+        </p:txBody>
+      </p:sp>
+      <p:pic>
+        <p:nvPicPr>
+          <p:cNvPr id="14338" name="Picture 2"/>
+          <p:cNvPicPr>
+            <a:picLocks noChangeAspect="1" noChangeArrowheads="1"/>
+          </p:cNvPicPr>
+          <p:nvPr/>
+        </p:nvPicPr>
+        <p:blipFill>
+          <a:blip r:embed="rId2" cstate="print">
+            <a:extLst>
+              <a:ext uri="{28A0092B-C50C-407E-A947-70E740481C1C}">
+                <a14:useLocalDpi xmlns:a14="http://schemas.microsoft.com/office/drawing/2010/main" val="0"/>
+              </a:ext>
+            </a:extLst>
+          </a:blip>
+          <a:srcRect/>
+          <a:stretch>
+            <a:fillRect/>
+          </a:stretch>
+        </p:blipFill>
+        <p:spPr bwMode="auto">
+          <a:xfrm>
+            <a:off x="4860032" y="1916832"/>
+            <a:ext cx="3391946" cy="4221088"/>
+          </a:xfrm>
+          <a:prstGeom prst="rect">
+            <a:avLst/>
+          </a:prstGeom>
+          <a:noFill/>
+          <a:ln>
+            <a:noFill/>
+          </a:ln>
+          <a:effectLst/>
+          <a:extLst>
+            <a:ext uri="{909E8E84-426E-40DD-AFC4-6F175D3DCCD1}">
+              <a14:hiddenFill xmlns:a14="http://schemas.microsoft.com/office/drawing/2010/main">
+                <a:solidFill>
+                  <a:schemeClr val="accent1"/>
+                </a:solidFill>
+              </a14:hiddenFill>
+            </a:ext>
+            <a:ext uri="{91240B29-F687-4F45-9708-019B960494DF}">
+              <a14:hiddenLine xmlns:a14="http://schemas.microsoft.com/office/drawing/2010/main" w="9525">
+                <a:solidFill>
+                  <a:schemeClr val="tx1"/>
+                </a:solidFill>
+                <a:miter lim="800000"/>
+                <a:headEnd/>
+                <a:tailEnd/>
+              </a14:hiddenLine>
+            </a:ext>
+            <a:ext uri="{AF507438-7753-43E0-B8FC-AC1667EBCBE1}">
+              <a14:hiddenEffects xmlns:a14="http://schemas.microsoft.com/office/drawing/2010/main">
+                <a:effectLst>
+                  <a:outerShdw dist="35921" dir="2700000" algn="ctr" rotWithShape="0">
+                    <a:schemeClr val="bg2"/>
+                  </a:outerShdw>
+                </a:effectLst>
+              </a14:hiddenEffects>
+            </a:ext>
+          </a:extLst>
+        </p:spPr>
+      </p:pic>
+      <p:sp>
+        <p:nvSpPr>
+          <p:cNvPr id="4" name="AutoShape 2" descr="Resultado de imagem para ideia"/>
+          <p:cNvSpPr>
+            <a:spLocks noChangeAspect="1" noChangeArrowheads="1"/>
+          </p:cNvSpPr>
+          <p:nvPr/>
+        </p:nvSpPr>
+        <p:spPr bwMode="auto">
+          <a:xfrm>
+            <a:off x="155575" y="-144463"/>
+            <a:ext cx="304800" cy="304801"/>
+          </a:xfrm>
+          <a:prstGeom prst="rect">
+            <a:avLst/>
+          </a:prstGeom>
+          <a:noFill/>
+          <a:extLst>
+            <a:ext uri="{909E8E84-426E-40DD-AFC4-6F175D3DCCD1}">
+              <a14:hiddenFill xmlns:a14="http://schemas.microsoft.com/office/drawing/2010/main">
+                <a:solidFill>
+                  <a:srgbClr val="FFFFFF"/>
+                </a:solidFill>
+              </a14:hiddenFill>
+            </a:ext>
+          </a:extLst>
+        </p:spPr>
+        <p:txBody>
+          <a:bodyPr vert="horz" wrap="square" lIns="91440" tIns="45720" rIns="91440" bIns="45720" numCol="1" anchor="t" anchorCtr="0" compatLnSpc="1">
+            <a:prstTxWarp prst="textNoShape">
+              <a:avLst/>
+            </a:prstTxWarp>
+          </a:bodyPr>
+          <a:lstStyle/>
+          <a:p>
+            <a:endParaRPr lang="pt-BR"/>
+          </a:p>
+        </p:txBody>
+      </p:sp>
+      <p:pic>
+        <p:nvPicPr>
+          <p:cNvPr id="15363" name="Picture 3"/>
+          <p:cNvPicPr>
+            <a:picLocks noChangeAspect="1" noChangeArrowheads="1"/>
+          </p:cNvPicPr>
+          <p:nvPr/>
+        </p:nvPicPr>
+        <p:blipFill>
+          <a:blip r:embed="rId3">
+            <a:extLst>
+              <a:ext uri="{28A0092B-C50C-407E-A947-70E740481C1C}">
+                <a14:useLocalDpi xmlns:a14="http://schemas.microsoft.com/office/drawing/2010/main" val="0"/>
+              </a:ext>
+            </a:extLst>
+          </a:blip>
+          <a:srcRect/>
+          <a:stretch>
+            <a:fillRect/>
+          </a:stretch>
+        </p:blipFill>
+        <p:spPr bwMode="auto">
+          <a:xfrm>
+            <a:off x="2267744" y="3573016"/>
+            <a:ext cx="2143125" cy="2143125"/>
+          </a:xfrm>
+          <a:prstGeom prst="rect">
+            <a:avLst/>
+          </a:prstGeom>
+          <a:noFill/>
+          <a:ln>
+            <a:noFill/>
+          </a:ln>
+          <a:effectLst/>
+          <a:extLst>
+            <a:ext uri="{909E8E84-426E-40DD-AFC4-6F175D3DCCD1}">
+              <a14:hiddenFill xmlns:a14="http://schemas.microsoft.com/office/drawing/2010/main">
+                <a:solidFill>
+                  <a:schemeClr val="accent1"/>
+                </a:solidFill>
+              </a14:hiddenFill>
+            </a:ext>
+            <a:ext uri="{91240B29-F687-4F45-9708-019B960494DF}">
+              <a14:hiddenLine xmlns:a14="http://schemas.microsoft.com/office/drawing/2010/main" w="9525">
+                <a:solidFill>
+                  <a:schemeClr val="tx1"/>
+                </a:solidFill>
+                <a:miter lim="800000"/>
+                <a:headEnd/>
+                <a:tailEnd/>
+              </a14:hiddenLine>
+            </a:ext>
+            <a:ext uri="{AF507438-7753-43E0-B8FC-AC1667EBCBE1}">
+              <a14:hiddenEffects xmlns:a14="http://schemas.microsoft.com/office/drawing/2010/main">
+                <a:effectLst>
+                  <a:outerShdw dist="35921" dir="2700000" algn="ctr" rotWithShape="0">
+                    <a:schemeClr val="bg2"/>
+                  </a:outerShdw>
+                </a:effectLst>
+              </a14:hiddenEffects>
+            </a:ext>
+          </a:extLst>
+        </p:spPr>
+      </p:pic>
+    </p:spTree>
+    <p:extLst>
+      <p:ext uri="{BB962C8B-B14F-4D97-AF65-F5344CB8AC3E}">
+        <p14:creationId xmlns:p14="http://schemas.microsoft.com/office/powerpoint/2010/main" val="4088217876"/>
+      </p:ext>
+    </p:extLst>
+  </p:cSld>
+  <p:clrMapOvr>
+    <a:masterClrMapping/>
+  </p:clrMapOvr>
+</p:sld>
+</file>
+
+<file path=ppt/slides/slide18.xml><?xml version="1.0" encoding="utf-8"?>
+<p:sld xmlns:a="http://schemas.openxmlformats.org/drawingml/2006/main" xmlns:r="http://schemas.openxmlformats.org/officeDocument/2006/relationships" xmlns:p="http://schemas.openxmlformats.org/presentationml/2006/main">
+  <p:cSld>
+    <p:spTree>
+      <p:nvGrpSpPr>
+        <p:cNvPr id="1" name=""/>
+        <p:cNvGrpSpPr/>
+        <p:nvPr/>
+      </p:nvGrpSpPr>
+      <p:grpSpPr>
+        <a:xfrm>
+          <a:off x="0" y="0"/>
+          <a:ext cx="0" cy="0"/>
+          <a:chOff x="0" y="0"/>
+          <a:chExt cx="0" cy="0"/>
+        </a:xfrm>
+      </p:grpSpPr>
+      <p:sp>
+        <p:nvSpPr>
+          <p:cNvPr id="2" name="Título 1"/>
+          <p:cNvSpPr>
+            <a:spLocks noGrp="1"/>
+          </p:cNvSpPr>
+          <p:nvPr>
+            <p:ph type="title"/>
+          </p:nvPr>
+        </p:nvSpPr>
+        <p:spPr/>
+        <p:txBody>
+          <a:bodyPr/>
+          <a:lstStyle/>
+          <a:p>
+            <a:r>
+              <a:rPr lang="pt-BR" dirty="0" smtClean="0"/>
+              <a:t>O Estágio</a:t>
+            </a:r>
+            <a:endParaRPr lang="pt-BR" dirty="0"/>
+          </a:p>
+        </p:txBody>
+      </p:sp>
+      <p:sp>
+        <p:nvSpPr>
+          <p:cNvPr id="3" name="Espaço Reservado para Conteúdo 2"/>
+          <p:cNvSpPr>
+            <a:spLocks noGrp="1"/>
+          </p:cNvSpPr>
+          <p:nvPr>
+            <p:ph idx="1"/>
+          </p:nvPr>
+        </p:nvSpPr>
+        <p:spPr>
+          <a:xfrm>
+            <a:off x="1463040" y="1844824"/>
+            <a:ext cx="6196405" cy="3878245"/>
+          </a:xfrm>
+        </p:spPr>
+        <p:txBody>
+          <a:bodyPr/>
+          <a:lstStyle/>
+          <a:p>
+            <a:r>
+              <a:rPr lang="pt-BR" dirty="0" smtClean="0"/>
+              <a:t>Contato com Tenente Coronel Policarpo.</a:t>
+            </a:r>
+          </a:p>
+          <a:p>
+            <a:r>
+              <a:rPr lang="pt-BR" dirty="0" smtClean="0"/>
+              <a:t>Pois não tinha possibilidade de fazer em outra lugar sem atrasar o curso.</a:t>
+            </a:r>
+          </a:p>
+          <a:p>
+            <a:r>
+              <a:rPr lang="pt-BR" dirty="0" smtClean="0"/>
+              <a:t>Onde: SDS no setor GTI </a:t>
+            </a:r>
+          </a:p>
+          <a:p>
+            <a:r>
+              <a:rPr lang="pt-BR" dirty="0" smtClean="0"/>
+              <a:t>Quando: de </a:t>
+            </a:r>
+            <a:r>
+              <a:rPr lang="pt-BR" dirty="0" err="1" smtClean="0"/>
+              <a:t>seg</a:t>
+            </a:r>
+            <a:r>
+              <a:rPr lang="pt-BR" dirty="0" smtClean="0"/>
+              <a:t> a sex com a mesma flexibilidade de horários.</a:t>
+            </a:r>
+          </a:p>
+          <a:p>
+            <a:r>
+              <a:rPr lang="pt-BR" dirty="0" smtClean="0"/>
+              <a:t>A intensão dele é formar equipe de Desenvolvedores;</a:t>
+            </a:r>
+            <a:endParaRPr lang="pt-BR" dirty="0"/>
+          </a:p>
+        </p:txBody>
+      </p:sp>
+    </p:spTree>
+    <p:extLst>
+      <p:ext uri="{BB962C8B-B14F-4D97-AF65-F5344CB8AC3E}">
+        <p14:creationId xmlns:p14="http://schemas.microsoft.com/office/powerpoint/2010/main" val="2461417771"/>
+      </p:ext>
+    </p:extLst>
+  </p:cSld>
+  <p:clrMapOvr>
+    <a:masterClrMapping/>
+  </p:clrMapOvr>
+  <p:timing>
+    <p:tnLst>
+      <p:par>
+        <p:cTn id="1" dur="indefinite" restart="never" nodeType="tmRoot"/>
+      </p:par>
+    </p:tnLst>
+  </p:timing>
+</p:sld>
+</file>
+
+<file path=ppt/slides/slide19.xml><?xml version="1.0" encoding="utf-8"?>
+<p:sld xmlns:a="http://schemas.openxmlformats.org/drawingml/2006/main" xmlns:r="http://schemas.openxmlformats.org/officeDocument/2006/relationships" xmlns:p="http://schemas.openxmlformats.org/presentationml/2006/main">
+  <p:cSld>
+    <p:spTree>
+      <p:nvGrpSpPr>
+        <p:cNvPr id="1" name=""/>
+        <p:cNvGrpSpPr/>
+        <p:nvPr/>
+      </p:nvGrpSpPr>
+      <p:grpSpPr>
+        <a:xfrm>
+          <a:off x="0" y="0"/>
+          <a:ext cx="0" cy="0"/>
+          <a:chOff x="0" y="0"/>
+          <a:chExt cx="0" cy="0"/>
+        </a:xfrm>
+      </p:grpSpPr>
+      <p:sp>
+        <p:nvSpPr>
+          <p:cNvPr id="2" name="Título 1"/>
+          <p:cNvSpPr>
+            <a:spLocks noGrp="1"/>
+          </p:cNvSpPr>
+          <p:nvPr>
+            <p:ph type="title"/>
+          </p:nvPr>
+        </p:nvSpPr>
+        <p:spPr>
+          <a:xfrm>
+            <a:off x="1115616" y="764704"/>
+            <a:ext cx="6965245" cy="895323"/>
+          </a:xfrm>
+        </p:spPr>
+        <p:txBody>
+          <a:bodyPr/>
+          <a:lstStyle/>
+          <a:p>
+            <a:r>
+              <a:rPr lang="pt-BR" dirty="0" smtClean="0"/>
+              <a:t>Modelo Lógico</a:t>
+            </a:r>
+            <a:endParaRPr lang="pt-BR" dirty="0"/>
+          </a:p>
+        </p:txBody>
+      </p:sp>
+      <p:pic>
+        <p:nvPicPr>
+          <p:cNvPr id="4" name="Espaço Reservado para Conteúdo 3"/>
+          <p:cNvPicPr>
+            <a:picLocks noGrp="1" noChangeAspect="1"/>
+          </p:cNvPicPr>
+          <p:nvPr>
+            <p:ph idx="1"/>
+          </p:nvPr>
+        </p:nvPicPr>
+        <p:blipFill>
+          <a:blip r:embed="rId2" cstate="print">
+            <a:extLst>
+              <a:ext uri="{28A0092B-C50C-407E-A947-70E740481C1C}">
+                <a14:useLocalDpi xmlns:a14="http://schemas.microsoft.com/office/drawing/2010/main" val="0"/>
+              </a:ext>
+            </a:extLst>
+          </a:blip>
+          <a:stretch>
+            <a:fillRect/>
+          </a:stretch>
+        </p:blipFill>
+        <p:spPr>
+          <a:xfrm>
+            <a:off x="1619672" y="1556792"/>
+            <a:ext cx="6048672" cy="4677011"/>
+          </a:xfrm>
+        </p:spPr>
+      </p:pic>
+    </p:spTree>
+    <p:extLst>
+      <p:ext uri="{BB962C8B-B14F-4D97-AF65-F5344CB8AC3E}">
+        <p14:creationId xmlns:p14="http://schemas.microsoft.com/office/powerpoint/2010/main" val="477087915"/>
+      </p:ext>
+    </p:extLst>
+  </p:cSld>
+  <p:clrMapOvr>
+    <a:masterClrMapping/>
+  </p:clrMapOvr>
+  <p:timing>
+    <p:tnLst>
+      <p:par>
+        <p:cTn id="1" dur="indefinite" restart="never" nodeType="tmRoot"/>
+      </p:par>
+    </p:tnLst>
+  </p:timing>
+</p:sld>
+</file>
+
+<file path=ppt/slides/slide2.xml><?xml version="1.0" encoding="utf-8"?>
+<p:sld xmlns:a="http://schemas.openxmlformats.org/drawingml/2006/main" xmlns:r="http://schemas.openxmlformats.org/officeDocument/2006/relationships" xmlns:p="http://schemas.openxmlformats.org/presentationml/2006/main">
+  <p:cSld>
+    <p:spTree>
+      <p:nvGrpSpPr>
+        <p:cNvPr id="1" name=""/>
+        <p:cNvGrpSpPr/>
+        <p:nvPr/>
+      </p:nvGrpSpPr>
+      <p:grpSpPr>
+        <a:xfrm>
+          <a:off x="0" y="0"/>
+          <a:ext cx="0" cy="0"/>
+          <a:chOff x="0" y="0"/>
+          <a:chExt cx="0" cy="0"/>
+        </a:xfrm>
+      </p:grpSpPr>
+      <p:sp>
+        <p:nvSpPr>
+          <p:cNvPr id="2" name="Título 1"/>
+          <p:cNvSpPr>
+            <a:spLocks noGrp="1"/>
+          </p:cNvSpPr>
+          <p:nvPr>
+            <p:ph type="title"/>
+          </p:nvPr>
+        </p:nvSpPr>
+        <p:spPr/>
+        <p:txBody>
+          <a:bodyPr/>
+          <a:lstStyle/>
+          <a:p>
+            <a:r>
+              <a:rPr lang="pt-BR" dirty="0" smtClean="0"/>
+              <a:t>Sobre mim... ???</a:t>
+            </a:r>
+            <a:endParaRPr lang="pt-BR" dirty="0"/>
+          </a:p>
+        </p:txBody>
+      </p:sp>
+      <p:sp>
+        <p:nvSpPr>
+          <p:cNvPr id="3" name="Espaço Reservado para Conteúdo 2"/>
+          <p:cNvSpPr>
+            <a:spLocks noGrp="1"/>
+          </p:cNvSpPr>
+          <p:nvPr>
+            <p:ph idx="1"/>
+          </p:nvPr>
+        </p:nvSpPr>
+        <p:spPr/>
+        <p:txBody>
+          <a:bodyPr/>
+          <a:lstStyle/>
+          <a:p>
+            <a:r>
+              <a:rPr lang="pt-BR" dirty="0" smtClean="0"/>
+              <a:t>Policial Militar (Soldado) desde 10 de agosto de 2010.</a:t>
+            </a:r>
+          </a:p>
+          <a:p>
+            <a:pPr marL="0" indent="0">
+              <a:buNone/>
+            </a:pPr>
+            <a:endParaRPr lang="pt-BR" dirty="0" smtClean="0"/>
+          </a:p>
+          <a:p>
+            <a:r>
+              <a:rPr lang="pt-BR" dirty="0" smtClean="0"/>
+              <a:t>Há aproximadamente 3 anos trabalhando no setor de Patrimônio;</a:t>
+            </a:r>
+          </a:p>
+          <a:p>
+            <a:endParaRPr lang="pt-BR" dirty="0" smtClean="0"/>
+          </a:p>
+          <a:p>
+            <a:endParaRPr lang="pt-BR" dirty="0"/>
+          </a:p>
+        </p:txBody>
+      </p:sp>
+    </p:spTree>
+    <p:extLst>
+      <p:ext uri="{BB962C8B-B14F-4D97-AF65-F5344CB8AC3E}">
+        <p14:creationId xmlns:p14="http://schemas.microsoft.com/office/powerpoint/2010/main" val="664999865"/>
+      </p:ext>
+    </p:extLst>
+  </p:cSld>
+  <p:clrMapOvr>
+    <a:masterClrMapping/>
+  </p:clrMapOvr>
+  <p:timing>
+    <p:tnLst>
+      <p:par>
+        <p:cTn id="1" dur="indefinite" restart="never" nodeType="tmRoot"/>
+      </p:par>
+    </p:tnLst>
+  </p:timing>
+</p:sld>
+</file>
+
+<file path=ppt/slides/slide20.xml><?xml version="1.0" encoding="utf-8"?>
+<p:sld xmlns:a="http://schemas.openxmlformats.org/drawingml/2006/main" xmlns:r="http://schemas.openxmlformats.org/officeDocument/2006/relationships" xmlns:p="http://schemas.openxmlformats.org/presentationml/2006/main">
+  <p:cSld>
+    <p:spTree>
+      <p:nvGrpSpPr>
+        <p:cNvPr id="1" name=""/>
+        <p:cNvGrpSpPr/>
+        <p:nvPr/>
+      </p:nvGrpSpPr>
+      <p:grpSpPr>
+        <a:xfrm>
+          <a:off x="0" y="0"/>
+          <a:ext cx="0" cy="0"/>
+          <a:chOff x="0" y="0"/>
+          <a:chExt cx="0" cy="0"/>
+        </a:xfrm>
+      </p:grpSpPr>
+      <p:sp>
+        <p:nvSpPr>
+          <p:cNvPr id="2" name="Título 1"/>
+          <p:cNvSpPr>
+            <a:spLocks noGrp="1"/>
+          </p:cNvSpPr>
+          <p:nvPr>
+            <p:ph type="title"/>
+          </p:nvPr>
+        </p:nvSpPr>
+        <p:spPr/>
+        <p:txBody>
+          <a:bodyPr/>
+          <a:lstStyle/>
+          <a:p>
+            <a:r>
+              <a:rPr lang="pt-BR" dirty="0" smtClean="0"/>
+              <a:t>Modelo Físico</a:t>
+            </a:r>
+            <a:endParaRPr lang="pt-BR" dirty="0"/>
+          </a:p>
+        </p:txBody>
+      </p:sp>
+      <p:sp>
+        <p:nvSpPr>
+          <p:cNvPr id="3" name="Espaço Reservado para Conteúdo 2"/>
+          <p:cNvSpPr>
+            <a:spLocks noGrp="1"/>
+          </p:cNvSpPr>
+          <p:nvPr>
+            <p:ph idx="1"/>
+          </p:nvPr>
+        </p:nvSpPr>
+        <p:spPr/>
+        <p:txBody>
+          <a:bodyPr/>
+          <a:lstStyle/>
+          <a:p>
+            <a:r>
+              <a:rPr lang="pt-BR" dirty="0" smtClean="0"/>
+              <a:t>No arquivo.</a:t>
+            </a:r>
+            <a:endParaRPr lang="pt-BR" dirty="0"/>
+          </a:p>
+        </p:txBody>
+      </p:sp>
+    </p:spTree>
+    <p:extLst>
+      <p:ext uri="{BB962C8B-B14F-4D97-AF65-F5344CB8AC3E}">
+        <p14:creationId xmlns:p14="http://schemas.microsoft.com/office/powerpoint/2010/main" val="3752493344"/>
+      </p:ext>
+    </p:extLst>
+  </p:cSld>
+  <p:clrMapOvr>
+    <a:masterClrMapping/>
+  </p:clrMapOvr>
+</p:sld>
+</file>
+
+<file path=ppt/slides/slide3.xml><?xml version="1.0" encoding="utf-8"?>
+<p:sld xmlns:a="http://schemas.openxmlformats.org/drawingml/2006/main" xmlns:r="http://schemas.openxmlformats.org/officeDocument/2006/relationships" xmlns:p="http://schemas.openxmlformats.org/presentationml/2006/main">
+  <p:cSld>
+    <p:spTree>
+      <p:nvGrpSpPr>
+        <p:cNvPr id="1" name=""/>
+        <p:cNvGrpSpPr/>
+        <p:nvPr/>
+      </p:nvGrpSpPr>
+      <p:grpSpPr>
+        <a:xfrm>
+          <a:off x="0" y="0"/>
+          <a:ext cx="0" cy="0"/>
+          <a:chOff x="0" y="0"/>
+          <a:chExt cx="0" cy="0"/>
+        </a:xfrm>
+      </p:grpSpPr>
+      <p:pic>
+        <p:nvPicPr>
+          <p:cNvPr id="2050" name="Picture 2" descr="Resultado de imagem para ideia"/>
+          <p:cNvPicPr>
+            <a:picLocks noChangeAspect="1" noChangeArrowheads="1"/>
+          </p:cNvPicPr>
+          <p:nvPr/>
+        </p:nvPicPr>
+        <p:blipFill>
+          <a:blip r:embed="rId2" cstate="print">
+            <a:extLst>
+              <a:ext uri="{28A0092B-C50C-407E-A947-70E740481C1C}">
+                <a14:useLocalDpi xmlns:a14="http://schemas.microsoft.com/office/drawing/2010/main" val="0"/>
+              </a:ext>
+            </a:extLst>
+          </a:blip>
+          <a:srcRect/>
+          <a:stretch>
+            <a:fillRect/>
+          </a:stretch>
+        </p:blipFill>
+        <p:spPr bwMode="auto">
+          <a:xfrm>
+            <a:off x="4270548" y="569379"/>
+            <a:ext cx="2533700" cy="1707493"/>
+          </a:xfrm>
+          <a:prstGeom prst="rect">
+            <a:avLst/>
+          </a:prstGeom>
+          <a:noFill/>
+          <a:ln>
+            <a:noFill/>
+          </a:ln>
+          <a:extLst>
+            <a:ext uri="{909E8E84-426E-40DD-AFC4-6F175D3DCCD1}">
+              <a14:hiddenFill xmlns:a14="http://schemas.microsoft.com/office/drawing/2010/main">
+                <a:solidFill>
+                  <a:srgbClr val="FFFFFF"/>
+                </a:solidFill>
+              </a14:hiddenFill>
+            </a:ext>
+          </a:extLst>
+        </p:spPr>
+      </p:pic>
+      <p:sp>
+        <p:nvSpPr>
+          <p:cNvPr id="2" name="Título 1"/>
+          <p:cNvSpPr>
+            <a:spLocks noGrp="1"/>
+          </p:cNvSpPr>
+          <p:nvPr>
+            <p:ph type="title"/>
+          </p:nvPr>
+        </p:nvSpPr>
+        <p:spPr>
+          <a:xfrm>
+            <a:off x="1095023" y="817582"/>
+            <a:ext cx="4053041" cy="1202485"/>
+          </a:xfrm>
+        </p:spPr>
+        <p:txBody>
+          <a:bodyPr/>
+          <a:lstStyle/>
+          <a:p>
+            <a:r>
+              <a:rPr lang="pt-BR" dirty="0" smtClean="0"/>
+              <a:t>Ideia ?</a:t>
+            </a:r>
+            <a:endParaRPr lang="pt-BR" dirty="0"/>
+          </a:p>
+        </p:txBody>
+      </p:sp>
+      <p:sp>
+        <p:nvSpPr>
+          <p:cNvPr id="3" name="Espaço Reservado para Conteúdo 2"/>
+          <p:cNvSpPr>
+            <a:spLocks noGrp="1"/>
+          </p:cNvSpPr>
+          <p:nvPr>
+            <p:ph idx="1"/>
+          </p:nvPr>
+        </p:nvSpPr>
+        <p:spPr>
+          <a:xfrm>
+            <a:off x="1463040" y="2420887"/>
+            <a:ext cx="6196405" cy="3302181"/>
+          </a:xfrm>
+        </p:spPr>
+        <p:txBody>
+          <a:bodyPr/>
+          <a:lstStyle/>
+          <a:p>
+            <a:r>
+              <a:rPr lang="pt-BR" dirty="0" smtClean="0"/>
+              <a:t>O Objetivo principal é desenvolver um Sistema de Controle de Patrimônio;</a:t>
+            </a:r>
+          </a:p>
+          <a:p>
+            <a:pPr marL="0" indent="0">
+              <a:buNone/>
+            </a:pPr>
+            <a:endParaRPr lang="pt-BR" dirty="0" smtClean="0"/>
+          </a:p>
+          <a:p>
+            <a:r>
+              <a:rPr lang="pt-BR" dirty="0" smtClean="0"/>
+              <a:t>Ou ao menos iniciasse um Projeto para este fim;</a:t>
+            </a:r>
+          </a:p>
+          <a:p>
+            <a:endParaRPr lang="pt-BR" dirty="0"/>
+          </a:p>
+        </p:txBody>
+      </p:sp>
+    </p:spTree>
+    <p:extLst>
+      <p:ext uri="{BB962C8B-B14F-4D97-AF65-F5344CB8AC3E}">
+        <p14:creationId xmlns:p14="http://schemas.microsoft.com/office/powerpoint/2010/main" val="2457192883"/>
+      </p:ext>
+    </p:extLst>
+  </p:cSld>
+  <p:clrMapOvr>
+    <a:masterClrMapping/>
+  </p:clrMapOvr>
+  <p:timing>
+    <p:tnLst>
+      <p:par>
+        <p:cTn id="1" dur="indefinite" restart="never" nodeType="tmRoot"/>
+      </p:par>
+    </p:tnLst>
+  </p:timing>
+</p:sld>
+</file>
+
+<file path=ppt/slides/slide4.xml><?xml version="1.0" encoding="utf-8"?>
+<p:sld xmlns:a="http://schemas.openxmlformats.org/drawingml/2006/main" xmlns:r="http://schemas.openxmlformats.org/officeDocument/2006/relationships" xmlns:p="http://schemas.openxmlformats.org/presentationml/2006/main">
+  <p:cSld>
+    <p:spTree>
+      <p:nvGrpSpPr>
+        <p:cNvPr id="1" name=""/>
+        <p:cNvGrpSpPr/>
+        <p:nvPr/>
+      </p:nvGrpSpPr>
+      <p:grpSpPr>
+        <a:xfrm>
+          <a:off x="0" y="0"/>
+          <a:ext cx="0" cy="0"/>
+          <a:chOff x="0" y="0"/>
+          <a:chExt cx="0" cy="0"/>
+        </a:xfrm>
+      </p:grpSpPr>
+      <p:sp>
+        <p:nvSpPr>
+          <p:cNvPr id="2" name="Título 1"/>
+          <p:cNvSpPr>
+            <a:spLocks noGrp="1"/>
+          </p:cNvSpPr>
+          <p:nvPr>
+            <p:ph type="title"/>
+          </p:nvPr>
+        </p:nvSpPr>
+        <p:spPr/>
+        <p:txBody>
+          <a:bodyPr/>
+          <a:lstStyle/>
+          <a:p>
+            <a:r>
+              <a:rPr lang="pt-BR" dirty="0" smtClean="0"/>
+              <a:t>Motivo da ideia...</a:t>
+            </a:r>
+            <a:endParaRPr lang="pt-BR" dirty="0"/>
+          </a:p>
+        </p:txBody>
+      </p:sp>
+      <p:sp>
+        <p:nvSpPr>
+          <p:cNvPr id="3" name="Espaço Reservado para Conteúdo 2"/>
+          <p:cNvSpPr>
+            <a:spLocks noGrp="1"/>
+          </p:cNvSpPr>
+          <p:nvPr>
+            <p:ph idx="1"/>
+          </p:nvPr>
+        </p:nvSpPr>
+        <p:spPr/>
+        <p:txBody>
+          <a:bodyPr/>
+          <a:lstStyle/>
+          <a:p>
+            <a:r>
+              <a:rPr lang="pt-BR" dirty="0" smtClean="0"/>
+              <a:t>3 anos já dá pra perceber os problemas que atrapalhavam o serviço (citar):</a:t>
+            </a:r>
+          </a:p>
+          <a:p>
+            <a:endParaRPr lang="pt-BR" dirty="0" smtClean="0"/>
+          </a:p>
+          <a:p>
+            <a:endParaRPr lang="pt-BR" dirty="0"/>
+          </a:p>
+        </p:txBody>
+      </p:sp>
+    </p:spTree>
+    <p:extLst>
+      <p:ext uri="{BB962C8B-B14F-4D97-AF65-F5344CB8AC3E}">
+        <p14:creationId xmlns:p14="http://schemas.microsoft.com/office/powerpoint/2010/main" val="3029364098"/>
+      </p:ext>
+    </p:extLst>
+  </p:cSld>
+  <p:clrMapOvr>
+    <a:masterClrMapping/>
+  </p:clrMapOvr>
+  <p:timing>
+    <p:tnLst>
+      <p:par>
+        <p:cTn id="1" dur="indefinite" restart="never" nodeType="tmRoot"/>
+      </p:par>
+    </p:tnLst>
+  </p:timing>
+</p:sld>
+</file>
+
+<file path=ppt/slides/slide5.xml><?xml version="1.0" encoding="utf-8"?>
+<p:sld xmlns:a="http://schemas.openxmlformats.org/drawingml/2006/main" xmlns:r="http://schemas.openxmlformats.org/officeDocument/2006/relationships" xmlns:p="http://schemas.openxmlformats.org/presentationml/2006/main">
+  <p:cSld>
+    <p:spTree>
+      <p:nvGrpSpPr>
+        <p:cNvPr id="1" name=""/>
+        <p:cNvGrpSpPr/>
+        <p:nvPr/>
+      </p:nvGrpSpPr>
+      <p:grpSpPr>
+        <a:xfrm>
+          <a:off x="0" y="0"/>
+          <a:ext cx="0" cy="0"/>
+          <a:chOff x="0" y="0"/>
+          <a:chExt cx="0" cy="0"/>
+        </a:xfrm>
+      </p:grpSpPr>
+      <p:sp>
+        <p:nvSpPr>
+          <p:cNvPr id="2" name="Título 1"/>
+          <p:cNvSpPr>
+            <a:spLocks noGrp="1"/>
+          </p:cNvSpPr>
+          <p:nvPr>
+            <p:ph type="title"/>
+          </p:nvPr>
+        </p:nvSpPr>
+        <p:spPr/>
+        <p:txBody>
+          <a:bodyPr/>
+          <a:lstStyle/>
+          <a:p>
+            <a:r>
+              <a:rPr lang="pt-BR" dirty="0" smtClean="0"/>
+              <a:t>Motivo da ideia...</a:t>
+            </a:r>
+            <a:endParaRPr lang="pt-BR" dirty="0"/>
+          </a:p>
+        </p:txBody>
+      </p:sp>
+      <p:sp>
+        <p:nvSpPr>
+          <p:cNvPr id="3" name="Espaço Reservado para Conteúdo 2"/>
+          <p:cNvSpPr>
+            <a:spLocks noGrp="1"/>
+          </p:cNvSpPr>
+          <p:nvPr>
+            <p:ph idx="1"/>
+          </p:nvPr>
+        </p:nvSpPr>
+        <p:spPr/>
+        <p:txBody>
+          <a:bodyPr/>
+          <a:lstStyle/>
+          <a:p>
+            <a:r>
+              <a:rPr lang="pt-BR" dirty="0" smtClean="0"/>
+              <a:t>3 anos já dá pra perceber os problemas que atrapalhavam o serviço (citar):</a:t>
+            </a:r>
+          </a:p>
+          <a:p>
+            <a:r>
+              <a:rPr lang="pt-BR" sz="2000" b="1" u="sng" dirty="0" smtClean="0"/>
+              <a:t>Papeis e mais papeis;</a:t>
+            </a:r>
+          </a:p>
+          <a:p>
+            <a:endParaRPr lang="pt-BR" dirty="0" smtClean="0"/>
+          </a:p>
+          <a:p>
+            <a:endParaRPr lang="pt-BR" dirty="0"/>
+          </a:p>
+        </p:txBody>
+      </p:sp>
+      <p:pic>
+        <p:nvPicPr>
+          <p:cNvPr id="3074" name="Picture 2"/>
+          <p:cNvPicPr>
+            <a:picLocks noChangeAspect="1" noChangeArrowheads="1"/>
+          </p:cNvPicPr>
+          <p:nvPr/>
+        </p:nvPicPr>
+        <p:blipFill>
+          <a:blip r:embed="rId2" cstate="print">
+            <a:extLst>
+              <a:ext uri="{28A0092B-C50C-407E-A947-70E740481C1C}">
+                <a14:useLocalDpi xmlns:a14="http://schemas.microsoft.com/office/drawing/2010/main" val="0"/>
+              </a:ext>
+            </a:extLst>
+          </a:blip>
+          <a:srcRect/>
+          <a:stretch>
+            <a:fillRect/>
+          </a:stretch>
+        </p:blipFill>
+        <p:spPr bwMode="auto">
+          <a:xfrm>
+            <a:off x="2699792" y="3388944"/>
+            <a:ext cx="4032448" cy="2688298"/>
+          </a:xfrm>
+          <a:prstGeom prst="rect">
+            <a:avLst/>
+          </a:prstGeom>
+          <a:noFill/>
+          <a:ln>
+            <a:noFill/>
+          </a:ln>
+          <a:effectLst/>
+          <a:extLst>
+            <a:ext uri="{909E8E84-426E-40DD-AFC4-6F175D3DCCD1}">
+              <a14:hiddenFill xmlns:a14="http://schemas.microsoft.com/office/drawing/2010/main">
+                <a:solidFill>
+                  <a:schemeClr val="accent1"/>
+                </a:solidFill>
+              </a14:hiddenFill>
+            </a:ext>
+            <a:ext uri="{91240B29-F687-4F45-9708-019B960494DF}">
+              <a14:hiddenLine xmlns:a14="http://schemas.microsoft.com/office/drawing/2010/main" w="9525">
+                <a:solidFill>
+                  <a:schemeClr val="tx1"/>
+                </a:solidFill>
+                <a:miter lim="800000"/>
+                <a:headEnd/>
+                <a:tailEnd/>
+              </a14:hiddenLine>
+            </a:ext>
+            <a:ext uri="{AF507438-7753-43E0-B8FC-AC1667EBCBE1}">
+              <a14:hiddenEffects xmlns:a14="http://schemas.microsoft.com/office/drawing/2010/main">
+                <a:effectLst>
+                  <a:outerShdw dist="35921" dir="2700000" algn="ctr" rotWithShape="0">
+                    <a:schemeClr val="bg2"/>
+                  </a:outerShdw>
+                </a:effectLst>
+              </a14:hiddenEffects>
+            </a:ext>
+          </a:extLst>
+        </p:spPr>
+      </p:pic>
+    </p:spTree>
+    <p:extLst>
+      <p:ext uri="{BB962C8B-B14F-4D97-AF65-F5344CB8AC3E}">
+        <p14:creationId xmlns:p14="http://schemas.microsoft.com/office/powerpoint/2010/main" val="3431350655"/>
+      </p:ext>
+    </p:extLst>
+  </p:cSld>
+  <p:clrMapOvr>
+    <a:masterClrMapping/>
+  </p:clrMapOvr>
+  <p:timing>
+    <p:tnLst>
+      <p:par>
+        <p:cTn id="1" dur="indefinite" restart="never" nodeType="tmRoot"/>
+      </p:par>
+    </p:tnLst>
+  </p:timing>
+</p:sld>
+</file>
+
+<file path=ppt/slides/slide6.xml><?xml version="1.0" encoding="utf-8"?>
+<p:sld xmlns:a="http://schemas.openxmlformats.org/drawingml/2006/main" xmlns:r="http://schemas.openxmlformats.org/officeDocument/2006/relationships" xmlns:p="http://schemas.openxmlformats.org/presentationml/2006/main">
+  <p:cSld>
+    <p:spTree>
+      <p:nvGrpSpPr>
+        <p:cNvPr id="1" name=""/>
+        <p:cNvGrpSpPr/>
+        <p:nvPr/>
+      </p:nvGrpSpPr>
+      <p:grpSpPr>
+        <a:xfrm>
+          <a:off x="0" y="0"/>
+          <a:ext cx="0" cy="0"/>
+          <a:chOff x="0" y="0"/>
+          <a:chExt cx="0" cy="0"/>
+        </a:xfrm>
+      </p:grpSpPr>
+      <p:sp>
+        <p:nvSpPr>
+          <p:cNvPr id="2" name="Título 1"/>
+          <p:cNvSpPr>
+            <a:spLocks noGrp="1"/>
+          </p:cNvSpPr>
+          <p:nvPr>
+            <p:ph type="title"/>
+          </p:nvPr>
+        </p:nvSpPr>
+        <p:spPr/>
+        <p:txBody>
+          <a:bodyPr/>
+          <a:lstStyle/>
+          <a:p>
+            <a:r>
+              <a:rPr lang="pt-BR" dirty="0" smtClean="0"/>
+              <a:t>Motivo da ideia...</a:t>
+            </a:r>
+            <a:endParaRPr lang="pt-BR" dirty="0"/>
+          </a:p>
+        </p:txBody>
+      </p:sp>
+      <p:sp>
+        <p:nvSpPr>
+          <p:cNvPr id="3" name="Espaço Reservado para Conteúdo 2"/>
+          <p:cNvSpPr>
+            <a:spLocks noGrp="1"/>
+          </p:cNvSpPr>
+          <p:nvPr>
+            <p:ph idx="1"/>
+          </p:nvPr>
+        </p:nvSpPr>
+        <p:spPr/>
+        <p:txBody>
+          <a:bodyPr/>
+          <a:lstStyle/>
+          <a:p>
+            <a:r>
+              <a:rPr lang="pt-BR" dirty="0" smtClean="0"/>
+              <a:t>3 anos já dá pra perceber os problemas que atrapalhavam o serviço (citar):</a:t>
+            </a:r>
+          </a:p>
+          <a:p>
+            <a:r>
+              <a:rPr lang="pt-BR" sz="2000" b="1" u="sng" dirty="0" smtClean="0"/>
+              <a:t>Papeis e mais papeis;</a:t>
+            </a:r>
+          </a:p>
+          <a:p>
+            <a:r>
+              <a:rPr lang="pt-BR" sz="2000" b="1" u="sng" dirty="0" smtClean="0"/>
+              <a:t>Processos não seguidos corretamente;</a:t>
+            </a:r>
+          </a:p>
+          <a:p>
+            <a:endParaRPr lang="pt-BR" dirty="0" smtClean="0"/>
+          </a:p>
+          <a:p>
+            <a:endParaRPr lang="pt-BR" dirty="0"/>
+          </a:p>
+        </p:txBody>
+      </p:sp>
+      <p:pic>
+        <p:nvPicPr>
+          <p:cNvPr id="4098" name="Picture 2" descr="Gerenciar processos Ã© importante para as empresas? Por que?"/>
+          <p:cNvPicPr>
+            <a:picLocks noChangeAspect="1" noChangeArrowheads="1"/>
+          </p:cNvPicPr>
+          <p:nvPr/>
+        </p:nvPicPr>
+        <p:blipFill>
+          <a:blip r:embed="rId2">
+            <a:extLst>
+              <a:ext uri="{28A0092B-C50C-407E-A947-70E740481C1C}">
+                <a14:useLocalDpi xmlns:a14="http://schemas.microsoft.com/office/drawing/2010/main" val="0"/>
+              </a:ext>
+            </a:extLst>
+          </a:blip>
+          <a:srcRect/>
+          <a:stretch>
+            <a:fillRect/>
+          </a:stretch>
+        </p:blipFill>
+        <p:spPr bwMode="auto">
+          <a:xfrm>
+            <a:off x="2915816" y="3717031"/>
+            <a:ext cx="3456384" cy="2270739"/>
+          </a:xfrm>
+          <a:prstGeom prst="rect">
+            <a:avLst/>
+          </a:prstGeom>
+          <a:noFill/>
+          <a:extLst>
+            <a:ext uri="{909E8E84-426E-40DD-AFC4-6F175D3DCCD1}">
+              <a14:hiddenFill xmlns:a14="http://schemas.microsoft.com/office/drawing/2010/main">
+                <a:solidFill>
+                  <a:srgbClr val="FFFFFF"/>
+                </a:solidFill>
+              </a14:hiddenFill>
+            </a:ext>
+          </a:extLst>
+        </p:spPr>
+      </p:pic>
+    </p:spTree>
+    <p:extLst>
+      <p:ext uri="{BB962C8B-B14F-4D97-AF65-F5344CB8AC3E}">
+        <p14:creationId xmlns:p14="http://schemas.microsoft.com/office/powerpoint/2010/main" val="2428015173"/>
+      </p:ext>
+    </p:extLst>
+  </p:cSld>
+  <p:clrMapOvr>
+    <a:masterClrMapping/>
+  </p:clrMapOvr>
+  <p:timing>
+    <p:tnLst>
+      <p:par>
+        <p:cTn id="1" dur="indefinite" restart="never" nodeType="tmRoot"/>
+      </p:par>
+    </p:tnLst>
+  </p:timing>
+</p:sld>
+</file>
+
+<file path=ppt/slides/slide7.xml><?xml version="1.0" encoding="utf-8"?>
+<p:sld xmlns:a="http://schemas.openxmlformats.org/drawingml/2006/main" xmlns:r="http://schemas.openxmlformats.org/officeDocument/2006/relationships" xmlns:p="http://schemas.openxmlformats.org/presentationml/2006/main">
+  <p:cSld>
+    <p:spTree>
+      <p:nvGrpSpPr>
+        <p:cNvPr id="1" name=""/>
+        <p:cNvGrpSpPr/>
+        <p:nvPr/>
+      </p:nvGrpSpPr>
+      <p:grpSpPr>
+        <a:xfrm>
+          <a:off x="0" y="0"/>
+          <a:ext cx="0" cy="0"/>
+          <a:chOff x="0" y="0"/>
+          <a:chExt cx="0" cy="0"/>
+        </a:xfrm>
+      </p:grpSpPr>
+      <p:sp>
+        <p:nvSpPr>
+          <p:cNvPr id="2" name="Título 1"/>
+          <p:cNvSpPr>
+            <a:spLocks noGrp="1"/>
+          </p:cNvSpPr>
+          <p:nvPr>
+            <p:ph type="title"/>
+          </p:nvPr>
+        </p:nvSpPr>
+        <p:spPr/>
+        <p:txBody>
+          <a:bodyPr/>
+          <a:lstStyle/>
+          <a:p>
+            <a:r>
+              <a:rPr lang="pt-BR" dirty="0" smtClean="0"/>
+              <a:t>Motivo da ideia...</a:t>
+            </a:r>
+            <a:endParaRPr lang="pt-BR" dirty="0"/>
+          </a:p>
+        </p:txBody>
+      </p:sp>
+      <p:sp>
+        <p:nvSpPr>
+          <p:cNvPr id="3" name="Espaço Reservado para Conteúdo 2"/>
+          <p:cNvSpPr>
+            <a:spLocks noGrp="1"/>
+          </p:cNvSpPr>
+          <p:nvPr>
+            <p:ph idx="1"/>
+          </p:nvPr>
+        </p:nvSpPr>
+        <p:spPr/>
+        <p:txBody>
+          <a:bodyPr/>
+          <a:lstStyle/>
+          <a:p>
+            <a:r>
+              <a:rPr lang="pt-BR" dirty="0" smtClean="0"/>
+              <a:t>3 anos já dá pra perceber os problemas que atrapalhavam o serviço (citar):</a:t>
+            </a:r>
+          </a:p>
+          <a:p>
+            <a:r>
+              <a:rPr lang="pt-BR" sz="2000" b="1" u="sng" dirty="0" smtClean="0"/>
+              <a:t>Papeis e mais papeis;</a:t>
+            </a:r>
+          </a:p>
+          <a:p>
+            <a:r>
+              <a:rPr lang="pt-BR" sz="2000" b="1" u="sng" dirty="0" smtClean="0"/>
+              <a:t>Processos não seguidos corretamente;</a:t>
+            </a:r>
+          </a:p>
+          <a:p>
+            <a:r>
+              <a:rPr lang="pt-BR" sz="2000" b="1" u="sng" dirty="0" smtClean="0"/>
+              <a:t>A PM se baseia nos procedimentos da SAD, mas não segue à risca;</a:t>
+            </a:r>
+          </a:p>
+          <a:p>
+            <a:endParaRPr lang="pt-BR" dirty="0" smtClean="0"/>
+          </a:p>
+          <a:p>
+            <a:endParaRPr lang="pt-BR" dirty="0"/>
+          </a:p>
+        </p:txBody>
+      </p:sp>
+      <p:pic>
+        <p:nvPicPr>
+          <p:cNvPr id="5122" name="Picture 2"/>
+          <p:cNvPicPr>
+            <a:picLocks noChangeAspect="1" noChangeArrowheads="1"/>
+          </p:cNvPicPr>
+          <p:nvPr/>
+        </p:nvPicPr>
+        <p:blipFill>
+          <a:blip r:embed="rId2">
+            <a:extLst>
+              <a:ext uri="{28A0092B-C50C-407E-A947-70E740481C1C}">
+                <a14:useLocalDpi xmlns:a14="http://schemas.microsoft.com/office/drawing/2010/main" val="0"/>
+              </a:ext>
+            </a:extLst>
+          </a:blip>
+          <a:srcRect/>
+          <a:stretch>
+            <a:fillRect/>
+          </a:stretch>
+        </p:blipFill>
+        <p:spPr bwMode="auto">
+          <a:xfrm>
+            <a:off x="1835696" y="4363137"/>
+            <a:ext cx="5734050" cy="1228725"/>
+          </a:xfrm>
+          <a:prstGeom prst="rect">
+            <a:avLst/>
+          </a:prstGeom>
+          <a:noFill/>
+          <a:ln>
+            <a:noFill/>
+          </a:ln>
+          <a:effectLst/>
+          <a:extLst>
+            <a:ext uri="{909E8E84-426E-40DD-AFC4-6F175D3DCCD1}">
+              <a14:hiddenFill xmlns:a14="http://schemas.microsoft.com/office/drawing/2010/main">
+                <a:solidFill>
+                  <a:schemeClr val="accent1"/>
+                </a:solidFill>
+              </a14:hiddenFill>
+            </a:ext>
+            <a:ext uri="{91240B29-F687-4F45-9708-019B960494DF}">
+              <a14:hiddenLine xmlns:a14="http://schemas.microsoft.com/office/drawing/2010/main" w="9525">
+                <a:solidFill>
+                  <a:schemeClr val="tx1"/>
+                </a:solidFill>
+                <a:miter lim="800000"/>
+                <a:headEnd/>
+                <a:tailEnd/>
+              </a14:hiddenLine>
+            </a:ext>
+            <a:ext uri="{AF507438-7753-43E0-B8FC-AC1667EBCBE1}">
+              <a14:hiddenEffects xmlns:a14="http://schemas.microsoft.com/office/drawing/2010/main">
+                <a:effectLst>
+                  <a:outerShdw dist="35921" dir="2700000" algn="ctr" rotWithShape="0">
+                    <a:schemeClr val="bg2"/>
+                  </a:outerShdw>
+                </a:effectLst>
+              </a14:hiddenEffects>
+            </a:ext>
+          </a:extLst>
+        </p:spPr>
+      </p:pic>
+    </p:spTree>
+    <p:extLst>
+      <p:ext uri="{BB962C8B-B14F-4D97-AF65-F5344CB8AC3E}">
+        <p14:creationId xmlns:p14="http://schemas.microsoft.com/office/powerpoint/2010/main" val="535740671"/>
+      </p:ext>
+    </p:extLst>
+  </p:cSld>
+  <p:clrMapOvr>
+    <a:masterClrMapping/>
+  </p:clrMapOvr>
+  <p:timing>
+    <p:tnLst>
+      <p:par>
+        <p:cTn id="1" dur="indefinite" restart="never" nodeType="tmRoot"/>
+      </p:par>
+    </p:tnLst>
+  </p:timing>
+</p:sld>
+</file>
+
+<file path=ppt/slides/slide8.xml><?xml version="1.0" encoding="utf-8"?>
+<p:sld xmlns:a="http://schemas.openxmlformats.org/drawingml/2006/main" xmlns:r="http://schemas.openxmlformats.org/officeDocument/2006/relationships" xmlns:p="http://schemas.openxmlformats.org/presentationml/2006/main">
+  <p:cSld>
+    <p:spTree>
+      <p:nvGrpSpPr>
+        <p:cNvPr id="1" name=""/>
+        <p:cNvGrpSpPr/>
+        <p:nvPr/>
+      </p:nvGrpSpPr>
+      <p:grpSpPr>
+        <a:xfrm>
+          <a:off x="0" y="0"/>
+          <a:ext cx="0" cy="0"/>
+          <a:chOff x="0" y="0"/>
+          <a:chExt cx="0" cy="0"/>
+        </a:xfrm>
+      </p:grpSpPr>
+      <p:sp>
+        <p:nvSpPr>
+          <p:cNvPr id="2" name="Título 1"/>
+          <p:cNvSpPr>
+            <a:spLocks noGrp="1"/>
+          </p:cNvSpPr>
+          <p:nvPr>
+            <p:ph type="title"/>
+          </p:nvPr>
+        </p:nvSpPr>
+        <p:spPr/>
+        <p:txBody>
+          <a:bodyPr/>
+          <a:lstStyle/>
+          <a:p>
+            <a:r>
+              <a:rPr lang="pt-BR" dirty="0" smtClean="0"/>
+              <a:t>A SAD deu um passo...</a:t>
+            </a:r>
+            <a:endParaRPr lang="pt-BR" dirty="0"/>
+          </a:p>
+        </p:txBody>
+      </p:sp>
+      <p:pic>
+        <p:nvPicPr>
+          <p:cNvPr id="6148" name="Picture 4" descr="Resultado de imagem para andar figura"/>
+          <p:cNvPicPr>
+            <a:picLocks noChangeAspect="1" noChangeArrowheads="1"/>
+          </p:cNvPicPr>
+          <p:nvPr/>
+        </p:nvPicPr>
+        <p:blipFill>
+          <a:blip r:embed="rId2">
+            <a:extLst>
+              <a:ext uri="{28A0092B-C50C-407E-A947-70E740481C1C}">
+                <a14:useLocalDpi xmlns:a14="http://schemas.microsoft.com/office/drawing/2010/main" val="0"/>
+              </a:ext>
+            </a:extLst>
+          </a:blip>
+          <a:srcRect/>
+          <a:stretch>
+            <a:fillRect/>
+          </a:stretch>
+        </p:blipFill>
+        <p:spPr bwMode="auto">
+          <a:xfrm>
+            <a:off x="3491880" y="2708920"/>
+            <a:ext cx="2514600" cy="3429000"/>
+          </a:xfrm>
+          <a:prstGeom prst="rect">
+            <a:avLst/>
+          </a:prstGeom>
+          <a:noFill/>
+          <a:extLst>
+            <a:ext uri="{909E8E84-426E-40DD-AFC4-6F175D3DCCD1}">
+              <a14:hiddenFill xmlns:a14="http://schemas.microsoft.com/office/drawing/2010/main">
+                <a:solidFill>
+                  <a:srgbClr val="FFFFFF"/>
+                </a:solidFill>
+              </a14:hiddenFill>
+            </a:ext>
+          </a:extLst>
+        </p:spPr>
+      </p:pic>
+      <p:pic>
+        <p:nvPicPr>
+          <p:cNvPr id="6150" name="Picture 6" descr="Imagem relacionada"/>
+          <p:cNvPicPr>
+            <a:picLocks noChangeAspect="1" noChangeArrowheads="1"/>
+          </p:cNvPicPr>
+          <p:nvPr/>
+        </p:nvPicPr>
+        <p:blipFill>
+          <a:blip r:embed="rId3" cstate="print">
+            <a:extLst>
+              <a:ext uri="{28A0092B-C50C-407E-A947-70E740481C1C}">
+                <a14:useLocalDpi xmlns:a14="http://schemas.microsoft.com/office/drawing/2010/main" val="0"/>
+              </a:ext>
+            </a:extLst>
+          </a:blip>
+          <a:srcRect/>
+          <a:stretch>
+            <a:fillRect/>
+          </a:stretch>
+        </p:blipFill>
+        <p:spPr bwMode="auto">
+          <a:xfrm>
+            <a:off x="4308289" y="1700808"/>
+            <a:ext cx="881782" cy="881782"/>
+          </a:xfrm>
+          <a:prstGeom prst="rect">
+            <a:avLst/>
+          </a:prstGeom>
+          <a:noFill/>
+          <a:extLst>
+            <a:ext uri="{909E8E84-426E-40DD-AFC4-6F175D3DCCD1}">
+              <a14:hiddenFill xmlns:a14="http://schemas.microsoft.com/office/drawing/2010/main">
+                <a:solidFill>
+                  <a:srgbClr val="FFFFFF"/>
+                </a:solidFill>
+              </a14:hiddenFill>
+            </a:ext>
+          </a:extLst>
+        </p:spPr>
+      </p:pic>
+    </p:spTree>
+    <p:extLst>
+      <p:ext uri="{BB962C8B-B14F-4D97-AF65-F5344CB8AC3E}">
+        <p14:creationId xmlns:p14="http://schemas.microsoft.com/office/powerpoint/2010/main" val="1112763801"/>
+      </p:ext>
+    </p:extLst>
+  </p:cSld>
+  <p:clrMapOvr>
+    <a:masterClrMapping/>
+  </p:clrMapOvr>
+  <p:timing>
+    <p:tnLst>
+      <p:par>
+        <p:cTn id="1" dur="indefinite" restart="never" nodeType="tmRoot"/>
+      </p:par>
+    </p:tnLst>
+  </p:timing>
+</p:sld>
+</file>
+
+<file path=ppt/slides/slide9.xml><?xml version="1.0" encoding="utf-8"?>
+<p:sld xmlns:a="http://schemas.openxmlformats.org/drawingml/2006/main" xmlns:r="http://schemas.openxmlformats.org/officeDocument/2006/relationships" xmlns:p="http://schemas.openxmlformats.org/presentationml/2006/main">
+  <p:cSld>
+    <p:spTree>
+      <p:nvGrpSpPr>
+        <p:cNvPr id="1" name=""/>
+        <p:cNvGrpSpPr/>
+        <p:nvPr/>
+      </p:nvGrpSpPr>
+      <p:grpSpPr>
+        <a:xfrm>
+          <a:off x="0" y="0"/>
+          <a:ext cx="0" cy="0"/>
+          <a:chOff x="0" y="0"/>
+          <a:chExt cx="0" cy="0"/>
+        </a:xfrm>
+      </p:grpSpPr>
+      <p:sp>
+        <p:nvSpPr>
+          <p:cNvPr id="2" name="Título 1"/>
+          <p:cNvSpPr>
+            <a:spLocks noGrp="1"/>
+          </p:cNvSpPr>
+          <p:nvPr>
+            <p:ph type="title"/>
+          </p:nvPr>
+        </p:nvSpPr>
+        <p:spPr/>
+        <p:txBody>
+          <a:bodyPr/>
+          <a:lstStyle/>
+          <a:p>
+            <a:r>
+              <a:rPr lang="pt-BR" dirty="0" smtClean="0"/>
+              <a:t>A SAD deu um passo...</a:t>
+            </a:r>
+            <a:endParaRPr lang="pt-BR" dirty="0"/>
+          </a:p>
+        </p:txBody>
+      </p:sp>
+      <p:sp>
+        <p:nvSpPr>
+          <p:cNvPr id="3" name="Espaço Reservado para Conteúdo 2"/>
+          <p:cNvSpPr>
+            <a:spLocks noGrp="1"/>
+          </p:cNvSpPr>
+          <p:nvPr>
+            <p:ph idx="1"/>
+          </p:nvPr>
+        </p:nvSpPr>
+        <p:spPr>
+          <a:xfrm>
+            <a:off x="1475656" y="1700808"/>
+            <a:ext cx="6196405" cy="3603812"/>
+          </a:xfrm>
+        </p:spPr>
+        <p:txBody>
+          <a:bodyPr/>
+          <a:lstStyle/>
+          <a:p>
+            <a:r>
+              <a:rPr lang="pt-BR" dirty="0" smtClean="0"/>
+              <a:t>Criou uma planilha do Excel.</a:t>
+            </a:r>
+            <a:endParaRPr lang="pt-BR" dirty="0"/>
+          </a:p>
+        </p:txBody>
+      </p:sp>
+      <p:pic>
+        <p:nvPicPr>
+          <p:cNvPr id="5" name="Picture 2"/>
+          <p:cNvPicPr>
+            <a:picLocks noChangeAspect="1" noChangeArrowheads="1"/>
+          </p:cNvPicPr>
+          <p:nvPr/>
+        </p:nvPicPr>
+        <p:blipFill rotWithShape="1">
+          <a:blip r:embed="rId2">
+            <a:extLst>
+              <a:ext uri="{28A0092B-C50C-407E-A947-70E740481C1C}">
+                <a14:useLocalDpi xmlns:a14="http://schemas.microsoft.com/office/drawing/2010/main" val="0"/>
+              </a:ext>
+            </a:extLst>
+          </a:blip>
+          <a:srcRect l="19090" t="22069" r="19071" b="23242"/>
+          <a:stretch/>
+        </p:blipFill>
+        <p:spPr bwMode="auto">
+          <a:xfrm>
+            <a:off x="767919" y="2420888"/>
+            <a:ext cx="7632848" cy="3795177"/>
+          </a:xfrm>
+          <a:prstGeom prst="rect">
+            <a:avLst/>
+          </a:prstGeom>
+          <a:noFill/>
+          <a:ln>
+            <a:noFill/>
+          </a:ln>
+          <a:effectLst/>
+          <a:extLst>
+            <a:ext uri="{909E8E84-426E-40DD-AFC4-6F175D3DCCD1}">
+              <a14:hiddenFill xmlns:a14="http://schemas.microsoft.com/office/drawing/2010/main">
+                <a:solidFill>
+                  <a:schemeClr val="accent1"/>
+                </a:solidFill>
+              </a14:hiddenFill>
+            </a:ext>
+            <a:ext uri="{91240B29-F687-4F45-9708-019B960494DF}">
+              <a14:hiddenLine xmlns:a14="http://schemas.microsoft.com/office/drawing/2010/main" w="9525">
+                <a:solidFill>
+                  <a:schemeClr val="tx1"/>
+                </a:solidFill>
+                <a:miter lim="800000"/>
+                <a:headEnd/>
+                <a:tailEnd/>
+              </a14:hiddenLine>
+            </a:ext>
+            <a:ext uri="{AF507438-7753-43E0-B8FC-AC1667EBCBE1}">
+              <a14:hiddenEffects xmlns:a14="http://schemas.microsoft.com/office/drawing/2010/main">
+                <a:effectLst>
+                  <a:outerShdw dist="35921" dir="2700000" algn="ctr" rotWithShape="0">
+                    <a:schemeClr val="bg2"/>
+                  </a:outerShdw>
+                </a:effectLst>
+              </a14:hiddenEffects>
+            </a:ext>
+          </a:extLst>
+        </p:spPr>
+      </p:pic>
+    </p:spTree>
+    <p:extLst>
+      <p:ext uri="{BB962C8B-B14F-4D97-AF65-F5344CB8AC3E}">
+        <p14:creationId xmlns:p14="http://schemas.microsoft.com/office/powerpoint/2010/main" val="1529906341"/>
+      </p:ext>
+    </p:extLst>
+  </p:cSld>
+  <p:clrMapOvr>
+    <a:masterClrMapping/>
+  </p:clrMapOvr>
+  <p:timing>
+    <p:tnLst>
+      <p:par>
+        <p:cTn id="1" dur="indefinite" restart="never" nodeType="tmRoot"/>
+      </p:par>
+    </p:tnLst>
+  </p:timing>
+</p:sld>
+</file>
+
 <file path=ppt/theme/theme1.xml><?xml version="1.0" encoding="utf-8"?>
-<a:theme xmlns:a="http://schemas.openxmlformats.org/drawingml/2006/main" name="Tema do Office">
+<a:theme xmlns:a="http://schemas.openxmlformats.org/drawingml/2006/main" name="Pino">
   <a:themeElements>
-    <a:clrScheme name="Escritório">
+    <a:clrScheme name="Pino">
       <a:dk1>
         <a:sysClr val="windowText" lastClr="000000"/>
       </a:dk1>
@@ -3026,48 +8805,48 @@
         <a:sysClr val="window" lastClr="FFFFFF"/>
       </a:lt1>
       <a:dk2>
-        <a:srgbClr val="1F497D"/>
+        <a:srgbClr val="465E9C"/>
       </a:dk2>
       <a:lt2>
-        <a:srgbClr val="EEECE1"/>
+        <a:srgbClr val="CCDDEA"/>
       </a:lt2>
       <a:accent1>
-        <a:srgbClr val="4F81BD"/>
+        <a:srgbClr val="FDA023"/>
       </a:accent1>
       <a:accent2>
-        <a:srgbClr val="C0504D"/>
+        <a:srgbClr val="AA2B1E"/>
       </a:accent2>
       <a:accent3>
-        <a:srgbClr val="9BBB59"/>
+        <a:srgbClr val="71685C"/>
       </a:accent3>
       <a:accent4>
-        <a:srgbClr val="8064A2"/>
+        <a:srgbClr val="64A73B"/>
       </a:accent4>
       <a:accent5>
-        <a:srgbClr val="4BACC6"/>
+        <a:srgbClr val="EB5605"/>
       </a:accent5>
       <a:accent6>
-        <a:srgbClr val="F79646"/>
+        <a:srgbClr val="B9CA1A"/>
       </a:accent6>
       <a:hlink>
-        <a:srgbClr val="0000FF"/>
+        <a:srgbClr val="D83E2C"/>
       </a:hlink>
       <a:folHlink>
-        <a:srgbClr val="800080"/>
+        <a:srgbClr val="ED7D27"/>
       </a:folHlink>
     </a:clrScheme>
-    <a:fontScheme name="Escritório">
+    <a:fontScheme name="Pino">
       <a:majorFont>
-        <a:latin typeface="Calibri"/>
+        <a:latin typeface="Constantia"/>
         <a:ea typeface=""/>
         <a:cs typeface=""/>
-        <a:font script="Jpan" typeface="ＭＳ Ｐゴシック"/>
-        <a:font script="Hang" typeface="맑은 고딕"/>
+        <a:font script="Jpan" typeface="HGS明朝E"/>
+        <a:font script="Hang" typeface="HY신명조"/>
         <a:font script="Hans" typeface="宋体"/>
         <a:font script="Hant" typeface="新細明體"/>
-        <a:font script="Arab" typeface="Times New Roman"/>
-        <a:font script="Hebr" typeface="Times New Roman"/>
-        <a:font script="Thai" typeface="Angsana New"/>
+        <a:font script="Arab" typeface="Majalla UI"/>
+        <a:font script="Hebr" typeface="David"/>
+        <a:font script="Thai" typeface="Browallia New"/>
         <a:font script="Ethi" typeface="Nyala"/>
         <a:font script="Beng" typeface="Vrinda"/>
         <a:font script="Gujr" typeface="Shruti"/>
@@ -3090,22 +8869,25 @@
         <a:font script="Mong" typeface="Mongolian Baiti"/>
         <a:font script="Viet" typeface="Times New Roman"/>
         <a:font script="Uigh" typeface="Microsoft Uighur"/>
+        <a:font script="Geor" typeface="Sylfaen"/>
       </a:majorFont>
       <a:minorFont>
-        <a:latin typeface="Calibri"/>
+        <a:latin typeface="Franklin Gothic Book"/>
         <a:ea typeface=""/>
         <a:cs typeface=""/>
+        <a:font script="Grek" typeface="Arial"/>
+        <a:font script="Cyrl" typeface="Arial"/>
         <a:font script="Jpan" typeface="ＭＳ Ｐゴシック"/>
         <a:font script="Hang" typeface="맑은 고딕"/>
-        <a:font script="Hans" typeface="宋体"/>
-        <a:font script="Hant" typeface="新細明體"/>
+        <a:font script="Hans" typeface="黑体"/>
+        <a:font script="Hant" typeface="微軟正黑體"/>
         <a:font script="Arab" typeface="Arial"/>
         <a:font script="Hebr" typeface="Arial"/>
         <a:font script="Thai" typeface="Cordia New"/>
         <a:font script="Ethi" typeface="Nyala"/>
         <a:font script="Beng" typeface="Vrinda"/>
         <a:font script="Gujr" typeface="Shruti"/>
-        <a:font script="Khmr" typeface="DaunPenh"/>
+        <a:font script="Khmr" typeface="MoolBoran"/>
         <a:font script="Knda" typeface="Tunga"/>
         <a:font script="Guru" typeface="Raavi"/>
         <a:font script="Cans" typeface="Euphemia"/>
@@ -3124,9 +8906,10 @@
         <a:font script="Mong" typeface="Mongolian Baiti"/>
         <a:font script="Viet" typeface="Arial"/>
         <a:font script="Uigh" typeface="Microsoft Uighur"/>
+        <a:font script="Geor" typeface="Sylfaen"/>
       </a:minorFont>
     </a:fontScheme>
-    <a:fmtScheme name="Escritório">
+    <a:fmtScheme name="Pino">
       <a:fillStyleLst>
         <a:solidFill>
           <a:schemeClr val="phClr"/>
@@ -3136,54 +8919,53 @@
             <a:gs pos="0">
               <a:schemeClr val="phClr">
                 <a:tint val="50000"/>
-                <a:satMod val="300000"/>
+                <a:satMod val="180000"/>
+                <a:lumMod val="100000"/>
               </a:schemeClr>
             </a:gs>
-            <a:gs pos="35000">
+            <a:gs pos="40000">
               <a:schemeClr val="phClr">
-                <a:tint val="37000"/>
-                <a:satMod val="300000"/>
+                <a:tint val="60000"/>
+                <a:satMod val="130000"/>
+                <a:lumMod val="100000"/>
               </a:schemeClr>
             </a:gs>
             <a:gs pos="100000">
               <a:schemeClr val="phClr">
-                <a:tint val="15000"/>
-                <a:satMod val="350000"/>
+                <a:tint val="96000"/>
+                <a:lumMod val="108000"/>
               </a:schemeClr>
             </a:gs>
           </a:gsLst>
-          <a:lin ang="16200000" scaled="1"/>
+          <a:lin ang="5400000" scaled="0"/>
         </a:gradFill>
         <a:gradFill rotWithShape="1">
           <a:gsLst>
             <a:gs pos="0">
-              <a:schemeClr val="phClr">
-                <a:shade val="51000"/>
-                <a:satMod val="130000"/>
-              </a:schemeClr>
-            </a:gs>
-            <a:gs pos="80000">
-              <a:schemeClr val="phClr">
-                <a:shade val="93000"/>
-                <a:satMod val="130000"/>
-              </a:schemeClr>
+              <a:schemeClr val="phClr"/>
             </a:gs>
             <a:gs pos="100000">
               <a:schemeClr val="phClr">
-                <a:shade val="94000"/>
-                <a:satMod val="135000"/>
+                <a:shade val="76000"/>
+                <a:lumMod val="90000"/>
               </a:schemeClr>
             </a:gs>
           </a:gsLst>
-          <a:lin ang="16200000" scaled="0"/>
+          <a:lin ang="5400000" scaled="0"/>
         </a:gradFill>
       </a:fillStyleLst>
       <a:lnStyleLst>
         <a:ln w="9525" cap="flat" cmpd="sng" algn="ctr">
           <a:solidFill>
+            <a:schemeClr val="phClr"/>
+          </a:solidFill>
+          <a:prstDash val="solid"/>
+        </a:ln>
+        <a:ln w="15875" cap="flat" cmpd="sng" algn="ctr">
+          <a:solidFill>
             <a:schemeClr val="phClr">
-              <a:shade val="95000"/>
-              <a:satMod val="105000"/>
+              <a:shade val="80000"/>
+              <a:lumMod val="90000"/>
             </a:schemeClr>
           </a:solidFill>
           <a:prstDash val="solid"/>
@@ -3194,37 +8976,25 @@
           </a:solidFill>
           <a:prstDash val="solid"/>
         </a:ln>
-        <a:ln w="38100" cap="flat" cmpd="sng" algn="ctr">
-          <a:solidFill>
-            <a:schemeClr val="phClr"/>
-          </a:solidFill>
-          <a:prstDash val="solid"/>
-        </a:ln>
       </a:lnStyleLst>
       <a:effectStyleLst>
         <a:effectStyle>
+          <a:effectLst/>
+        </a:effectStyle>
+        <a:effectStyle>
           <a:effectLst>
-            <a:outerShdw blurRad="40000" dist="20000" dir="5400000" rotWithShape="0">
+            <a:outerShdw blurRad="38100" dist="38100" dir="4800000" sx="98000" sy="98000" rotWithShape="0">
               <a:srgbClr val="000000">
-                <a:alpha val="38000"/>
+                <a:alpha val="32000"/>
               </a:srgbClr>
             </a:outerShdw>
           </a:effectLst>
         </a:effectStyle>
         <a:effectStyle>
           <a:effectLst>
-            <a:outerShdw blurRad="40000" dist="23000" dir="5400000" rotWithShape="0">
+            <a:outerShdw blurRad="38100" dist="38100" dir="4800000" sx="96000" sy="96000" rotWithShape="0">
               <a:srgbClr val="000000">
-                <a:alpha val="35000"/>
-              </a:srgbClr>
-            </a:outerShdw>
-          </a:effectLst>
-        </a:effectStyle>
-        <a:effectStyle>
-          <a:effectLst>
-            <a:outerShdw blurRad="40000" dist="23000" dir="5400000" rotWithShape="0">
-              <a:srgbClr val="000000">
-                <a:alpha val="35000"/>
+                <a:alpha val="40000"/>
               </a:srgbClr>
             </a:outerShdw>
           </a:effectLst>
@@ -3233,63 +9003,55 @@
               <a:rot lat="0" lon="0" rev="0"/>
             </a:camera>
             <a:lightRig rig="threePt" dir="t">
-              <a:rot lat="0" lon="0" rev="1200000"/>
+              <a:rot lat="0" lon="0" rev="3240000"/>
             </a:lightRig>
           </a:scene3d>
           <a:sp3d>
-            <a:bevelT w="63500" h="25400"/>
+            <a:bevelT w="28575" h="28575"/>
           </a:sp3d>
         </a:effectStyle>
       </a:effectStyleLst>
       <a:bgFillStyleLst>
         <a:solidFill>
-          <a:schemeClr val="phClr"/>
+          <a:schemeClr val="phClr">
+            <a:tint val="93000"/>
+          </a:schemeClr>
         </a:solidFill>
-        <a:gradFill rotWithShape="1">
-          <a:gsLst>
-            <a:gs pos="0">
+        <a:blipFill rotWithShape="1">
+          <a:blip xmlns:r="http://schemas.openxmlformats.org/officeDocument/2006/relationships" r:embed="rId1">
+            <a:duotone>
               <a:schemeClr val="phClr">
-                <a:tint val="40000"/>
-                <a:satMod val="350000"/>
+                <a:shade val="80000"/>
+                <a:satMod val="140000"/>
+                <a:lumMod val="50000"/>
               </a:schemeClr>
-            </a:gs>
-            <a:gs pos="40000">
               <a:schemeClr val="phClr">
-                <a:tint val="45000"/>
-                <a:shade val="99000"/>
-                <a:satMod val="350000"/>
+                <a:tint val="95000"/>
+                <a:satMod val="180000"/>
+                <a:lumMod val="160000"/>
               </a:schemeClr>
-            </a:gs>
-            <a:gs pos="100000">
+            </a:duotone>
+          </a:blip>
+          <a:stretch/>
+        </a:blipFill>
+        <a:blipFill rotWithShape="1">
+          <a:blip xmlns:r="http://schemas.openxmlformats.org/officeDocument/2006/relationships" r:embed="rId2">
+            <a:duotone>
               <a:schemeClr val="phClr">
-                <a:shade val="20000"/>
-                <a:satMod val="255000"/>
+                <a:tint val="98000"/>
+                <a:shade val="90000"/>
+                <a:satMod val="120000"/>
+                <a:lumMod val="54000"/>
               </a:schemeClr>
-            </a:gs>
-          </a:gsLst>
-          <a:path path="circle">
-            <a:fillToRect l="50000" t="-80000" r="50000" b="180000"/>
-          </a:path>
-        </a:gradFill>
-        <a:gradFill rotWithShape="1">
-          <a:gsLst>
-            <a:gs pos="0">
               <a:schemeClr val="phClr">
                 <a:tint val="80000"/>
-                <a:satMod val="300000"/>
+                <a:satMod val="160000"/>
+                <a:lumMod val="140000"/>
               </a:schemeClr>
-            </a:gs>
-            <a:gs pos="100000">
-              <a:schemeClr val="phClr">
-                <a:shade val="30000"/>
-                <a:satMod val="200000"/>
-              </a:schemeClr>
-            </a:gs>
-          </a:gsLst>
-          <a:path path="circle">
-            <a:fillToRect l="50000" t="50000" r="50000" b="50000"/>
-          </a:path>
-        </a:gradFill>
+            </a:duotone>
+          </a:blip>
+          <a:stretch/>
+        </a:blipFill>
       </a:bgFillStyleLst>
     </a:fmtScheme>
   </a:themeElements>
